--- a/huiZhongLesson/答辩文件/天津软件1班_2D游戏_柴彧_百战天虫/百战天虫.pptx
+++ b/huiZhongLesson/答辩文件/天津软件1班_2D游戏_柴彧_百战天虫/百战天虫.pptx
@@ -113,7 +113,7 @@
   </p:defaultTextStyle>
   <p:extLst>
     <p:ext uri="{EFAFB233-063F-42B5-8137-9DF3F51BA10A}">
-      <p15:sldGuideLst xmlns:p15="http://schemas.microsoft.com/office/powerpoint/2012/main">
+      <p15:sldGuideLst xmlns:p15="http://schemas.microsoft.com/office/powerpoint/2012/main" xmlns="">
         <p15:guide id="1" orient="horz" pos="2160">
           <p15:clr>
             <a:srgbClr val="A4A3A4"/>
@@ -262,7 +262,7 @@
             <a:fld id="{5D2D7C02-6413-4FA0-B51A-4B4E687647AA}" type="datetimeFigureOut">
               <a:rPr lang="zh-CN" altLang="en-US" smtClean="0"/>
               <a:pPr/>
-              <a:t>2018/7/31 Tuesday</a:t>
+              <a:t>2018/7/31</a:t>
             </a:fld>
             <a:endParaRPr lang="zh-CN" altLang="en-US"/>
           </a:p>
@@ -314,7 +314,7 @@
     </p:spTree>
     <p:extLst>
       <p:ext uri="{BB962C8B-B14F-4D97-AF65-F5344CB8AC3E}">
-        <p14:creationId xmlns:p14="http://schemas.microsoft.com/office/powerpoint/2010/main" val="3520789796"/>
+        <p14:creationId xmlns:p14="http://schemas.microsoft.com/office/powerpoint/2010/main" xmlns="" val="3520789796"/>
       </p:ext>
     </p:extLst>
   </p:cSld>
@@ -434,7 +434,7 @@
             <a:fld id="{5D2D7C02-6413-4FA0-B51A-4B4E687647AA}" type="datetimeFigureOut">
               <a:rPr lang="zh-CN" altLang="en-US" smtClean="0"/>
               <a:pPr/>
-              <a:t>2018/7/31 Tuesday</a:t>
+              <a:t>2018/7/31</a:t>
             </a:fld>
             <a:endParaRPr lang="zh-CN" altLang="en-US"/>
           </a:p>
@@ -486,7 +486,7 @@
     </p:spTree>
     <p:extLst>
       <p:ext uri="{BB962C8B-B14F-4D97-AF65-F5344CB8AC3E}">
-        <p14:creationId xmlns:p14="http://schemas.microsoft.com/office/powerpoint/2010/main" val="2247429032"/>
+        <p14:creationId xmlns:p14="http://schemas.microsoft.com/office/powerpoint/2010/main" xmlns="" val="2247429032"/>
       </p:ext>
     </p:extLst>
   </p:cSld>
@@ -616,7 +616,7 @@
             <a:fld id="{5D2D7C02-6413-4FA0-B51A-4B4E687647AA}" type="datetimeFigureOut">
               <a:rPr lang="zh-CN" altLang="en-US" smtClean="0"/>
               <a:pPr/>
-              <a:t>2018/7/31 Tuesday</a:t>
+              <a:t>2018/7/31</a:t>
             </a:fld>
             <a:endParaRPr lang="zh-CN" altLang="en-US"/>
           </a:p>
@@ -668,7 +668,7 @@
     </p:spTree>
     <p:extLst>
       <p:ext uri="{BB962C8B-B14F-4D97-AF65-F5344CB8AC3E}">
-        <p14:creationId xmlns:p14="http://schemas.microsoft.com/office/powerpoint/2010/main" val="3639564044"/>
+        <p14:creationId xmlns:p14="http://schemas.microsoft.com/office/powerpoint/2010/main" xmlns="" val="3639564044"/>
       </p:ext>
     </p:extLst>
   </p:cSld>
@@ -788,7 +788,7 @@
             <a:fld id="{5D2D7C02-6413-4FA0-B51A-4B4E687647AA}" type="datetimeFigureOut">
               <a:rPr lang="zh-CN" altLang="en-US" smtClean="0"/>
               <a:pPr/>
-              <a:t>2018/7/31 Tuesday</a:t>
+              <a:t>2018/7/31</a:t>
             </a:fld>
             <a:endParaRPr lang="zh-CN" altLang="en-US"/>
           </a:p>
@@ -840,7 +840,7 @@
     </p:spTree>
     <p:extLst>
       <p:ext uri="{BB962C8B-B14F-4D97-AF65-F5344CB8AC3E}">
-        <p14:creationId xmlns:p14="http://schemas.microsoft.com/office/powerpoint/2010/main" val="1425107319"/>
+        <p14:creationId xmlns:p14="http://schemas.microsoft.com/office/powerpoint/2010/main" xmlns="" val="1425107319"/>
       </p:ext>
     </p:extLst>
   </p:cSld>
@@ -1036,7 +1036,7 @@
             <a:fld id="{5D2D7C02-6413-4FA0-B51A-4B4E687647AA}" type="datetimeFigureOut">
               <a:rPr lang="zh-CN" altLang="en-US" smtClean="0"/>
               <a:pPr/>
-              <a:t>2018/7/31 Tuesday</a:t>
+              <a:t>2018/7/31</a:t>
             </a:fld>
             <a:endParaRPr lang="zh-CN" altLang="en-US"/>
           </a:p>
@@ -1088,7 +1088,7 @@
     </p:spTree>
     <p:extLst>
       <p:ext uri="{BB962C8B-B14F-4D97-AF65-F5344CB8AC3E}">
-        <p14:creationId xmlns:p14="http://schemas.microsoft.com/office/powerpoint/2010/main" val="19894908"/>
+        <p14:creationId xmlns:p14="http://schemas.microsoft.com/office/powerpoint/2010/main" xmlns="" val="19894908"/>
       </p:ext>
     </p:extLst>
   </p:cSld>
@@ -1270,7 +1270,7 @@
             <a:fld id="{5D2D7C02-6413-4FA0-B51A-4B4E687647AA}" type="datetimeFigureOut">
               <a:rPr lang="zh-CN" altLang="en-US" smtClean="0"/>
               <a:pPr/>
-              <a:t>2018/7/31 Tuesday</a:t>
+              <a:t>2018/7/31</a:t>
             </a:fld>
             <a:endParaRPr lang="zh-CN" altLang="en-US"/>
           </a:p>
@@ -1322,7 +1322,7 @@
     </p:spTree>
     <p:extLst>
       <p:ext uri="{BB962C8B-B14F-4D97-AF65-F5344CB8AC3E}">
-        <p14:creationId xmlns:p14="http://schemas.microsoft.com/office/powerpoint/2010/main" val="198632400"/>
+        <p14:creationId xmlns:p14="http://schemas.microsoft.com/office/powerpoint/2010/main" xmlns="" val="198632400"/>
       </p:ext>
     </p:extLst>
   </p:cSld>
@@ -1639,7 +1639,7 @@
             <a:fld id="{5D2D7C02-6413-4FA0-B51A-4B4E687647AA}" type="datetimeFigureOut">
               <a:rPr lang="zh-CN" altLang="en-US" smtClean="0"/>
               <a:pPr/>
-              <a:t>2018/7/31 Tuesday</a:t>
+              <a:t>2018/7/31</a:t>
             </a:fld>
             <a:endParaRPr lang="zh-CN" altLang="en-US"/>
           </a:p>
@@ -1691,7 +1691,7 @@
     </p:spTree>
     <p:extLst>
       <p:ext uri="{BB962C8B-B14F-4D97-AF65-F5344CB8AC3E}">
-        <p14:creationId xmlns:p14="http://schemas.microsoft.com/office/powerpoint/2010/main" val="748232851"/>
+        <p14:creationId xmlns:p14="http://schemas.microsoft.com/office/powerpoint/2010/main" xmlns="" val="748232851"/>
       </p:ext>
     </p:extLst>
   </p:cSld>
@@ -1759,7 +1759,7 @@
             <a:fld id="{5D2D7C02-6413-4FA0-B51A-4B4E687647AA}" type="datetimeFigureOut">
               <a:rPr lang="zh-CN" altLang="en-US" smtClean="0"/>
               <a:pPr/>
-              <a:t>2018/7/31 Tuesday</a:t>
+              <a:t>2018/7/31</a:t>
             </a:fld>
             <a:endParaRPr lang="zh-CN" altLang="en-US"/>
           </a:p>
@@ -1811,7 +1811,7 @@
     </p:spTree>
     <p:extLst>
       <p:ext uri="{BB962C8B-B14F-4D97-AF65-F5344CB8AC3E}">
-        <p14:creationId xmlns:p14="http://schemas.microsoft.com/office/powerpoint/2010/main" val="1762628761"/>
+        <p14:creationId xmlns:p14="http://schemas.microsoft.com/office/powerpoint/2010/main" xmlns="" val="1762628761"/>
       </p:ext>
     </p:extLst>
   </p:cSld>
@@ -1856,7 +1856,7 @@
             <a:fld id="{5D2D7C02-6413-4FA0-B51A-4B4E687647AA}" type="datetimeFigureOut">
               <a:rPr lang="zh-CN" altLang="en-US" smtClean="0"/>
               <a:pPr/>
-              <a:t>2018/7/31 Tuesday</a:t>
+              <a:t>2018/7/31</a:t>
             </a:fld>
             <a:endParaRPr lang="zh-CN" altLang="en-US"/>
           </a:p>
@@ -1908,7 +1908,7 @@
     </p:spTree>
     <p:extLst>
       <p:ext uri="{BB962C8B-B14F-4D97-AF65-F5344CB8AC3E}">
-        <p14:creationId xmlns:p14="http://schemas.microsoft.com/office/powerpoint/2010/main" val="2577149495"/>
+        <p14:creationId xmlns:p14="http://schemas.microsoft.com/office/powerpoint/2010/main" xmlns="" val="2577149495"/>
       </p:ext>
     </p:extLst>
   </p:cSld>
@@ -2135,7 +2135,7 @@
             <a:fld id="{5D2D7C02-6413-4FA0-B51A-4B4E687647AA}" type="datetimeFigureOut">
               <a:rPr lang="zh-CN" altLang="en-US" smtClean="0"/>
               <a:pPr/>
-              <a:t>2018/7/31 Tuesday</a:t>
+              <a:t>2018/7/31</a:t>
             </a:fld>
             <a:endParaRPr lang="zh-CN" altLang="en-US"/>
           </a:p>
@@ -2187,7 +2187,7 @@
     </p:spTree>
     <p:extLst>
       <p:ext uri="{BB962C8B-B14F-4D97-AF65-F5344CB8AC3E}">
-        <p14:creationId xmlns:p14="http://schemas.microsoft.com/office/powerpoint/2010/main" val="2968106356"/>
+        <p14:creationId xmlns:p14="http://schemas.microsoft.com/office/powerpoint/2010/main" xmlns="" val="2968106356"/>
       </p:ext>
     </p:extLst>
   </p:cSld>
@@ -2390,7 +2390,7 @@
             <a:fld id="{5D2D7C02-6413-4FA0-B51A-4B4E687647AA}" type="datetimeFigureOut">
               <a:rPr lang="zh-CN" altLang="en-US" smtClean="0"/>
               <a:pPr/>
-              <a:t>2018/7/31 Tuesday</a:t>
+              <a:t>2018/7/31</a:t>
             </a:fld>
             <a:endParaRPr lang="zh-CN" altLang="en-US"/>
           </a:p>
@@ -2442,7 +2442,7 @@
     </p:spTree>
     <p:extLst>
       <p:ext uri="{BB962C8B-B14F-4D97-AF65-F5344CB8AC3E}">
-        <p14:creationId xmlns:p14="http://schemas.microsoft.com/office/powerpoint/2010/main" val="1613032852"/>
+        <p14:creationId xmlns:p14="http://schemas.microsoft.com/office/powerpoint/2010/main" xmlns="" val="1613032852"/>
       </p:ext>
     </p:extLst>
   </p:cSld>
@@ -2611,7 +2611,7 @@
             <a:fld id="{5D2D7C02-6413-4FA0-B51A-4B4E687647AA}" type="datetimeFigureOut">
               <a:rPr lang="zh-CN" altLang="en-US" smtClean="0"/>
               <a:pPr/>
-              <a:t>2018/7/31 Tuesday</a:t>
+              <a:t>2018/7/31</a:t>
             </a:fld>
             <a:endParaRPr lang="zh-CN" altLang="en-US"/>
           </a:p>
@@ -2699,7 +2699,7 @@
     </p:spTree>
     <p:extLst>
       <p:ext uri="{BB962C8B-B14F-4D97-AF65-F5344CB8AC3E}">
-        <p14:creationId xmlns:p14="http://schemas.microsoft.com/office/powerpoint/2010/main" val="3760445306"/>
+        <p14:creationId xmlns:p14="http://schemas.microsoft.com/office/powerpoint/2010/main" xmlns="" val="3760445306"/>
       </p:ext>
     </p:extLst>
   </p:cSld>
@@ -3190,7 +3190,7 @@
           <a:blip r:embed="rId2" cstate="print">
             <a:extLst>
               <a:ext uri="{28A0092B-C50C-407E-A947-70E740481C1C}">
-                <a14:useLocalDpi xmlns:a14="http://schemas.microsoft.com/office/drawing/2010/main" val="0"/>
+                <a14:useLocalDpi xmlns:a14="http://schemas.microsoft.com/office/drawing/2010/main" xmlns="" val="0"/>
               </a:ext>
             </a:extLst>
           </a:blip>
@@ -3211,7 +3211,7 @@
     </p:spTree>
     <p:extLst>
       <p:ext uri="{BB962C8B-B14F-4D97-AF65-F5344CB8AC3E}">
-        <p14:creationId xmlns:p14="http://schemas.microsoft.com/office/powerpoint/2010/main" val="2763567643"/>
+        <p14:creationId xmlns:p14="http://schemas.microsoft.com/office/powerpoint/2010/main" xmlns="" val="2763567643"/>
       </p:ext>
     </p:extLst>
   </p:cSld>
@@ -3259,7 +3259,7 @@
           <a:blip r:embed="rId3" cstate="print">
             <a:extLst>
               <a:ext uri="{28A0092B-C50C-407E-A947-70E740481C1C}">
-                <a14:useLocalDpi xmlns:a14="http://schemas.microsoft.com/office/drawing/2010/main" val="0"/>
+                <a14:useLocalDpi xmlns:a14="http://schemas.microsoft.com/office/drawing/2010/main" xmlns="" val="0"/>
               </a:ext>
             </a:extLst>
           </a:blip>
@@ -3315,8 +3315,8 @@
         </p:nvSpPr>
         <p:spPr>
           <a:xfrm>
-            <a:off x="2486025" y="2479589"/>
-            <a:ext cx="6013624" cy="1477328"/>
+            <a:off x="2148673" y="2319791"/>
+            <a:ext cx="6613587" cy="1200329"/>
           </a:xfrm>
           <a:prstGeom prst="rect">
             <a:avLst/>
@@ -3330,12 +3330,16 @@
           <a:lstStyle/>
           <a:p>
             <a:r>
-              <a:rPr lang="en-US" altLang="zh-CN" dirty="0"/>
-              <a:t>《</a:t>
+              <a:rPr lang="en-US" altLang="zh-CN" dirty="0" smtClean="0"/>
+              <a:t>      《</a:t>
+            </a:r>
+            <a:r>
+              <a:rPr lang="zh-CN" altLang="en-US" dirty="0" smtClean="0"/>
+              <a:t>百</a:t>
             </a:r>
             <a:r>
               <a:rPr lang="zh-CN" altLang="en-US" dirty="0"/>
-              <a:t>百战天虫</a:t>
+              <a:t>战天虫</a:t>
             </a:r>
             <a:r>
               <a:rPr lang="en-US" altLang="zh-CN" dirty="0"/>
@@ -3381,14 +3385,117 @@
               <a:rPr lang="zh-CN" altLang="en-US" dirty="0"/>
               <a:t>玩家通过控制携带武器的虫子来进行战斗。</a:t>
             </a:r>
-            <a:endParaRPr lang="zh-CN" altLang="en-US" dirty="0"/>
-          </a:p>
-        </p:txBody>
-      </p:sp>
+          </a:p>
+        </p:txBody>
+      </p:sp>
+      <p:pic>
+        <p:nvPicPr>
+          <p:cNvPr id="2050" name="Picture 2" descr="F:\素材\2D沙漠场景瓷砖素材\DesertTileset\png\Objects\StoneBlock.png"/>
+          <p:cNvPicPr>
+            <a:picLocks noChangeAspect="1" noChangeArrowheads="1"/>
+          </p:cNvPicPr>
+          <p:nvPr/>
+        </p:nvPicPr>
+        <p:blipFill>
+          <a:blip r:embed="rId4" cstate="print"/>
+          <a:srcRect/>
+          <a:stretch>
+            <a:fillRect/>
+          </a:stretch>
+        </p:blipFill>
+        <p:spPr bwMode="auto">
+          <a:xfrm>
+            <a:off x="1747838" y="5334000"/>
+            <a:ext cx="962025" cy="942975"/>
+          </a:xfrm>
+          <a:prstGeom prst="rect">
+            <a:avLst/>
+          </a:prstGeom>
+          <a:noFill/>
+        </p:spPr>
+      </p:pic>
+      <p:pic>
+        <p:nvPicPr>
+          <p:cNvPr id="2051" name="Picture 3" descr="F:\素材\2D沙漠场景瓷砖素材\DesertTileset\png\Objects\StoneBlock.png"/>
+          <p:cNvPicPr>
+            <a:picLocks noChangeAspect="1" noChangeArrowheads="1"/>
+          </p:cNvPicPr>
+          <p:nvPr/>
+        </p:nvPicPr>
+        <p:blipFill>
+          <a:blip r:embed="rId4" cstate="print"/>
+          <a:srcRect/>
+          <a:stretch>
+            <a:fillRect/>
+          </a:stretch>
+        </p:blipFill>
+        <p:spPr bwMode="auto">
+          <a:xfrm>
+            <a:off x="2688732" y="5361574"/>
+            <a:ext cx="962025" cy="942975"/>
+          </a:xfrm>
+          <a:prstGeom prst="rect">
+            <a:avLst/>
+          </a:prstGeom>
+          <a:noFill/>
+        </p:spPr>
+      </p:pic>
+      <p:pic>
+        <p:nvPicPr>
+          <p:cNvPr id="2052" name="Picture 4" descr="F:\素材\2D沙漠场景瓷砖素材\DesertTileset\png\Objects\StoneBlock.png"/>
+          <p:cNvPicPr>
+            <a:picLocks noChangeAspect="1" noChangeArrowheads="1"/>
+          </p:cNvPicPr>
+          <p:nvPr/>
+        </p:nvPicPr>
+        <p:blipFill>
+          <a:blip r:embed="rId4" cstate="print"/>
+          <a:srcRect/>
+          <a:stretch>
+            <a:fillRect/>
+          </a:stretch>
+        </p:blipFill>
+        <p:spPr bwMode="auto">
+          <a:xfrm>
+            <a:off x="3647258" y="5379083"/>
+            <a:ext cx="962025" cy="942975"/>
+          </a:xfrm>
+          <a:prstGeom prst="rect">
+            <a:avLst/>
+          </a:prstGeom>
+          <a:noFill/>
+        </p:spPr>
+      </p:pic>
+      <p:pic>
+        <p:nvPicPr>
+          <p:cNvPr id="2053" name="Picture 5" descr="F:\素材\2D沙漠场景瓷砖素材\DesertTileset\png\Objects\StoneBlock.png"/>
+          <p:cNvPicPr>
+            <a:picLocks noChangeAspect="1" noChangeArrowheads="1"/>
+          </p:cNvPicPr>
+          <p:nvPr/>
+        </p:nvPicPr>
+        <p:blipFill>
+          <a:blip r:embed="rId4" cstate="print"/>
+          <a:srcRect/>
+          <a:stretch>
+            <a:fillRect/>
+          </a:stretch>
+        </p:blipFill>
+        <p:spPr bwMode="auto">
+          <a:xfrm>
+            <a:off x="4588908" y="5352804"/>
+            <a:ext cx="962025" cy="942975"/>
+          </a:xfrm>
+          <a:prstGeom prst="rect">
+            <a:avLst/>
+          </a:prstGeom>
+          <a:noFill/>
+        </p:spPr>
+      </p:pic>
     </p:spTree>
     <p:extLst>
       <p:ext uri="{BB962C8B-B14F-4D97-AF65-F5344CB8AC3E}">
-        <p14:creationId xmlns:p14="http://schemas.microsoft.com/office/powerpoint/2010/main" val="2417441425"/>
+        <p14:creationId xmlns:p14="http://schemas.microsoft.com/office/powerpoint/2010/main" xmlns="" val="2417441425"/>
       </p:ext>
     </p:extLst>
   </p:cSld>
@@ -3442,7 +3549,7 @@
           <a:blip r:embed="rId2" cstate="print">
             <a:extLst>
               <a:ext uri="{28A0092B-C50C-407E-A947-70E740481C1C}">
-                <a14:useLocalDpi xmlns:a14="http://schemas.microsoft.com/office/drawing/2010/main" val="0"/>
+                <a14:useLocalDpi xmlns:a14="http://schemas.microsoft.com/office/drawing/2010/main" xmlns="" val="0"/>
               </a:ext>
             </a:extLst>
           </a:blip>
@@ -3499,10 +3606,10 @@
           <p:nvPr/>
         </p:nvPicPr>
         <p:blipFill>
-          <a:blip r:embed="rId3">
+          <a:blip r:embed="rId3" cstate="print">
             <a:extLst>
               <a:ext uri="{28A0092B-C50C-407E-A947-70E740481C1C}">
-                <a14:useLocalDpi xmlns:a14="http://schemas.microsoft.com/office/drawing/2010/main" val="0"/>
+                <a14:useLocalDpi xmlns:a14="http://schemas.microsoft.com/office/drawing/2010/main" xmlns="" val="0"/>
               </a:ext>
             </a:extLst>
           </a:blip>
@@ -3520,10 +3627,168 @@
           </a:prstGeom>
         </p:spPr>
       </p:pic>
+      <p:sp>
+        <p:nvSpPr>
+          <p:cNvPr id="7" name="TextBox 6"/>
+          <p:cNvSpPr txBox="1"/>
+          <p:nvPr/>
+        </p:nvSpPr>
+        <p:spPr>
+          <a:xfrm>
+            <a:off x="7457242" y="2432482"/>
+            <a:ext cx="1162975" cy="369332"/>
+          </a:xfrm>
+          <a:prstGeom prst="rect">
+            <a:avLst/>
+          </a:prstGeom>
+          <a:noFill/>
+        </p:spPr>
+        <p:txBody>
+          <a:bodyPr wrap="square" rtlCol="0">
+            <a:spAutoFit/>
+          </a:bodyPr>
+          <a:lstStyle/>
+          <a:p>
+            <a:r>
+              <a:rPr lang="zh-CN" altLang="en-US" b="1" dirty="0" smtClean="0"/>
+              <a:t>物体基类</a:t>
+            </a:r>
+            <a:endParaRPr lang="zh-CN" altLang="en-US" b="1" dirty="0"/>
+          </a:p>
+        </p:txBody>
+      </p:sp>
+      <p:sp>
+        <p:nvSpPr>
+          <p:cNvPr id="8" name="TextBox 7"/>
+          <p:cNvSpPr txBox="1"/>
+          <p:nvPr/>
+        </p:nvSpPr>
+        <p:spPr>
+          <a:xfrm>
+            <a:off x="3188563" y="4893076"/>
+            <a:ext cx="1162975" cy="369332"/>
+          </a:xfrm>
+          <a:prstGeom prst="rect">
+            <a:avLst/>
+          </a:prstGeom>
+          <a:noFill/>
+        </p:spPr>
+        <p:txBody>
+          <a:bodyPr wrap="square" rtlCol="0">
+            <a:spAutoFit/>
+          </a:bodyPr>
+          <a:lstStyle/>
+          <a:p>
+            <a:r>
+              <a:rPr lang="zh-CN" altLang="en-US" b="1" dirty="0" smtClean="0"/>
+              <a:t>主角类</a:t>
+            </a:r>
+            <a:endParaRPr lang="zh-CN" altLang="en-US" b="1" dirty="0"/>
+          </a:p>
+        </p:txBody>
+      </p:sp>
+      <p:sp>
+        <p:nvSpPr>
+          <p:cNvPr id="9" name="TextBox 8"/>
+          <p:cNvSpPr txBox="1"/>
+          <p:nvPr/>
+        </p:nvSpPr>
+        <p:spPr>
+          <a:xfrm>
+            <a:off x="5160885" y="4876799"/>
+            <a:ext cx="1162975" cy="369332"/>
+          </a:xfrm>
+          <a:prstGeom prst="rect">
+            <a:avLst/>
+          </a:prstGeom>
+          <a:noFill/>
+        </p:spPr>
+        <p:txBody>
+          <a:bodyPr wrap="square" rtlCol="0">
+            <a:spAutoFit/>
+          </a:bodyPr>
+          <a:lstStyle/>
+          <a:p>
+            <a:r>
+              <a:rPr lang="zh-CN" altLang="en-US" b="1" dirty="0" smtClean="0"/>
+              <a:t>武器</a:t>
+            </a:r>
+            <a:r>
+              <a:rPr lang="zh-CN" altLang="en-US" b="1" dirty="0" smtClean="0"/>
+              <a:t>类</a:t>
+            </a:r>
+            <a:endParaRPr lang="zh-CN" altLang="en-US" b="1" dirty="0"/>
+          </a:p>
+        </p:txBody>
+      </p:sp>
+      <p:sp>
+        <p:nvSpPr>
+          <p:cNvPr id="10" name="TextBox 9"/>
+          <p:cNvSpPr txBox="1"/>
+          <p:nvPr/>
+        </p:nvSpPr>
+        <p:spPr>
+          <a:xfrm>
+            <a:off x="7355149" y="4887156"/>
+            <a:ext cx="1162975" cy="369332"/>
+          </a:xfrm>
+          <a:prstGeom prst="rect">
+            <a:avLst/>
+          </a:prstGeom>
+          <a:noFill/>
+        </p:spPr>
+        <p:txBody>
+          <a:bodyPr wrap="square" rtlCol="0">
+            <a:spAutoFit/>
+          </a:bodyPr>
+          <a:lstStyle/>
+          <a:p>
+            <a:r>
+              <a:rPr lang="zh-CN" altLang="en-US" b="1" dirty="0" smtClean="0"/>
+              <a:t>子弹</a:t>
+            </a:r>
+            <a:r>
+              <a:rPr lang="zh-CN" altLang="en-US" b="1" dirty="0" smtClean="0"/>
+              <a:t>类</a:t>
+            </a:r>
+            <a:endParaRPr lang="zh-CN" altLang="en-US" b="1" dirty="0"/>
+          </a:p>
+        </p:txBody>
+      </p:sp>
+      <p:sp>
+        <p:nvSpPr>
+          <p:cNvPr id="11" name="TextBox 10"/>
+          <p:cNvSpPr txBox="1"/>
+          <p:nvPr/>
+        </p:nvSpPr>
+        <p:spPr>
+          <a:xfrm>
+            <a:off x="9478392" y="4897513"/>
+            <a:ext cx="1162975" cy="369332"/>
+          </a:xfrm>
+          <a:prstGeom prst="rect">
+            <a:avLst/>
+          </a:prstGeom>
+          <a:noFill/>
+        </p:spPr>
+        <p:txBody>
+          <a:bodyPr wrap="square" rtlCol="0">
+            <a:spAutoFit/>
+          </a:bodyPr>
+          <a:lstStyle/>
+          <a:p>
+            <a:r>
+              <a:rPr lang="zh-CN" altLang="en-US" b="1" dirty="0" smtClean="0"/>
+              <a:t>地图类</a:t>
+            </a:r>
+            <a:endParaRPr lang="zh-CN" altLang="en-US" b="1" dirty="0"/>
+          </a:p>
+        </p:txBody>
+      </p:sp>
     </p:spTree>
     <p:extLst>
       <p:ext uri="{BB962C8B-B14F-4D97-AF65-F5344CB8AC3E}">
-        <p14:creationId xmlns:p14="http://schemas.microsoft.com/office/powerpoint/2010/main" val="3394418747"/>
+        <p14:creationId xmlns:p14="http://schemas.microsoft.com/office/powerpoint/2010/main" xmlns="" val="3394418747"/>
       </p:ext>
     </p:extLst>
   </p:cSld>
@@ -3533,9 +3798,250 @@
   <p:timing>
     <p:tnLst>
       <p:par>
-        <p:cTn id="1" dur="indefinite" restart="never" nodeType="tmRoot"/>
+        <p:cTn id="1" dur="indefinite" restart="never" nodeType="tmRoot">
+          <p:childTnLst>
+            <p:seq concurrent="1" nextAc="seek">
+              <p:cTn id="2" dur="indefinite" nodeType="mainSeq">
+                <p:childTnLst>
+                  <p:par>
+                    <p:cTn id="3" fill="hold">
+                      <p:stCondLst>
+                        <p:cond delay="indefinite"/>
+                      </p:stCondLst>
+                      <p:childTnLst>
+                        <p:par>
+                          <p:cTn id="4" fill="hold">
+                            <p:stCondLst>
+                              <p:cond delay="0"/>
+                            </p:stCondLst>
+                            <p:childTnLst>
+                              <p:par>
+                                <p:cTn id="5" presetID="10" presetClass="entr" presetSubtype="0" fill="hold" grpId="0" nodeType="clickEffect">
+                                  <p:stCondLst>
+                                    <p:cond delay="0"/>
+                                  </p:stCondLst>
+                                  <p:childTnLst>
+                                    <p:set>
+                                      <p:cBhvr>
+                                        <p:cTn id="6" dur="1" fill="hold">
+                                          <p:stCondLst>
+                                            <p:cond delay="0"/>
+                                          </p:stCondLst>
+                                        </p:cTn>
+                                        <p:tgtEl>
+                                          <p:spTgt spid="7"/>
+                                        </p:tgtEl>
+                                        <p:attrNameLst>
+                                          <p:attrName>style.visibility</p:attrName>
+                                        </p:attrNameLst>
+                                      </p:cBhvr>
+                                      <p:to>
+                                        <p:strVal val="visible"/>
+                                      </p:to>
+                                    </p:set>
+                                    <p:animEffect transition="in" filter="fade">
+                                      <p:cBhvr>
+                                        <p:cTn id="7" dur="2000"/>
+                                        <p:tgtEl>
+                                          <p:spTgt spid="7"/>
+                                        </p:tgtEl>
+                                      </p:cBhvr>
+                                    </p:animEffect>
+                                  </p:childTnLst>
+                                </p:cTn>
+                              </p:par>
+                            </p:childTnLst>
+                          </p:cTn>
+                        </p:par>
+                      </p:childTnLst>
+                    </p:cTn>
+                  </p:par>
+                  <p:par>
+                    <p:cTn id="8" fill="hold">
+                      <p:stCondLst>
+                        <p:cond delay="indefinite"/>
+                      </p:stCondLst>
+                      <p:childTnLst>
+                        <p:par>
+                          <p:cTn id="9" fill="hold">
+                            <p:stCondLst>
+                              <p:cond delay="0"/>
+                            </p:stCondLst>
+                            <p:childTnLst>
+                              <p:par>
+                                <p:cTn id="10" presetID="10" presetClass="entr" presetSubtype="0" fill="hold" grpId="1" nodeType="clickEffect">
+                                  <p:stCondLst>
+                                    <p:cond delay="0"/>
+                                  </p:stCondLst>
+                                  <p:childTnLst>
+                                    <p:set>
+                                      <p:cBhvr>
+                                        <p:cTn id="11" dur="1" fill="hold">
+                                          <p:stCondLst>
+                                            <p:cond delay="0"/>
+                                          </p:stCondLst>
+                                        </p:cTn>
+                                        <p:tgtEl>
+                                          <p:spTgt spid="8"/>
+                                        </p:tgtEl>
+                                        <p:attrNameLst>
+                                          <p:attrName>style.visibility</p:attrName>
+                                        </p:attrNameLst>
+                                      </p:cBhvr>
+                                      <p:to>
+                                        <p:strVal val="visible"/>
+                                      </p:to>
+                                    </p:set>
+                                    <p:animEffect transition="in" filter="fade">
+                                      <p:cBhvr>
+                                        <p:cTn id="12" dur="2000"/>
+                                        <p:tgtEl>
+                                          <p:spTgt spid="8"/>
+                                        </p:tgtEl>
+                                      </p:cBhvr>
+                                    </p:animEffect>
+                                  </p:childTnLst>
+                                </p:cTn>
+                              </p:par>
+                              <p:par>
+                                <p:cTn id="13" presetID="10" presetClass="entr" presetSubtype="0" fill="hold" grpId="1" nodeType="withEffect">
+                                  <p:stCondLst>
+                                    <p:cond delay="0"/>
+                                  </p:stCondLst>
+                                  <p:childTnLst>
+                                    <p:set>
+                                      <p:cBhvr>
+                                        <p:cTn id="14" dur="1" fill="hold">
+                                          <p:stCondLst>
+                                            <p:cond delay="0"/>
+                                          </p:stCondLst>
+                                        </p:cTn>
+                                        <p:tgtEl>
+                                          <p:spTgt spid="9"/>
+                                        </p:tgtEl>
+                                        <p:attrNameLst>
+                                          <p:attrName>style.visibility</p:attrName>
+                                        </p:attrNameLst>
+                                      </p:cBhvr>
+                                      <p:to>
+                                        <p:strVal val="visible"/>
+                                      </p:to>
+                                    </p:set>
+                                    <p:animEffect transition="in" filter="fade">
+                                      <p:cBhvr>
+                                        <p:cTn id="15" dur="2000"/>
+                                        <p:tgtEl>
+                                          <p:spTgt spid="9"/>
+                                        </p:tgtEl>
+                                      </p:cBhvr>
+                                    </p:animEffect>
+                                  </p:childTnLst>
+                                </p:cTn>
+                              </p:par>
+                              <p:par>
+                                <p:cTn id="16" presetID="10" presetClass="entr" presetSubtype="0" fill="hold" grpId="1" nodeType="withEffect">
+                                  <p:stCondLst>
+                                    <p:cond delay="0"/>
+                                  </p:stCondLst>
+                                  <p:childTnLst>
+                                    <p:set>
+                                      <p:cBhvr>
+                                        <p:cTn id="17" dur="1" fill="hold">
+                                          <p:stCondLst>
+                                            <p:cond delay="0"/>
+                                          </p:stCondLst>
+                                        </p:cTn>
+                                        <p:tgtEl>
+                                          <p:spTgt spid="10"/>
+                                        </p:tgtEl>
+                                        <p:attrNameLst>
+                                          <p:attrName>style.visibility</p:attrName>
+                                        </p:attrNameLst>
+                                      </p:cBhvr>
+                                      <p:to>
+                                        <p:strVal val="visible"/>
+                                      </p:to>
+                                    </p:set>
+                                    <p:animEffect transition="in" filter="fade">
+                                      <p:cBhvr>
+                                        <p:cTn id="18" dur="2000"/>
+                                        <p:tgtEl>
+                                          <p:spTgt spid="10"/>
+                                        </p:tgtEl>
+                                      </p:cBhvr>
+                                    </p:animEffect>
+                                  </p:childTnLst>
+                                </p:cTn>
+                              </p:par>
+                              <p:par>
+                                <p:cTn id="19" presetID="10" presetClass="entr" presetSubtype="0" fill="hold" grpId="1" nodeType="withEffect">
+                                  <p:stCondLst>
+                                    <p:cond delay="0"/>
+                                  </p:stCondLst>
+                                  <p:childTnLst>
+                                    <p:set>
+                                      <p:cBhvr>
+                                        <p:cTn id="20" dur="1" fill="hold">
+                                          <p:stCondLst>
+                                            <p:cond delay="0"/>
+                                          </p:stCondLst>
+                                        </p:cTn>
+                                        <p:tgtEl>
+                                          <p:spTgt spid="11"/>
+                                        </p:tgtEl>
+                                        <p:attrNameLst>
+                                          <p:attrName>style.visibility</p:attrName>
+                                        </p:attrNameLst>
+                                      </p:cBhvr>
+                                      <p:to>
+                                        <p:strVal val="visible"/>
+                                      </p:to>
+                                    </p:set>
+                                    <p:animEffect transition="in" filter="fade">
+                                      <p:cBhvr>
+                                        <p:cTn id="21" dur="2000"/>
+                                        <p:tgtEl>
+                                          <p:spTgt spid="11"/>
+                                        </p:tgtEl>
+                                      </p:cBhvr>
+                                    </p:animEffect>
+                                  </p:childTnLst>
+                                </p:cTn>
+                              </p:par>
+                            </p:childTnLst>
+                          </p:cTn>
+                        </p:par>
+                      </p:childTnLst>
+                    </p:cTn>
+                  </p:par>
+                </p:childTnLst>
+              </p:cTn>
+              <p:prevCondLst>
+                <p:cond evt="onPrev" delay="0">
+                  <p:tgtEl>
+                    <p:sldTgt/>
+                  </p:tgtEl>
+                </p:cond>
+              </p:prevCondLst>
+              <p:nextCondLst>
+                <p:cond evt="onNext" delay="0">
+                  <p:tgtEl>
+                    <p:sldTgt/>
+                  </p:tgtEl>
+                </p:cond>
+              </p:nextCondLst>
+            </p:seq>
+          </p:childTnLst>
+        </p:cTn>
       </p:par>
     </p:tnLst>
+    <p:bldLst>
+      <p:bldP spid="7" grpId="0"/>
+      <p:bldP spid="8" grpId="1"/>
+      <p:bldP spid="9" grpId="1"/>
+      <p:bldP spid="10" grpId="1"/>
+      <p:bldP spid="11" grpId="1"/>
+    </p:bldLst>
   </p:timing>
 </p:sld>
 </file>
@@ -3569,7 +4075,7 @@
           <a:blip r:embed="rId2" cstate="print">
             <a:extLst>
               <a:ext uri="{28A0092B-C50C-407E-A947-70E740481C1C}">
-                <a14:useLocalDpi xmlns:a14="http://schemas.microsoft.com/office/drawing/2010/main" val="0"/>
+                <a14:useLocalDpi xmlns:a14="http://schemas.microsoft.com/office/drawing/2010/main" xmlns="" val="0"/>
               </a:ext>
             </a:extLst>
           </a:blip>
@@ -3647,46 +4153,42 @@
           </a:p>
         </p:txBody>
       </p:sp>
-      <p:sp>
-        <p:nvSpPr>
-          <p:cNvPr id="6" name="文本框 5"/>
-          <p:cNvSpPr txBox="1"/>
+      <p:pic>
+        <p:nvPicPr>
+          <p:cNvPr id="1026" name="Picture 2" descr="F:\MyStudyProject\huiZhongLesson\我的游戏源码\worms\worms\bin\Win32\Debug\百战天虫初稿.png"/>
+          <p:cNvPicPr>
+            <a:picLocks noChangeAspect="1" noChangeArrowheads="1"/>
+          </p:cNvPicPr>
           <p:nvPr/>
-        </p:nvSpPr>
-        <p:spPr>
+        </p:nvPicPr>
+        <p:blipFill>
+          <a:blip r:embed="rId3" cstate="print"/>
+          <a:srcRect/>
+          <a:stretch>
+            <a:fillRect/>
+          </a:stretch>
+        </p:blipFill>
+        <p:spPr bwMode="auto">
           <a:xfrm>
-            <a:off x="1754909" y="2909455"/>
-            <a:ext cx="6428509" cy="369332"/>
+            <a:off x="1584822" y="2762696"/>
+            <a:ext cx="8651131" cy="3008930"/>
           </a:xfrm>
           <a:prstGeom prst="rect">
             <a:avLst/>
           </a:prstGeom>
           <a:noFill/>
         </p:spPr>
-        <p:txBody>
-          <a:bodyPr wrap="square" rtlCol="0">
-            <a:spAutoFit/>
-          </a:bodyPr>
-          <a:lstStyle/>
-          <a:p>
-            <a:r>
-              <a:rPr lang="zh-CN" altLang="en-US" dirty="0" smtClean="0"/>
-              <a:t>人物：</a:t>
-            </a:r>
-            <a:endParaRPr lang="zh-CN" altLang="en-US" dirty="0"/>
-          </a:p>
-        </p:txBody>
-      </p:sp>
-      <p:sp>
-        <p:nvSpPr>
-          <p:cNvPr id="15" name="文本框 14"/>
+      </p:pic>
+      <p:sp>
+        <p:nvSpPr>
+          <p:cNvPr id="9" name="文本框 1"/>
           <p:cNvSpPr txBox="1"/>
           <p:nvPr/>
         </p:nvSpPr>
         <p:spPr>
           <a:xfrm>
-            <a:off x="1754908" y="3602183"/>
-            <a:ext cx="6428509" cy="369332"/>
+            <a:off x="1775220" y="2227084"/>
+            <a:ext cx="6308436" cy="369332"/>
           </a:xfrm>
           <a:prstGeom prst="rect">
             <a:avLst/>
@@ -3700,8 +4202,8 @@
           <a:lstStyle/>
           <a:p>
             <a:r>
-              <a:rPr lang="zh-CN" altLang="en-US" dirty="0"/>
-              <a:t>武器</a:t>
+              <a:rPr lang="zh-CN" altLang="en-US" dirty="0" smtClean="0"/>
+              <a:t>角色</a:t>
             </a:r>
             <a:r>
               <a:rPr lang="zh-CN" altLang="en-US" dirty="0" smtClean="0"/>
@@ -3711,22 +4213,48 @@
           </a:p>
         </p:txBody>
       </p:sp>
-      <p:sp>
-        <p:nvSpPr>
-          <p:cNvPr id="16" name="文本框 15"/>
-          <p:cNvSpPr txBox="1"/>
+      <p:pic>
+        <p:nvPicPr>
+          <p:cNvPr id="1027" name="Picture 3" descr="F:\素材\百战天虫\ppt虫子.png"/>
+          <p:cNvPicPr>
+            <a:picLocks noChangeAspect="1" noChangeArrowheads="1"/>
+          </p:cNvPicPr>
           <p:nvPr/>
-        </p:nvSpPr>
-        <p:spPr>
+        </p:nvPicPr>
+        <p:blipFill>
+          <a:blip r:embed="rId4" cstate="print"/>
+          <a:srcRect/>
+          <a:stretch>
+            <a:fillRect/>
+          </a:stretch>
+        </p:blipFill>
+        <p:spPr bwMode="auto">
           <a:xfrm>
-            <a:off x="1782618" y="4322560"/>
-            <a:ext cx="6428509" cy="369332"/>
+            <a:off x="5322178" y="5024883"/>
+            <a:ext cx="448307" cy="448307"/>
           </a:xfrm>
           <a:prstGeom prst="rect">
             <a:avLst/>
           </a:prstGeom>
           <a:noFill/>
         </p:spPr>
+      </p:pic>
+      <p:sp>
+        <p:nvSpPr>
+          <p:cNvPr id="12" name="文本框 1"/>
+          <p:cNvSpPr txBox="1"/>
+          <p:nvPr/>
+        </p:nvSpPr>
+        <p:spPr>
+          <a:xfrm>
+            <a:off x="1803332" y="2237441"/>
+            <a:ext cx="6308436" cy="369332"/>
+          </a:xfrm>
+          <a:prstGeom prst="rect">
+            <a:avLst/>
+          </a:prstGeom>
+          <a:noFill/>
+        </p:spPr>
         <p:txBody>
           <a:bodyPr wrap="square" rtlCol="0">
             <a:spAutoFit/>
@@ -3734,21 +4262,125 @@
           <a:lstStyle/>
           <a:p>
             <a:r>
-              <a:rPr lang="zh-CN" altLang="en-US" dirty="0"/>
-              <a:t>炮弹</a:t>
-            </a:r>
-            <a:r>
               <a:rPr lang="zh-CN" altLang="en-US" dirty="0" smtClean="0"/>
-              <a:t>：</a:t>
+              <a:t>武器：</a:t>
             </a:r>
             <a:endParaRPr lang="zh-CN" altLang="en-US" dirty="0"/>
           </a:p>
         </p:txBody>
       </p:sp>
+      <p:pic>
+        <p:nvPicPr>
+          <p:cNvPr id="1028" name="Picture 4" descr="F:\素材\百战天虫\ppt武器.png"/>
+          <p:cNvPicPr>
+            <a:picLocks noChangeAspect="1" noChangeArrowheads="1"/>
+          </p:cNvPicPr>
+          <p:nvPr/>
+        </p:nvPicPr>
+        <p:blipFill>
+          <a:blip r:embed="rId5" cstate="print"/>
+          <a:srcRect/>
+          <a:stretch>
+            <a:fillRect/>
+          </a:stretch>
+        </p:blipFill>
+        <p:spPr bwMode="auto">
+          <a:xfrm>
+            <a:off x="5444662" y="5157926"/>
+            <a:ext cx="220632" cy="220632"/>
+          </a:xfrm>
+          <a:prstGeom prst="rect">
+            <a:avLst/>
+          </a:prstGeom>
+          <a:noFill/>
+        </p:spPr>
+      </p:pic>
+      <p:sp>
+        <p:nvSpPr>
+          <p:cNvPr id="13" name="文本框 1"/>
+          <p:cNvSpPr txBox="1"/>
+          <p:nvPr/>
+        </p:nvSpPr>
+        <p:spPr>
+          <a:xfrm>
+            <a:off x="1662769" y="2221165"/>
+            <a:ext cx="6308436" cy="369332"/>
+          </a:xfrm>
+          <a:prstGeom prst="rect">
+            <a:avLst/>
+          </a:prstGeom>
+          <a:noFill/>
+        </p:spPr>
+        <p:txBody>
+          <a:bodyPr wrap="square" rtlCol="0">
+            <a:spAutoFit/>
+          </a:bodyPr>
+          <a:lstStyle/>
+          <a:p>
+            <a:r>
+              <a:rPr lang="zh-CN" altLang="en-US" dirty="0" smtClean="0"/>
+              <a:t>子弹</a:t>
+            </a:r>
+            <a:endParaRPr lang="zh-CN" altLang="en-US" dirty="0"/>
+          </a:p>
+        </p:txBody>
+      </p:sp>
+      <p:pic>
+        <p:nvPicPr>
+          <p:cNvPr id="1029" name="Picture 5" descr="F:\素材\百战天虫\ppt子弹.png"/>
+          <p:cNvPicPr>
+            <a:picLocks noChangeAspect="1" noChangeArrowheads="1"/>
+          </p:cNvPicPr>
+          <p:nvPr/>
+        </p:nvPicPr>
+        <p:blipFill>
+          <a:blip r:embed="rId6" cstate="print"/>
+          <a:srcRect/>
+          <a:stretch>
+            <a:fillRect/>
+          </a:stretch>
+        </p:blipFill>
+        <p:spPr bwMode="auto">
+          <a:xfrm rot="10800000">
+            <a:off x="8882526" y="4019781"/>
+            <a:ext cx="1270000" cy="571500"/>
+          </a:xfrm>
+          <a:prstGeom prst="rect">
+            <a:avLst/>
+          </a:prstGeom>
+          <a:noFill/>
+        </p:spPr>
+      </p:pic>
+      <p:pic>
+        <p:nvPicPr>
+          <p:cNvPr id="1030" name="Picture 6" descr="F:\素材\百战天虫\ppt爆炸.png"/>
+          <p:cNvPicPr>
+            <a:picLocks noChangeAspect="1" noChangeArrowheads="1"/>
+          </p:cNvPicPr>
+          <p:nvPr/>
+        </p:nvPicPr>
+        <p:blipFill>
+          <a:blip r:embed="rId7" cstate="print"/>
+          <a:srcRect/>
+          <a:stretch>
+            <a:fillRect/>
+          </a:stretch>
+        </p:blipFill>
+        <p:spPr bwMode="auto">
+          <a:xfrm>
+            <a:off x="1848544" y="3944398"/>
+            <a:ext cx="635000" cy="635000"/>
+          </a:xfrm>
+          <a:prstGeom prst="rect">
+            <a:avLst/>
+          </a:prstGeom>
+          <a:noFill/>
+        </p:spPr>
+      </p:pic>
     </p:spTree>
     <p:extLst>
       <p:ext uri="{BB962C8B-B14F-4D97-AF65-F5344CB8AC3E}">
-        <p14:creationId xmlns:p14="http://schemas.microsoft.com/office/powerpoint/2010/main" val="3867096939"/>
+        <p14:creationId xmlns:p14="http://schemas.microsoft.com/office/powerpoint/2010/main" xmlns="" val="3867096939"/>
       </p:ext>
     </p:extLst>
   </p:cSld>
@@ -3758,9 +4390,1293 @@
   <p:timing>
     <p:tnLst>
       <p:par>
-        <p:cTn id="1" dur="indefinite" restart="never" nodeType="tmRoot"/>
+        <p:cTn id="1" dur="indefinite" restart="never" nodeType="tmRoot">
+          <p:childTnLst>
+            <p:seq concurrent="1" nextAc="seek">
+              <p:cTn id="2" dur="indefinite" nodeType="mainSeq">
+                <p:childTnLst>
+                  <p:par>
+                    <p:cTn id="3" fill="hold">
+                      <p:stCondLst>
+                        <p:cond delay="indefinite"/>
+                      </p:stCondLst>
+                      <p:childTnLst>
+                        <p:par>
+                          <p:cTn id="4" fill="hold">
+                            <p:stCondLst>
+                              <p:cond delay="0"/>
+                            </p:stCondLst>
+                            <p:childTnLst>
+                              <p:par>
+                                <p:cTn id="5" presetID="2" presetClass="entr" presetSubtype="8" fill="hold" grpId="0" nodeType="clickEffect">
+                                  <p:stCondLst>
+                                    <p:cond delay="0"/>
+                                  </p:stCondLst>
+                                  <p:childTnLst>
+                                    <p:set>
+                                      <p:cBhvr>
+                                        <p:cTn id="6" dur="1" fill="hold">
+                                          <p:stCondLst>
+                                            <p:cond delay="0"/>
+                                          </p:stCondLst>
+                                        </p:cTn>
+                                        <p:tgtEl>
+                                          <p:spTgt spid="2"/>
+                                        </p:tgtEl>
+                                        <p:attrNameLst>
+                                          <p:attrName>style.visibility</p:attrName>
+                                        </p:attrNameLst>
+                                      </p:cBhvr>
+                                      <p:to>
+                                        <p:strVal val="visible"/>
+                                      </p:to>
+                                    </p:set>
+                                    <p:anim calcmode="lin" valueType="num">
+                                      <p:cBhvr additive="base">
+                                        <p:cTn id="7" dur="500" fill="hold"/>
+                                        <p:tgtEl>
+                                          <p:spTgt spid="2"/>
+                                        </p:tgtEl>
+                                        <p:attrNameLst>
+                                          <p:attrName>ppt_x</p:attrName>
+                                        </p:attrNameLst>
+                                      </p:cBhvr>
+                                      <p:tavLst>
+                                        <p:tav tm="0">
+                                          <p:val>
+                                            <p:strVal val="0-#ppt_w/2"/>
+                                          </p:val>
+                                        </p:tav>
+                                        <p:tav tm="100000">
+                                          <p:val>
+                                            <p:strVal val="#ppt_x"/>
+                                          </p:val>
+                                        </p:tav>
+                                      </p:tavLst>
+                                    </p:anim>
+                                    <p:anim calcmode="lin" valueType="num">
+                                      <p:cBhvr additive="base">
+                                        <p:cTn id="8" dur="500" fill="hold"/>
+                                        <p:tgtEl>
+                                          <p:spTgt spid="2"/>
+                                        </p:tgtEl>
+                                        <p:attrNameLst>
+                                          <p:attrName>ppt_y</p:attrName>
+                                        </p:attrNameLst>
+                                      </p:cBhvr>
+                                      <p:tavLst>
+                                        <p:tav tm="0">
+                                          <p:val>
+                                            <p:strVal val="#ppt_y"/>
+                                          </p:val>
+                                        </p:tav>
+                                        <p:tav tm="100000">
+                                          <p:val>
+                                            <p:strVal val="#ppt_y"/>
+                                          </p:val>
+                                        </p:tav>
+                                      </p:tavLst>
+                                    </p:anim>
+                                  </p:childTnLst>
+                                </p:cTn>
+                              </p:par>
+                              <p:par>
+                                <p:cTn id="9" presetID="2" presetClass="entr" presetSubtype="4" fill="hold" nodeType="withEffect">
+                                  <p:stCondLst>
+                                    <p:cond delay="0"/>
+                                  </p:stCondLst>
+                                  <p:childTnLst>
+                                    <p:set>
+                                      <p:cBhvr>
+                                        <p:cTn id="10" dur="1" fill="hold">
+                                          <p:stCondLst>
+                                            <p:cond delay="0"/>
+                                          </p:stCondLst>
+                                        </p:cTn>
+                                        <p:tgtEl>
+                                          <p:spTgt spid="1026"/>
+                                        </p:tgtEl>
+                                        <p:attrNameLst>
+                                          <p:attrName>style.visibility</p:attrName>
+                                        </p:attrNameLst>
+                                      </p:cBhvr>
+                                      <p:to>
+                                        <p:strVal val="visible"/>
+                                      </p:to>
+                                    </p:set>
+                                    <p:anim calcmode="lin" valueType="num">
+                                      <p:cBhvr additive="base">
+                                        <p:cTn id="11" dur="500" fill="hold"/>
+                                        <p:tgtEl>
+                                          <p:spTgt spid="1026"/>
+                                        </p:tgtEl>
+                                        <p:attrNameLst>
+                                          <p:attrName>ppt_x</p:attrName>
+                                        </p:attrNameLst>
+                                      </p:cBhvr>
+                                      <p:tavLst>
+                                        <p:tav tm="0">
+                                          <p:val>
+                                            <p:strVal val="#ppt_x"/>
+                                          </p:val>
+                                        </p:tav>
+                                        <p:tav tm="100000">
+                                          <p:val>
+                                            <p:strVal val="#ppt_x"/>
+                                          </p:val>
+                                        </p:tav>
+                                      </p:tavLst>
+                                    </p:anim>
+                                    <p:anim calcmode="lin" valueType="num">
+                                      <p:cBhvr additive="base">
+                                        <p:cTn id="12" dur="500" fill="hold"/>
+                                        <p:tgtEl>
+                                          <p:spTgt spid="1026"/>
+                                        </p:tgtEl>
+                                        <p:attrNameLst>
+                                          <p:attrName>ppt_y</p:attrName>
+                                        </p:attrNameLst>
+                                      </p:cBhvr>
+                                      <p:tavLst>
+                                        <p:tav tm="0">
+                                          <p:val>
+                                            <p:strVal val="1+#ppt_h/2"/>
+                                          </p:val>
+                                        </p:tav>
+                                        <p:tav tm="100000">
+                                          <p:val>
+                                            <p:strVal val="#ppt_y"/>
+                                          </p:val>
+                                        </p:tav>
+                                      </p:tavLst>
+                                    </p:anim>
+                                  </p:childTnLst>
+                                </p:cTn>
+                              </p:par>
+                            </p:childTnLst>
+                          </p:cTn>
+                        </p:par>
+                      </p:childTnLst>
+                    </p:cTn>
+                  </p:par>
+                  <p:par>
+                    <p:cTn id="13" fill="hold">
+                      <p:stCondLst>
+                        <p:cond delay="indefinite"/>
+                      </p:stCondLst>
+                      <p:childTnLst>
+                        <p:par>
+                          <p:cTn id="14" fill="hold">
+                            <p:stCondLst>
+                              <p:cond delay="0"/>
+                            </p:stCondLst>
+                            <p:childTnLst>
+                              <p:par>
+                                <p:cTn id="15" presetID="2" presetClass="exit" presetSubtype="8" fill="hold" grpId="1" nodeType="clickEffect">
+                                  <p:stCondLst>
+                                    <p:cond delay="0"/>
+                                  </p:stCondLst>
+                                  <p:childTnLst>
+                                    <p:anim calcmode="lin" valueType="num">
+                                      <p:cBhvr additive="base">
+                                        <p:cTn id="16" dur="500"/>
+                                        <p:tgtEl>
+                                          <p:spTgt spid="2"/>
+                                        </p:tgtEl>
+                                        <p:attrNameLst>
+                                          <p:attrName>ppt_x</p:attrName>
+                                        </p:attrNameLst>
+                                      </p:cBhvr>
+                                      <p:tavLst>
+                                        <p:tav tm="0">
+                                          <p:val>
+                                            <p:strVal val="ppt_x"/>
+                                          </p:val>
+                                        </p:tav>
+                                        <p:tav tm="100000">
+                                          <p:val>
+                                            <p:strVal val="0-ppt_w/2"/>
+                                          </p:val>
+                                        </p:tav>
+                                      </p:tavLst>
+                                    </p:anim>
+                                    <p:anim calcmode="lin" valueType="num">
+                                      <p:cBhvr additive="base">
+                                        <p:cTn id="17" dur="500"/>
+                                        <p:tgtEl>
+                                          <p:spTgt spid="2"/>
+                                        </p:tgtEl>
+                                        <p:attrNameLst>
+                                          <p:attrName>ppt_y</p:attrName>
+                                        </p:attrNameLst>
+                                      </p:cBhvr>
+                                      <p:tavLst>
+                                        <p:tav tm="0">
+                                          <p:val>
+                                            <p:strVal val="ppt_y"/>
+                                          </p:val>
+                                        </p:tav>
+                                        <p:tav tm="100000">
+                                          <p:val>
+                                            <p:strVal val="ppt_y"/>
+                                          </p:val>
+                                        </p:tav>
+                                      </p:tavLst>
+                                    </p:anim>
+                                    <p:set>
+                                      <p:cBhvr>
+                                        <p:cTn id="18" dur="1" fill="hold">
+                                          <p:stCondLst>
+                                            <p:cond delay="499"/>
+                                          </p:stCondLst>
+                                        </p:cTn>
+                                        <p:tgtEl>
+                                          <p:spTgt spid="2"/>
+                                        </p:tgtEl>
+                                        <p:attrNameLst>
+                                          <p:attrName>style.visibility</p:attrName>
+                                        </p:attrNameLst>
+                                      </p:cBhvr>
+                                      <p:to>
+                                        <p:strVal val="hidden"/>
+                                      </p:to>
+                                    </p:set>
+                                  </p:childTnLst>
+                                </p:cTn>
+                              </p:par>
+                            </p:childTnLst>
+                          </p:cTn>
+                        </p:par>
+                        <p:par>
+                          <p:cTn id="19" fill="hold">
+                            <p:stCondLst>
+                              <p:cond delay="500"/>
+                            </p:stCondLst>
+                            <p:childTnLst>
+                              <p:par>
+                                <p:cTn id="20" presetID="2" presetClass="entr" presetSubtype="8" fill="hold" grpId="0" nodeType="afterEffect">
+                                  <p:stCondLst>
+                                    <p:cond delay="0"/>
+                                  </p:stCondLst>
+                                  <p:childTnLst>
+                                    <p:set>
+                                      <p:cBhvr>
+                                        <p:cTn id="21" dur="1" fill="hold">
+                                          <p:stCondLst>
+                                            <p:cond delay="0"/>
+                                          </p:stCondLst>
+                                        </p:cTn>
+                                        <p:tgtEl>
+                                          <p:spTgt spid="9"/>
+                                        </p:tgtEl>
+                                        <p:attrNameLst>
+                                          <p:attrName>style.visibility</p:attrName>
+                                        </p:attrNameLst>
+                                      </p:cBhvr>
+                                      <p:to>
+                                        <p:strVal val="visible"/>
+                                      </p:to>
+                                    </p:set>
+                                    <p:anim calcmode="lin" valueType="num">
+                                      <p:cBhvr additive="base">
+                                        <p:cTn id="22" dur="500" fill="hold"/>
+                                        <p:tgtEl>
+                                          <p:spTgt spid="9"/>
+                                        </p:tgtEl>
+                                        <p:attrNameLst>
+                                          <p:attrName>ppt_x</p:attrName>
+                                        </p:attrNameLst>
+                                      </p:cBhvr>
+                                      <p:tavLst>
+                                        <p:tav tm="0">
+                                          <p:val>
+                                            <p:strVal val="0-#ppt_w/2"/>
+                                          </p:val>
+                                        </p:tav>
+                                        <p:tav tm="100000">
+                                          <p:val>
+                                            <p:strVal val="#ppt_x"/>
+                                          </p:val>
+                                        </p:tav>
+                                      </p:tavLst>
+                                    </p:anim>
+                                    <p:anim calcmode="lin" valueType="num">
+                                      <p:cBhvr additive="base">
+                                        <p:cTn id="23" dur="500" fill="hold"/>
+                                        <p:tgtEl>
+                                          <p:spTgt spid="9"/>
+                                        </p:tgtEl>
+                                        <p:attrNameLst>
+                                          <p:attrName>ppt_y</p:attrName>
+                                        </p:attrNameLst>
+                                      </p:cBhvr>
+                                      <p:tavLst>
+                                        <p:tav tm="0">
+                                          <p:val>
+                                            <p:strVal val="#ppt_y"/>
+                                          </p:val>
+                                        </p:tav>
+                                        <p:tav tm="100000">
+                                          <p:val>
+                                            <p:strVal val="#ppt_y"/>
+                                          </p:val>
+                                        </p:tav>
+                                      </p:tavLst>
+                                    </p:anim>
+                                  </p:childTnLst>
+                                </p:cTn>
+                              </p:par>
+                              <p:par>
+                                <p:cTn id="24" presetID="26" presetClass="entr" presetSubtype="0" fill="hold" nodeType="withEffect">
+                                  <p:stCondLst>
+                                    <p:cond delay="0"/>
+                                  </p:stCondLst>
+                                  <p:childTnLst>
+                                    <p:set>
+                                      <p:cBhvr>
+                                        <p:cTn id="25" dur="1" fill="hold">
+                                          <p:stCondLst>
+                                            <p:cond delay="0"/>
+                                          </p:stCondLst>
+                                        </p:cTn>
+                                        <p:tgtEl>
+                                          <p:spTgt spid="1027"/>
+                                        </p:tgtEl>
+                                        <p:attrNameLst>
+                                          <p:attrName>style.visibility</p:attrName>
+                                        </p:attrNameLst>
+                                      </p:cBhvr>
+                                      <p:to>
+                                        <p:strVal val="visible"/>
+                                      </p:to>
+                                    </p:set>
+                                    <p:animEffect transition="in" filter="wipe(down)">
+                                      <p:cBhvr>
+                                        <p:cTn id="26" dur="580">
+                                          <p:stCondLst>
+                                            <p:cond delay="0"/>
+                                          </p:stCondLst>
+                                        </p:cTn>
+                                        <p:tgtEl>
+                                          <p:spTgt spid="1027"/>
+                                        </p:tgtEl>
+                                      </p:cBhvr>
+                                    </p:animEffect>
+                                    <p:anim calcmode="lin" valueType="num">
+                                      <p:cBhvr>
+                                        <p:cTn id="27" dur="1822" tmFilter="0,0; 0.14,0.36; 0.43,0.73; 0.71,0.91; 1.0,1.0">
+                                          <p:stCondLst>
+                                            <p:cond delay="0"/>
+                                          </p:stCondLst>
+                                        </p:cTn>
+                                        <p:tgtEl>
+                                          <p:spTgt spid="1027"/>
+                                        </p:tgtEl>
+                                        <p:attrNameLst>
+                                          <p:attrName>ppt_x</p:attrName>
+                                        </p:attrNameLst>
+                                      </p:cBhvr>
+                                      <p:tavLst>
+                                        <p:tav tm="0">
+                                          <p:val>
+                                            <p:strVal val="#ppt_x-0.25"/>
+                                          </p:val>
+                                        </p:tav>
+                                        <p:tav tm="100000">
+                                          <p:val>
+                                            <p:strVal val="#ppt_x"/>
+                                          </p:val>
+                                        </p:tav>
+                                      </p:tavLst>
+                                    </p:anim>
+                                    <p:anim calcmode="lin" valueType="num">
+                                      <p:cBhvr>
+                                        <p:cTn id="28" dur="664" tmFilter="0.0,0.0; 0.25,0.07; 0.50,0.2; 0.75,0.467; 1.0,1.0">
+                                          <p:stCondLst>
+                                            <p:cond delay="0"/>
+                                          </p:stCondLst>
+                                        </p:cTn>
+                                        <p:tgtEl>
+                                          <p:spTgt spid="1027"/>
+                                        </p:tgtEl>
+                                        <p:attrNameLst>
+                                          <p:attrName>ppt_y</p:attrName>
+                                        </p:attrNameLst>
+                                      </p:cBhvr>
+                                      <p:tavLst>
+                                        <p:tav tm="0" fmla="#ppt_y-sin(pi*$)/3">
+                                          <p:val>
+                                            <p:fltVal val="0.5"/>
+                                          </p:val>
+                                        </p:tav>
+                                        <p:tav tm="100000">
+                                          <p:val>
+                                            <p:fltVal val="1"/>
+                                          </p:val>
+                                        </p:tav>
+                                      </p:tavLst>
+                                    </p:anim>
+                                    <p:anim calcmode="lin" valueType="num">
+                                      <p:cBhvr>
+                                        <p:cTn id="29" dur="664" tmFilter="0, 0; 0.125,0.2665; 0.25,0.4; 0.375,0.465; 0.5,0.5;  0.625,0.535; 0.75,0.6; 0.875,0.7335; 1,1">
+                                          <p:stCondLst>
+                                            <p:cond delay="664"/>
+                                          </p:stCondLst>
+                                        </p:cTn>
+                                        <p:tgtEl>
+                                          <p:spTgt spid="1027"/>
+                                        </p:tgtEl>
+                                        <p:attrNameLst>
+                                          <p:attrName>ppt_y</p:attrName>
+                                        </p:attrNameLst>
+                                      </p:cBhvr>
+                                      <p:tavLst>
+                                        <p:tav tm="0" fmla="#ppt_y-sin(pi*$)/9">
+                                          <p:val>
+                                            <p:fltVal val="0"/>
+                                          </p:val>
+                                        </p:tav>
+                                        <p:tav tm="100000">
+                                          <p:val>
+                                            <p:fltVal val="1"/>
+                                          </p:val>
+                                        </p:tav>
+                                      </p:tavLst>
+                                    </p:anim>
+                                    <p:anim calcmode="lin" valueType="num">
+                                      <p:cBhvr>
+                                        <p:cTn id="30" dur="332" tmFilter="0, 0; 0.125,0.2665; 0.25,0.4; 0.375,0.465; 0.5,0.5;  0.625,0.535; 0.75,0.6; 0.875,0.7335; 1,1">
+                                          <p:stCondLst>
+                                            <p:cond delay="1324"/>
+                                          </p:stCondLst>
+                                        </p:cTn>
+                                        <p:tgtEl>
+                                          <p:spTgt spid="1027"/>
+                                        </p:tgtEl>
+                                        <p:attrNameLst>
+                                          <p:attrName>ppt_y</p:attrName>
+                                        </p:attrNameLst>
+                                      </p:cBhvr>
+                                      <p:tavLst>
+                                        <p:tav tm="0" fmla="#ppt_y-sin(pi*$)/27">
+                                          <p:val>
+                                            <p:fltVal val="0"/>
+                                          </p:val>
+                                        </p:tav>
+                                        <p:tav tm="100000">
+                                          <p:val>
+                                            <p:fltVal val="1"/>
+                                          </p:val>
+                                        </p:tav>
+                                      </p:tavLst>
+                                    </p:anim>
+                                    <p:anim calcmode="lin" valueType="num">
+                                      <p:cBhvr>
+                                        <p:cTn id="31" dur="164" tmFilter="0, 0; 0.125,0.2665; 0.25,0.4; 0.375,0.465; 0.5,0.5;  0.625,0.535; 0.75,0.6; 0.875,0.7335; 1,1">
+                                          <p:stCondLst>
+                                            <p:cond delay="1656"/>
+                                          </p:stCondLst>
+                                        </p:cTn>
+                                        <p:tgtEl>
+                                          <p:spTgt spid="1027"/>
+                                        </p:tgtEl>
+                                        <p:attrNameLst>
+                                          <p:attrName>ppt_y</p:attrName>
+                                        </p:attrNameLst>
+                                      </p:cBhvr>
+                                      <p:tavLst>
+                                        <p:tav tm="0" fmla="#ppt_y-sin(pi*$)/81">
+                                          <p:val>
+                                            <p:fltVal val="0"/>
+                                          </p:val>
+                                        </p:tav>
+                                        <p:tav tm="100000">
+                                          <p:val>
+                                            <p:fltVal val="1"/>
+                                          </p:val>
+                                        </p:tav>
+                                      </p:tavLst>
+                                    </p:anim>
+                                    <p:animScale>
+                                      <p:cBhvr>
+                                        <p:cTn id="32" dur="26">
+                                          <p:stCondLst>
+                                            <p:cond delay="650"/>
+                                          </p:stCondLst>
+                                        </p:cTn>
+                                        <p:tgtEl>
+                                          <p:spTgt spid="1027"/>
+                                        </p:tgtEl>
+                                      </p:cBhvr>
+                                      <p:to x="100000" y="60000"/>
+                                    </p:animScale>
+                                    <p:animScale>
+                                      <p:cBhvr>
+                                        <p:cTn id="33" dur="166" decel="50000">
+                                          <p:stCondLst>
+                                            <p:cond delay="676"/>
+                                          </p:stCondLst>
+                                        </p:cTn>
+                                        <p:tgtEl>
+                                          <p:spTgt spid="1027"/>
+                                        </p:tgtEl>
+                                      </p:cBhvr>
+                                      <p:to x="100000" y="100000"/>
+                                    </p:animScale>
+                                    <p:animScale>
+                                      <p:cBhvr>
+                                        <p:cTn id="34" dur="26">
+                                          <p:stCondLst>
+                                            <p:cond delay="1312"/>
+                                          </p:stCondLst>
+                                        </p:cTn>
+                                        <p:tgtEl>
+                                          <p:spTgt spid="1027"/>
+                                        </p:tgtEl>
+                                      </p:cBhvr>
+                                      <p:to x="100000" y="80000"/>
+                                    </p:animScale>
+                                    <p:animScale>
+                                      <p:cBhvr>
+                                        <p:cTn id="35" dur="166" decel="50000">
+                                          <p:stCondLst>
+                                            <p:cond delay="1338"/>
+                                          </p:stCondLst>
+                                        </p:cTn>
+                                        <p:tgtEl>
+                                          <p:spTgt spid="1027"/>
+                                        </p:tgtEl>
+                                      </p:cBhvr>
+                                      <p:to x="100000" y="100000"/>
+                                    </p:animScale>
+                                    <p:animScale>
+                                      <p:cBhvr>
+                                        <p:cTn id="36" dur="26">
+                                          <p:stCondLst>
+                                            <p:cond delay="1642"/>
+                                          </p:stCondLst>
+                                        </p:cTn>
+                                        <p:tgtEl>
+                                          <p:spTgt spid="1027"/>
+                                        </p:tgtEl>
+                                      </p:cBhvr>
+                                      <p:to x="100000" y="90000"/>
+                                    </p:animScale>
+                                    <p:animScale>
+                                      <p:cBhvr>
+                                        <p:cTn id="37" dur="166" decel="50000">
+                                          <p:stCondLst>
+                                            <p:cond delay="1668"/>
+                                          </p:stCondLst>
+                                        </p:cTn>
+                                        <p:tgtEl>
+                                          <p:spTgt spid="1027"/>
+                                        </p:tgtEl>
+                                      </p:cBhvr>
+                                      <p:to x="100000" y="100000"/>
+                                    </p:animScale>
+                                    <p:animScale>
+                                      <p:cBhvr>
+                                        <p:cTn id="38" dur="26">
+                                          <p:stCondLst>
+                                            <p:cond delay="1808"/>
+                                          </p:stCondLst>
+                                        </p:cTn>
+                                        <p:tgtEl>
+                                          <p:spTgt spid="1027"/>
+                                        </p:tgtEl>
+                                      </p:cBhvr>
+                                      <p:to x="100000" y="95000"/>
+                                    </p:animScale>
+                                    <p:animScale>
+                                      <p:cBhvr>
+                                        <p:cTn id="39" dur="166" decel="50000">
+                                          <p:stCondLst>
+                                            <p:cond delay="1834"/>
+                                          </p:stCondLst>
+                                        </p:cTn>
+                                        <p:tgtEl>
+                                          <p:spTgt spid="1027"/>
+                                        </p:tgtEl>
+                                      </p:cBhvr>
+                                      <p:to x="100000" y="100000"/>
+                                    </p:animScale>
+                                  </p:childTnLst>
+                                </p:cTn>
+                              </p:par>
+                            </p:childTnLst>
+                          </p:cTn>
+                        </p:par>
+                      </p:childTnLst>
+                    </p:cTn>
+                  </p:par>
+                  <p:par>
+                    <p:cTn id="40" fill="hold">
+                      <p:stCondLst>
+                        <p:cond delay="indefinite"/>
+                      </p:stCondLst>
+                      <p:childTnLst>
+                        <p:par>
+                          <p:cTn id="41" fill="hold">
+                            <p:stCondLst>
+                              <p:cond delay="0"/>
+                            </p:stCondLst>
+                            <p:childTnLst>
+                              <p:par>
+                                <p:cTn id="42" presetID="2" presetClass="exit" presetSubtype="8" fill="hold" grpId="1" nodeType="clickEffect">
+                                  <p:stCondLst>
+                                    <p:cond delay="0"/>
+                                  </p:stCondLst>
+                                  <p:childTnLst>
+                                    <p:anim calcmode="lin" valueType="num">
+                                      <p:cBhvr additive="base">
+                                        <p:cTn id="43" dur="500"/>
+                                        <p:tgtEl>
+                                          <p:spTgt spid="9"/>
+                                        </p:tgtEl>
+                                        <p:attrNameLst>
+                                          <p:attrName>ppt_x</p:attrName>
+                                        </p:attrNameLst>
+                                      </p:cBhvr>
+                                      <p:tavLst>
+                                        <p:tav tm="0">
+                                          <p:val>
+                                            <p:strVal val="ppt_x"/>
+                                          </p:val>
+                                        </p:tav>
+                                        <p:tav tm="100000">
+                                          <p:val>
+                                            <p:strVal val="0-ppt_w/2"/>
+                                          </p:val>
+                                        </p:tav>
+                                      </p:tavLst>
+                                    </p:anim>
+                                    <p:anim calcmode="lin" valueType="num">
+                                      <p:cBhvr additive="base">
+                                        <p:cTn id="44" dur="500"/>
+                                        <p:tgtEl>
+                                          <p:spTgt spid="9"/>
+                                        </p:tgtEl>
+                                        <p:attrNameLst>
+                                          <p:attrName>ppt_y</p:attrName>
+                                        </p:attrNameLst>
+                                      </p:cBhvr>
+                                      <p:tavLst>
+                                        <p:tav tm="0">
+                                          <p:val>
+                                            <p:strVal val="ppt_y"/>
+                                          </p:val>
+                                        </p:tav>
+                                        <p:tav tm="100000">
+                                          <p:val>
+                                            <p:strVal val="ppt_y"/>
+                                          </p:val>
+                                        </p:tav>
+                                      </p:tavLst>
+                                    </p:anim>
+                                    <p:set>
+                                      <p:cBhvr>
+                                        <p:cTn id="45" dur="1" fill="hold">
+                                          <p:stCondLst>
+                                            <p:cond delay="499"/>
+                                          </p:stCondLst>
+                                        </p:cTn>
+                                        <p:tgtEl>
+                                          <p:spTgt spid="9"/>
+                                        </p:tgtEl>
+                                        <p:attrNameLst>
+                                          <p:attrName>style.visibility</p:attrName>
+                                        </p:attrNameLst>
+                                      </p:cBhvr>
+                                      <p:to>
+                                        <p:strVal val="hidden"/>
+                                      </p:to>
+                                    </p:set>
+                                  </p:childTnLst>
+                                </p:cTn>
+                              </p:par>
+                            </p:childTnLst>
+                          </p:cTn>
+                        </p:par>
+                        <p:par>
+                          <p:cTn id="46" fill="hold">
+                            <p:stCondLst>
+                              <p:cond delay="500"/>
+                            </p:stCondLst>
+                            <p:childTnLst>
+                              <p:par>
+                                <p:cTn id="47" presetID="2" presetClass="entr" presetSubtype="8" fill="hold" grpId="0" nodeType="afterEffect">
+                                  <p:stCondLst>
+                                    <p:cond delay="0"/>
+                                  </p:stCondLst>
+                                  <p:childTnLst>
+                                    <p:set>
+                                      <p:cBhvr>
+                                        <p:cTn id="48" dur="1" fill="hold">
+                                          <p:stCondLst>
+                                            <p:cond delay="0"/>
+                                          </p:stCondLst>
+                                        </p:cTn>
+                                        <p:tgtEl>
+                                          <p:spTgt spid="12"/>
+                                        </p:tgtEl>
+                                        <p:attrNameLst>
+                                          <p:attrName>style.visibility</p:attrName>
+                                        </p:attrNameLst>
+                                      </p:cBhvr>
+                                      <p:to>
+                                        <p:strVal val="visible"/>
+                                      </p:to>
+                                    </p:set>
+                                    <p:anim calcmode="lin" valueType="num">
+                                      <p:cBhvr additive="base">
+                                        <p:cTn id="49" dur="500" fill="hold"/>
+                                        <p:tgtEl>
+                                          <p:spTgt spid="12"/>
+                                        </p:tgtEl>
+                                        <p:attrNameLst>
+                                          <p:attrName>ppt_x</p:attrName>
+                                        </p:attrNameLst>
+                                      </p:cBhvr>
+                                      <p:tavLst>
+                                        <p:tav tm="0">
+                                          <p:val>
+                                            <p:strVal val="0-#ppt_w/2"/>
+                                          </p:val>
+                                        </p:tav>
+                                        <p:tav tm="100000">
+                                          <p:val>
+                                            <p:strVal val="#ppt_x"/>
+                                          </p:val>
+                                        </p:tav>
+                                      </p:tavLst>
+                                    </p:anim>
+                                    <p:anim calcmode="lin" valueType="num">
+                                      <p:cBhvr additive="base">
+                                        <p:cTn id="50" dur="500" fill="hold"/>
+                                        <p:tgtEl>
+                                          <p:spTgt spid="12"/>
+                                        </p:tgtEl>
+                                        <p:attrNameLst>
+                                          <p:attrName>ppt_y</p:attrName>
+                                        </p:attrNameLst>
+                                      </p:cBhvr>
+                                      <p:tavLst>
+                                        <p:tav tm="0">
+                                          <p:val>
+                                            <p:strVal val="#ppt_y"/>
+                                          </p:val>
+                                        </p:tav>
+                                        <p:tav tm="100000">
+                                          <p:val>
+                                            <p:strVal val="#ppt_y"/>
+                                          </p:val>
+                                        </p:tav>
+                                      </p:tavLst>
+                                    </p:anim>
+                                  </p:childTnLst>
+                                </p:cTn>
+                              </p:par>
+                              <p:par>
+                                <p:cTn id="51" presetID="51" presetClass="entr" presetSubtype="0" fill="hold" nodeType="withEffect">
+                                  <p:stCondLst>
+                                    <p:cond delay="0"/>
+                                  </p:stCondLst>
+                                  <p:childTnLst>
+                                    <p:set>
+                                      <p:cBhvr>
+                                        <p:cTn id="52" dur="1" fill="hold">
+                                          <p:stCondLst>
+                                            <p:cond delay="0"/>
+                                          </p:stCondLst>
+                                        </p:cTn>
+                                        <p:tgtEl>
+                                          <p:spTgt spid="1028"/>
+                                        </p:tgtEl>
+                                        <p:attrNameLst>
+                                          <p:attrName>style.visibility</p:attrName>
+                                        </p:attrNameLst>
+                                      </p:cBhvr>
+                                      <p:to>
+                                        <p:strVal val="visible"/>
+                                      </p:to>
+                                    </p:set>
+                                    <p:animEffect transition="in" filter="fade">
+                                      <p:cBhvr>
+                                        <p:cTn id="53" dur="193" decel="100000"/>
+                                        <p:tgtEl>
+                                          <p:spTgt spid="1028"/>
+                                        </p:tgtEl>
+                                      </p:cBhvr>
+                                    </p:animEffect>
+                                    <p:animScale>
+                                      <p:cBhvr>
+                                        <p:cTn id="54" dur="193" decel="100000"/>
+                                        <p:tgtEl>
+                                          <p:spTgt spid="1028"/>
+                                        </p:tgtEl>
+                                      </p:cBhvr>
+                                      <p:from x="10000" y="10000"/>
+                                      <p:to x="200000" y="450000"/>
+                                    </p:animScale>
+                                    <p:animScale>
+                                      <p:cBhvr>
+                                        <p:cTn id="55" dur="308" accel="100000" fill="hold">
+                                          <p:stCondLst>
+                                            <p:cond delay="193"/>
+                                          </p:stCondLst>
+                                        </p:cTn>
+                                        <p:tgtEl>
+                                          <p:spTgt spid="1028"/>
+                                        </p:tgtEl>
+                                      </p:cBhvr>
+                                      <p:from x="200000" y="450000"/>
+                                      <p:to x="100000" y="100000"/>
+                                    </p:animScale>
+                                    <p:set>
+                                      <p:cBhvr>
+                                        <p:cTn id="56" dur="193" fill="hold"/>
+                                        <p:tgtEl>
+                                          <p:spTgt spid="1028"/>
+                                        </p:tgtEl>
+                                        <p:attrNameLst>
+                                          <p:attrName>ppt_x</p:attrName>
+                                        </p:attrNameLst>
+                                      </p:cBhvr>
+                                      <p:to>
+                                        <p:strVal val="(0.5)"/>
+                                      </p:to>
+                                    </p:set>
+                                    <p:anim from="(0.5)" to="(#ppt_x)" calcmode="lin" valueType="num">
+                                      <p:cBhvr>
+                                        <p:cTn id="57" dur="308" accel="100000" fill="hold">
+                                          <p:stCondLst>
+                                            <p:cond delay="193"/>
+                                          </p:stCondLst>
+                                        </p:cTn>
+                                        <p:tgtEl>
+                                          <p:spTgt spid="1028"/>
+                                        </p:tgtEl>
+                                        <p:attrNameLst>
+                                          <p:attrName>ppt_x</p:attrName>
+                                        </p:attrNameLst>
+                                      </p:cBhvr>
+                                    </p:anim>
+                                    <p:set>
+                                      <p:cBhvr>
+                                        <p:cTn id="58" dur="193" fill="hold"/>
+                                        <p:tgtEl>
+                                          <p:spTgt spid="1028"/>
+                                        </p:tgtEl>
+                                        <p:attrNameLst>
+                                          <p:attrName>ppt_y</p:attrName>
+                                        </p:attrNameLst>
+                                      </p:cBhvr>
+                                      <p:to>
+                                        <p:strVal val="(#ppt_y+0.4)"/>
+                                      </p:to>
+                                    </p:set>
+                                    <p:anim from="(#ppt_y+0.4)" to="(#ppt_y)" calcmode="lin" valueType="num">
+                                      <p:cBhvr>
+                                        <p:cTn id="59" dur="308" accel="100000" fill="hold">
+                                          <p:stCondLst>
+                                            <p:cond delay="193"/>
+                                          </p:stCondLst>
+                                        </p:cTn>
+                                        <p:tgtEl>
+                                          <p:spTgt spid="1028"/>
+                                        </p:tgtEl>
+                                        <p:attrNameLst>
+                                          <p:attrName>ppt_y</p:attrName>
+                                        </p:attrNameLst>
+                                      </p:cBhvr>
+                                    </p:anim>
+                                  </p:childTnLst>
+                                </p:cTn>
+                              </p:par>
+                            </p:childTnLst>
+                          </p:cTn>
+                        </p:par>
+                        <p:par>
+                          <p:cTn id="60" fill="hold">
+                            <p:stCondLst>
+                              <p:cond delay="1000"/>
+                            </p:stCondLst>
+                            <p:childTnLst>
+                              <p:par>
+                                <p:cTn id="61" presetID="8" presetClass="emph" presetSubtype="0" fill="hold" nodeType="afterEffect">
+                                  <p:stCondLst>
+                                    <p:cond delay="0"/>
+                                  </p:stCondLst>
+                                  <p:childTnLst>
+                                    <p:animRot by="21600000">
+                                      <p:cBhvr>
+                                        <p:cTn id="62" dur="500" fill="hold"/>
+                                        <p:tgtEl>
+                                          <p:spTgt spid="1028"/>
+                                        </p:tgtEl>
+                                        <p:attrNameLst>
+                                          <p:attrName>r</p:attrName>
+                                        </p:attrNameLst>
+                                      </p:cBhvr>
+                                    </p:animRot>
+                                  </p:childTnLst>
+                                </p:cTn>
+                              </p:par>
+                            </p:childTnLst>
+                          </p:cTn>
+                        </p:par>
+                      </p:childTnLst>
+                    </p:cTn>
+                  </p:par>
+                  <p:par>
+                    <p:cTn id="63" fill="hold">
+                      <p:stCondLst>
+                        <p:cond delay="indefinite"/>
+                      </p:stCondLst>
+                      <p:childTnLst>
+                        <p:par>
+                          <p:cTn id="64" fill="hold">
+                            <p:stCondLst>
+                              <p:cond delay="0"/>
+                            </p:stCondLst>
+                            <p:childTnLst>
+                              <p:par>
+                                <p:cTn id="65" presetID="2" presetClass="exit" presetSubtype="8" fill="hold" grpId="1" nodeType="clickEffect">
+                                  <p:stCondLst>
+                                    <p:cond delay="0"/>
+                                  </p:stCondLst>
+                                  <p:childTnLst>
+                                    <p:anim calcmode="lin" valueType="num">
+                                      <p:cBhvr additive="base">
+                                        <p:cTn id="66" dur="500"/>
+                                        <p:tgtEl>
+                                          <p:spTgt spid="12"/>
+                                        </p:tgtEl>
+                                        <p:attrNameLst>
+                                          <p:attrName>ppt_x</p:attrName>
+                                        </p:attrNameLst>
+                                      </p:cBhvr>
+                                      <p:tavLst>
+                                        <p:tav tm="0">
+                                          <p:val>
+                                            <p:strVal val="ppt_x"/>
+                                          </p:val>
+                                        </p:tav>
+                                        <p:tav tm="100000">
+                                          <p:val>
+                                            <p:strVal val="0-ppt_w/2"/>
+                                          </p:val>
+                                        </p:tav>
+                                      </p:tavLst>
+                                    </p:anim>
+                                    <p:anim calcmode="lin" valueType="num">
+                                      <p:cBhvr additive="base">
+                                        <p:cTn id="67" dur="500"/>
+                                        <p:tgtEl>
+                                          <p:spTgt spid="12"/>
+                                        </p:tgtEl>
+                                        <p:attrNameLst>
+                                          <p:attrName>ppt_y</p:attrName>
+                                        </p:attrNameLst>
+                                      </p:cBhvr>
+                                      <p:tavLst>
+                                        <p:tav tm="0">
+                                          <p:val>
+                                            <p:strVal val="ppt_y"/>
+                                          </p:val>
+                                        </p:tav>
+                                        <p:tav tm="100000">
+                                          <p:val>
+                                            <p:strVal val="ppt_y"/>
+                                          </p:val>
+                                        </p:tav>
+                                      </p:tavLst>
+                                    </p:anim>
+                                    <p:set>
+                                      <p:cBhvr>
+                                        <p:cTn id="68" dur="1" fill="hold">
+                                          <p:stCondLst>
+                                            <p:cond delay="499"/>
+                                          </p:stCondLst>
+                                        </p:cTn>
+                                        <p:tgtEl>
+                                          <p:spTgt spid="12"/>
+                                        </p:tgtEl>
+                                        <p:attrNameLst>
+                                          <p:attrName>style.visibility</p:attrName>
+                                        </p:attrNameLst>
+                                      </p:cBhvr>
+                                      <p:to>
+                                        <p:strVal val="hidden"/>
+                                      </p:to>
+                                    </p:set>
+                                  </p:childTnLst>
+                                </p:cTn>
+                              </p:par>
+                            </p:childTnLst>
+                          </p:cTn>
+                        </p:par>
+                        <p:par>
+                          <p:cTn id="69" fill="hold">
+                            <p:stCondLst>
+                              <p:cond delay="500"/>
+                            </p:stCondLst>
+                            <p:childTnLst>
+                              <p:par>
+                                <p:cTn id="70" presetID="2" presetClass="entr" presetSubtype="8" fill="hold" grpId="0" nodeType="afterEffect">
+                                  <p:stCondLst>
+                                    <p:cond delay="0"/>
+                                  </p:stCondLst>
+                                  <p:childTnLst>
+                                    <p:set>
+                                      <p:cBhvr>
+                                        <p:cTn id="71" dur="1" fill="hold">
+                                          <p:stCondLst>
+                                            <p:cond delay="0"/>
+                                          </p:stCondLst>
+                                        </p:cTn>
+                                        <p:tgtEl>
+                                          <p:spTgt spid="13"/>
+                                        </p:tgtEl>
+                                        <p:attrNameLst>
+                                          <p:attrName>style.visibility</p:attrName>
+                                        </p:attrNameLst>
+                                      </p:cBhvr>
+                                      <p:to>
+                                        <p:strVal val="visible"/>
+                                      </p:to>
+                                    </p:set>
+                                    <p:anim calcmode="lin" valueType="num">
+                                      <p:cBhvr additive="base">
+                                        <p:cTn id="72" dur="500" fill="hold"/>
+                                        <p:tgtEl>
+                                          <p:spTgt spid="13"/>
+                                        </p:tgtEl>
+                                        <p:attrNameLst>
+                                          <p:attrName>ppt_x</p:attrName>
+                                        </p:attrNameLst>
+                                      </p:cBhvr>
+                                      <p:tavLst>
+                                        <p:tav tm="0">
+                                          <p:val>
+                                            <p:strVal val="0-#ppt_w/2"/>
+                                          </p:val>
+                                        </p:tav>
+                                        <p:tav tm="100000">
+                                          <p:val>
+                                            <p:strVal val="#ppt_x"/>
+                                          </p:val>
+                                        </p:tav>
+                                      </p:tavLst>
+                                    </p:anim>
+                                    <p:anim calcmode="lin" valueType="num">
+                                      <p:cBhvr additive="base">
+                                        <p:cTn id="73" dur="500" fill="hold"/>
+                                        <p:tgtEl>
+                                          <p:spTgt spid="13"/>
+                                        </p:tgtEl>
+                                        <p:attrNameLst>
+                                          <p:attrName>ppt_y</p:attrName>
+                                        </p:attrNameLst>
+                                      </p:cBhvr>
+                                      <p:tavLst>
+                                        <p:tav tm="0">
+                                          <p:val>
+                                            <p:strVal val="#ppt_y"/>
+                                          </p:val>
+                                        </p:tav>
+                                        <p:tav tm="100000">
+                                          <p:val>
+                                            <p:strVal val="#ppt_y"/>
+                                          </p:val>
+                                        </p:tav>
+                                      </p:tavLst>
+                                    </p:anim>
+                                  </p:childTnLst>
+                                </p:cTn>
+                              </p:par>
+                            </p:childTnLst>
+                          </p:cTn>
+                        </p:par>
+                        <p:par>
+                          <p:cTn id="74" fill="hold">
+                            <p:stCondLst>
+                              <p:cond delay="1000"/>
+                            </p:stCondLst>
+                            <p:childTnLst>
+                              <p:par>
+                                <p:cTn id="75" presetID="10" presetClass="entr" presetSubtype="0" fill="hold" nodeType="afterEffect">
+                                  <p:stCondLst>
+                                    <p:cond delay="0"/>
+                                  </p:stCondLst>
+                                  <p:childTnLst>
+                                    <p:set>
+                                      <p:cBhvr>
+                                        <p:cTn id="76" dur="1" fill="hold">
+                                          <p:stCondLst>
+                                            <p:cond delay="0"/>
+                                          </p:stCondLst>
+                                        </p:cTn>
+                                        <p:tgtEl>
+                                          <p:spTgt spid="1029"/>
+                                        </p:tgtEl>
+                                        <p:attrNameLst>
+                                          <p:attrName>style.visibility</p:attrName>
+                                        </p:attrNameLst>
+                                      </p:cBhvr>
+                                      <p:to>
+                                        <p:strVal val="visible"/>
+                                      </p:to>
+                                    </p:set>
+                                    <p:animEffect transition="in" filter="fade">
+                                      <p:cBhvr>
+                                        <p:cTn id="77" dur="500"/>
+                                        <p:tgtEl>
+                                          <p:spTgt spid="1029"/>
+                                        </p:tgtEl>
+                                      </p:cBhvr>
+                                    </p:animEffect>
+                                  </p:childTnLst>
+                                </p:cTn>
+                              </p:par>
+                              <p:par>
+                                <p:cTn id="78" presetID="35" presetClass="path" presetSubtype="0" accel="50000" decel="50000" fill="hold" nodeType="withEffect">
+                                  <p:stCondLst>
+                                    <p:cond delay="0"/>
+                                  </p:stCondLst>
+                                  <p:childTnLst>
+                                    <p:animMotion origin="layout" path="M -2.29226E-6 -2.12353E-6 L -0.60172 -2.12353E-6 " pathEditMode="relative" rAng="0" ptsTypes="AA">
+                                      <p:cBhvr>
+                                        <p:cTn id="79" dur="2000" fill="hold"/>
+                                        <p:tgtEl>
+                                          <p:spTgt spid="1029"/>
+                                        </p:tgtEl>
+                                        <p:attrNameLst>
+                                          <p:attrName>ppt_x</p:attrName>
+                                          <p:attrName>ppt_y</p:attrName>
+                                        </p:attrNameLst>
+                                      </p:cBhvr>
+                                      <p:rCtr x="-301" y="0"/>
+                                    </p:animMotion>
+                                  </p:childTnLst>
+                                </p:cTn>
+                              </p:par>
+                            </p:childTnLst>
+                          </p:cTn>
+                        </p:par>
+                        <p:par>
+                          <p:cTn id="80" fill="hold">
+                            <p:stCondLst>
+                              <p:cond delay="3000"/>
+                            </p:stCondLst>
+                            <p:childTnLst>
+                              <p:par>
+                                <p:cTn id="81" presetID="10" presetClass="exit" presetSubtype="0" fill="hold" nodeType="afterEffect">
+                                  <p:stCondLst>
+                                    <p:cond delay="0"/>
+                                  </p:stCondLst>
+                                  <p:childTnLst>
+                                    <p:animEffect transition="out" filter="fade">
+                                      <p:cBhvr>
+                                        <p:cTn id="82" dur="2000"/>
+                                        <p:tgtEl>
+                                          <p:spTgt spid="1029"/>
+                                        </p:tgtEl>
+                                      </p:cBhvr>
+                                    </p:animEffect>
+                                    <p:set>
+                                      <p:cBhvr>
+                                        <p:cTn id="83" dur="1" fill="hold">
+                                          <p:stCondLst>
+                                            <p:cond delay="1999"/>
+                                          </p:stCondLst>
+                                        </p:cTn>
+                                        <p:tgtEl>
+                                          <p:spTgt spid="1029"/>
+                                        </p:tgtEl>
+                                        <p:attrNameLst>
+                                          <p:attrName>style.visibility</p:attrName>
+                                        </p:attrNameLst>
+                                      </p:cBhvr>
+                                      <p:to>
+                                        <p:strVal val="hidden"/>
+                                      </p:to>
+                                    </p:set>
+                                  </p:childTnLst>
+                                </p:cTn>
+                              </p:par>
+                              <p:par>
+                                <p:cTn id="84" presetID="10" presetClass="entr" presetSubtype="0" fill="hold" nodeType="withEffect">
+                                  <p:stCondLst>
+                                    <p:cond delay="0"/>
+                                  </p:stCondLst>
+                                  <p:childTnLst>
+                                    <p:set>
+                                      <p:cBhvr>
+                                        <p:cTn id="85" dur="1" fill="hold">
+                                          <p:stCondLst>
+                                            <p:cond delay="0"/>
+                                          </p:stCondLst>
+                                        </p:cTn>
+                                        <p:tgtEl>
+                                          <p:spTgt spid="1030"/>
+                                        </p:tgtEl>
+                                        <p:attrNameLst>
+                                          <p:attrName>style.visibility</p:attrName>
+                                        </p:attrNameLst>
+                                      </p:cBhvr>
+                                      <p:to>
+                                        <p:strVal val="visible"/>
+                                      </p:to>
+                                    </p:set>
+                                    <p:animEffect transition="in" filter="fade">
+                                      <p:cBhvr>
+                                        <p:cTn id="86" dur="500"/>
+                                        <p:tgtEl>
+                                          <p:spTgt spid="1030"/>
+                                        </p:tgtEl>
+                                      </p:cBhvr>
+                                    </p:animEffect>
+                                  </p:childTnLst>
+                                </p:cTn>
+                              </p:par>
+                            </p:childTnLst>
+                          </p:cTn>
+                        </p:par>
+                      </p:childTnLst>
+                    </p:cTn>
+                  </p:par>
+                </p:childTnLst>
+              </p:cTn>
+              <p:prevCondLst>
+                <p:cond evt="onPrev" delay="0">
+                  <p:tgtEl>
+                    <p:sldTgt/>
+                  </p:tgtEl>
+                </p:cond>
+              </p:prevCondLst>
+              <p:nextCondLst>
+                <p:cond evt="onNext" delay="0">
+                  <p:tgtEl>
+                    <p:sldTgt/>
+                  </p:tgtEl>
+                </p:cond>
+              </p:nextCondLst>
+            </p:seq>
+          </p:childTnLst>
+        </p:cTn>
       </p:par>
     </p:tnLst>
+    <p:bldLst>
+      <p:bldP spid="2" grpId="0"/>
+      <p:bldP spid="2" grpId="1"/>
+      <p:bldP spid="9" grpId="0"/>
+      <p:bldP spid="9" grpId="1"/>
+      <p:bldP spid="12" grpId="0"/>
+      <p:bldP spid="12" grpId="1"/>
+      <p:bldP spid="13" grpId="0"/>
+    </p:bldLst>
   </p:timing>
 </p:sld>
 </file>
@@ -3794,7 +5710,7 @@
           <a:blip r:embed="rId2" cstate="print">
             <a:extLst>
               <a:ext uri="{28A0092B-C50C-407E-A947-70E740481C1C}">
-                <a14:useLocalDpi xmlns:a14="http://schemas.microsoft.com/office/drawing/2010/main" val="0"/>
+                <a14:useLocalDpi xmlns:a14="http://schemas.microsoft.com/office/drawing/2010/main" xmlns="" val="0"/>
               </a:ext>
             </a:extLst>
           </a:blip>
@@ -3835,25 +5751,401 @@
           <a:lstStyle/>
           <a:p>
             <a:r>
-              <a:rPr lang="zh-CN" altLang="en-US" sz="3600" dirty="0"/>
+              <a:rPr lang="zh-CN" altLang="en-US" sz="3600" dirty="0" smtClean="0"/>
               <a:t>主要</a:t>
             </a:r>
             <a:r>
               <a:rPr lang="zh-CN" altLang="en-US" sz="3600" dirty="0" smtClean="0"/>
-              <a:t>函数</a:t>
+              <a:t>函</a:t>
             </a:r>
             <a:r>
               <a:rPr lang="zh-CN" altLang="en-US" sz="3600" dirty="0" smtClean="0"/>
-              <a:t>介绍</a:t>
+              <a:t>数介绍</a:t>
             </a:r>
             <a:endParaRPr lang="en-US" altLang="zh-CN" sz="3600" dirty="0" smtClean="0"/>
+          </a:p>
+        </p:txBody>
+      </p:sp>
+      <p:sp>
+        <p:nvSpPr>
+          <p:cNvPr id="4" name="TextBox 3"/>
+          <p:cNvSpPr txBox="1"/>
+          <p:nvPr/>
+        </p:nvSpPr>
+        <p:spPr>
+          <a:xfrm>
+            <a:off x="2725444" y="2361460"/>
+            <a:ext cx="5015883" cy="369332"/>
+          </a:xfrm>
+          <a:prstGeom prst="rect">
+            <a:avLst/>
+          </a:prstGeom>
+          <a:noFill/>
+        </p:spPr>
+        <p:txBody>
+          <a:bodyPr wrap="square" rtlCol="0">
+            <a:spAutoFit/>
+          </a:bodyPr>
+          <a:lstStyle/>
+          <a:p>
+            <a:r>
+              <a:rPr lang="zh-CN" altLang="en-US" b="1" dirty="0" smtClean="0"/>
+              <a:t>边界碰撞：</a:t>
+            </a:r>
+            <a:r>
+              <a:rPr lang="en-US" altLang="zh-CN" b="1" dirty="0" err="1" smtClean="0"/>
+              <a:t>int</a:t>
+            </a:r>
+            <a:r>
+              <a:rPr lang="en-US" altLang="zh-CN" b="1" dirty="0" smtClean="0"/>
+              <a:t>    </a:t>
+            </a:r>
+            <a:r>
+              <a:rPr lang="en-US" altLang="zh-CN" b="1" dirty="0" err="1" smtClean="0"/>
+              <a:t>myIntersect</a:t>
+            </a:r>
+            <a:r>
+              <a:rPr lang="en-US" altLang="zh-CN" b="1" dirty="0" smtClean="0"/>
+              <a:t>(</a:t>
+            </a:r>
+            <a:r>
+              <a:rPr lang="en-US" altLang="zh-CN" b="1" dirty="0" err="1" smtClean="0"/>
+              <a:t>hgeRect</a:t>
+            </a:r>
+            <a:r>
+              <a:rPr lang="en-US" altLang="zh-CN" b="1" dirty="0" smtClean="0"/>
+              <a:t>*,</a:t>
+            </a:r>
+            <a:r>
+              <a:rPr lang="en-US" altLang="zh-CN" b="1" dirty="0" err="1" smtClean="0"/>
+              <a:t>hgeRect</a:t>
+            </a:r>
+            <a:r>
+              <a:rPr lang="en-US" altLang="zh-CN" b="1" dirty="0" smtClean="0"/>
+              <a:t> *);</a:t>
+            </a:r>
+            <a:endParaRPr lang="zh-CN" altLang="en-US" b="1" dirty="0" smtClean="0"/>
+          </a:p>
+        </p:txBody>
+      </p:sp>
+      <p:sp>
+        <p:nvSpPr>
+          <p:cNvPr id="7" name="TextBox 6"/>
+          <p:cNvSpPr txBox="1"/>
+          <p:nvPr/>
+        </p:nvSpPr>
+        <p:spPr>
+          <a:xfrm>
+            <a:off x="3036164" y="2858609"/>
+            <a:ext cx="4962617" cy="369332"/>
+          </a:xfrm>
+          <a:prstGeom prst="rect">
+            <a:avLst/>
+          </a:prstGeom>
+          <a:noFill/>
+        </p:spPr>
+        <p:txBody>
+          <a:bodyPr wrap="square" rtlCol="0">
+            <a:spAutoFit/>
+          </a:bodyPr>
+          <a:lstStyle/>
+          <a:p>
+            <a:r>
+              <a:rPr lang="zh-CN" altLang="en-US" b="1" dirty="0" smtClean="0"/>
+              <a:t>计算两个物体碰撞，返回矩形</a:t>
+            </a:r>
+            <a:r>
+              <a:rPr lang="zh-CN" altLang="en-US" b="1" dirty="0" smtClean="0"/>
+              <a:t>在</a:t>
+            </a:r>
+            <a:r>
+              <a:rPr lang="zh-CN" altLang="en-US" b="1" dirty="0" smtClean="0"/>
+              <a:t>哪个边碰撞。</a:t>
+            </a:r>
+            <a:endParaRPr lang="zh-CN" altLang="en-US" b="1" dirty="0"/>
+          </a:p>
+        </p:txBody>
+      </p:sp>
+      <p:sp>
+        <p:nvSpPr>
+          <p:cNvPr id="8" name="TextBox 7"/>
+          <p:cNvSpPr txBox="1"/>
+          <p:nvPr/>
+        </p:nvSpPr>
+        <p:spPr>
+          <a:xfrm>
+            <a:off x="3064278" y="3321728"/>
+            <a:ext cx="3354278" cy="369332"/>
+          </a:xfrm>
+          <a:prstGeom prst="rect">
+            <a:avLst/>
+          </a:prstGeom>
+          <a:noFill/>
+        </p:spPr>
+        <p:txBody>
+          <a:bodyPr wrap="square" rtlCol="0">
+            <a:spAutoFit/>
+          </a:bodyPr>
+          <a:lstStyle/>
+          <a:p>
+            <a:r>
+              <a:rPr lang="zh-CN" altLang="en-US" b="1" dirty="0" smtClean="0"/>
+              <a:t>返回值是一个四位</a:t>
+            </a:r>
+            <a:r>
+              <a:rPr lang="zh-CN" altLang="en-US" b="1" dirty="0" smtClean="0"/>
+              <a:t>整</a:t>
+            </a:r>
+            <a:r>
+              <a:rPr lang="zh-CN" altLang="en-US" b="1" dirty="0" smtClean="0"/>
+              <a:t>型值，例：</a:t>
+            </a:r>
+            <a:endParaRPr lang="zh-CN" altLang="en-US" b="1" dirty="0"/>
+          </a:p>
+        </p:txBody>
+      </p:sp>
+      <p:sp>
+        <p:nvSpPr>
+          <p:cNvPr id="9" name="TextBox 8"/>
+          <p:cNvSpPr txBox="1"/>
+          <p:nvPr/>
+        </p:nvSpPr>
+        <p:spPr>
+          <a:xfrm>
+            <a:off x="6516212" y="3311370"/>
+            <a:ext cx="159796" cy="369332"/>
+          </a:xfrm>
+          <a:prstGeom prst="rect">
+            <a:avLst/>
+          </a:prstGeom>
+          <a:noFill/>
+        </p:spPr>
+        <p:txBody>
+          <a:bodyPr wrap="square" rtlCol="0">
+            <a:spAutoFit/>
+          </a:bodyPr>
+          <a:lstStyle/>
+          <a:p>
+            <a:r>
+              <a:rPr lang="en-US" altLang="zh-CN" dirty="0" smtClean="0"/>
+              <a:t>1</a:t>
+            </a:r>
+            <a:endParaRPr lang="zh-CN" altLang="en-US" dirty="0"/>
+          </a:p>
+        </p:txBody>
+      </p:sp>
+      <p:sp>
+        <p:nvSpPr>
+          <p:cNvPr id="11" name="TextBox 10"/>
+          <p:cNvSpPr txBox="1"/>
+          <p:nvPr/>
+        </p:nvSpPr>
+        <p:spPr>
+          <a:xfrm>
+            <a:off x="6659735" y="3321730"/>
+            <a:ext cx="159796" cy="369332"/>
+          </a:xfrm>
+          <a:prstGeom prst="rect">
+            <a:avLst/>
+          </a:prstGeom>
+          <a:noFill/>
+        </p:spPr>
+        <p:txBody>
+          <a:bodyPr wrap="square" rtlCol="0">
+            <a:spAutoFit/>
+          </a:bodyPr>
+          <a:lstStyle/>
+          <a:p>
+            <a:r>
+              <a:rPr lang="en-US" altLang="zh-CN" dirty="0" smtClean="0"/>
+              <a:t>0</a:t>
+            </a:r>
+            <a:endParaRPr lang="zh-CN" altLang="en-US" dirty="0"/>
+          </a:p>
+        </p:txBody>
+      </p:sp>
+      <p:sp>
+        <p:nvSpPr>
+          <p:cNvPr id="12" name="TextBox 11"/>
+          <p:cNvSpPr txBox="1"/>
+          <p:nvPr/>
+        </p:nvSpPr>
+        <p:spPr>
+          <a:xfrm>
+            <a:off x="6828410" y="3312850"/>
+            <a:ext cx="159796" cy="369332"/>
+          </a:xfrm>
+          <a:prstGeom prst="rect">
+            <a:avLst/>
+          </a:prstGeom>
+          <a:noFill/>
+        </p:spPr>
+        <p:txBody>
+          <a:bodyPr wrap="square" rtlCol="0">
+            <a:spAutoFit/>
+          </a:bodyPr>
+          <a:lstStyle/>
+          <a:p>
+            <a:r>
+              <a:rPr lang="en-US" altLang="zh-CN" dirty="0" smtClean="0"/>
+              <a:t>1</a:t>
+            </a:r>
+            <a:endParaRPr lang="zh-CN" altLang="en-US" dirty="0"/>
+          </a:p>
+        </p:txBody>
+      </p:sp>
+      <p:sp>
+        <p:nvSpPr>
+          <p:cNvPr id="13" name="TextBox 12"/>
+          <p:cNvSpPr txBox="1"/>
+          <p:nvPr/>
+        </p:nvSpPr>
+        <p:spPr>
+          <a:xfrm>
+            <a:off x="6971933" y="3323210"/>
+            <a:ext cx="159796" cy="369332"/>
+          </a:xfrm>
+          <a:prstGeom prst="rect">
+            <a:avLst/>
+          </a:prstGeom>
+          <a:noFill/>
+        </p:spPr>
+        <p:txBody>
+          <a:bodyPr wrap="square" rtlCol="0">
+            <a:spAutoFit/>
+          </a:bodyPr>
+          <a:lstStyle/>
+          <a:p>
+            <a:r>
+              <a:rPr lang="en-US" altLang="zh-CN" dirty="0" smtClean="0"/>
+              <a:t>0</a:t>
+            </a:r>
+            <a:endParaRPr lang="zh-CN" altLang="en-US" dirty="0"/>
+          </a:p>
+        </p:txBody>
+      </p:sp>
+      <p:sp>
+        <p:nvSpPr>
+          <p:cNvPr id="14" name="TextBox 13"/>
+          <p:cNvSpPr txBox="1"/>
+          <p:nvPr/>
+        </p:nvSpPr>
+        <p:spPr>
+          <a:xfrm>
+            <a:off x="6232124" y="3746377"/>
+            <a:ext cx="4403325" cy="369332"/>
+          </a:xfrm>
+          <a:prstGeom prst="rect">
+            <a:avLst/>
+          </a:prstGeom>
+          <a:noFill/>
+        </p:spPr>
+        <p:txBody>
+          <a:bodyPr wrap="square" rtlCol="0">
+            <a:spAutoFit/>
+          </a:bodyPr>
+          <a:lstStyle/>
+          <a:p>
+            <a:r>
+              <a:rPr lang="zh-CN" altLang="en-US" b="1" dirty="0" smtClean="0"/>
+              <a:t>上碰撞       下碰撞       左碰撞        右碰撞</a:t>
+            </a:r>
+            <a:endParaRPr lang="zh-CN" altLang="en-US" b="1" dirty="0"/>
+          </a:p>
+        </p:txBody>
+      </p:sp>
+      <p:sp>
+        <p:nvSpPr>
+          <p:cNvPr id="15" name="TextBox 14"/>
+          <p:cNvSpPr txBox="1"/>
+          <p:nvPr/>
+        </p:nvSpPr>
+        <p:spPr>
+          <a:xfrm>
+            <a:off x="2771312" y="4173984"/>
+            <a:ext cx="5015883" cy="369332"/>
+          </a:xfrm>
+          <a:prstGeom prst="rect">
+            <a:avLst/>
+          </a:prstGeom>
+          <a:noFill/>
+        </p:spPr>
+        <p:txBody>
+          <a:bodyPr wrap="square" rtlCol="0">
+            <a:spAutoFit/>
+          </a:bodyPr>
+          <a:lstStyle/>
+          <a:p>
+            <a:r>
+              <a:rPr lang="zh-CN" altLang="en-US" b="1" dirty="0" smtClean="0"/>
+              <a:t>鼠</a:t>
+            </a:r>
+            <a:r>
+              <a:rPr lang="zh-CN" altLang="en-US" b="1" dirty="0" smtClean="0"/>
+              <a:t>标拖拽：</a:t>
+            </a:r>
+            <a:r>
+              <a:rPr lang="en-US" altLang="zh-CN" b="1" dirty="0" err="1" smtClean="0"/>
+              <a:t>mouseDrag</a:t>
+            </a:r>
+            <a:r>
+              <a:rPr lang="en-US" altLang="zh-CN" b="1" dirty="0" smtClean="0"/>
+              <a:t>();</a:t>
+            </a:r>
+            <a:endParaRPr lang="zh-CN" altLang="en-US" b="1" dirty="0"/>
+          </a:p>
+        </p:txBody>
+      </p:sp>
+      <p:sp>
+        <p:nvSpPr>
+          <p:cNvPr id="17" name="TextBox 16"/>
+          <p:cNvSpPr txBox="1"/>
+          <p:nvPr/>
+        </p:nvSpPr>
+        <p:spPr>
+          <a:xfrm>
+            <a:off x="2781670" y="4645980"/>
+            <a:ext cx="5015883" cy="369332"/>
+          </a:xfrm>
+          <a:prstGeom prst="rect">
+            <a:avLst/>
+          </a:prstGeom>
+          <a:noFill/>
+        </p:spPr>
+        <p:txBody>
+          <a:bodyPr wrap="square" rtlCol="0">
+            <a:spAutoFit/>
+          </a:bodyPr>
+          <a:lstStyle/>
+          <a:p>
+            <a:r>
+              <a:rPr lang="zh-CN" altLang="en-US" b="1" dirty="0" smtClean="0"/>
+              <a:t>获</a:t>
+            </a:r>
+            <a:r>
+              <a:rPr lang="zh-CN" altLang="en-US" b="1" dirty="0" smtClean="0"/>
+              <a:t>取速度：</a:t>
+            </a:r>
+            <a:r>
+              <a:rPr lang="en-US" altLang="zh-CN" dirty="0" smtClean="0"/>
+              <a:t> </a:t>
+            </a:r>
+            <a:r>
+              <a:rPr lang="en-US" altLang="zh-CN" b="1" dirty="0" err="1" smtClean="0"/>
+              <a:t>getVelocity</a:t>
+            </a:r>
+            <a:r>
+              <a:rPr lang="en-US" altLang="zh-CN" b="1" dirty="0" smtClean="0"/>
+              <a:t>();</a:t>
+            </a:r>
+            <a:endParaRPr lang="zh-CN" altLang="en-US" b="1" dirty="0" smtClean="0"/>
           </a:p>
         </p:txBody>
       </p:sp>
     </p:spTree>
     <p:extLst>
       <p:ext uri="{BB962C8B-B14F-4D97-AF65-F5344CB8AC3E}">
-        <p14:creationId xmlns:p14="http://schemas.microsoft.com/office/powerpoint/2010/main" val="3607553883"/>
+        <p14:creationId xmlns:p14="http://schemas.microsoft.com/office/powerpoint/2010/main" xmlns="" val="3607553883"/>
       </p:ext>
     </p:extLst>
   </p:cSld>
@@ -3863,9 +6155,728 @@
   <p:timing>
     <p:tnLst>
       <p:par>
-        <p:cTn id="1" dur="indefinite" restart="never" nodeType="tmRoot"/>
+        <p:cTn id="1" dur="indefinite" restart="never" nodeType="tmRoot">
+          <p:childTnLst>
+            <p:seq concurrent="1" nextAc="seek">
+              <p:cTn id="2" dur="indefinite" nodeType="mainSeq">
+                <p:childTnLst>
+                  <p:par>
+                    <p:cTn id="3" fill="hold">
+                      <p:stCondLst>
+                        <p:cond delay="indefinite"/>
+                      </p:stCondLst>
+                      <p:childTnLst>
+                        <p:par>
+                          <p:cTn id="4" fill="hold">
+                            <p:stCondLst>
+                              <p:cond delay="0"/>
+                            </p:stCondLst>
+                            <p:childTnLst>
+                              <p:par>
+                                <p:cTn id="5" presetID="10" presetClass="entr" presetSubtype="0" fill="hold" grpId="0" nodeType="clickEffect">
+                                  <p:stCondLst>
+                                    <p:cond delay="0"/>
+                                  </p:stCondLst>
+                                  <p:childTnLst>
+                                    <p:set>
+                                      <p:cBhvr>
+                                        <p:cTn id="6" dur="1" fill="hold">
+                                          <p:stCondLst>
+                                            <p:cond delay="0"/>
+                                          </p:stCondLst>
+                                        </p:cTn>
+                                        <p:tgtEl>
+                                          <p:spTgt spid="4"/>
+                                        </p:tgtEl>
+                                        <p:attrNameLst>
+                                          <p:attrName>style.visibility</p:attrName>
+                                        </p:attrNameLst>
+                                      </p:cBhvr>
+                                      <p:to>
+                                        <p:strVal val="visible"/>
+                                      </p:to>
+                                    </p:set>
+                                    <p:animEffect transition="in" filter="fade">
+                                      <p:cBhvr>
+                                        <p:cTn id="7" dur="2000"/>
+                                        <p:tgtEl>
+                                          <p:spTgt spid="4"/>
+                                        </p:tgtEl>
+                                      </p:cBhvr>
+                                    </p:animEffect>
+                                  </p:childTnLst>
+                                </p:cTn>
+                              </p:par>
+                              <p:par>
+                                <p:cTn id="8" presetID="10" presetClass="entr" presetSubtype="0" fill="hold" grpId="0" nodeType="withEffect">
+                                  <p:stCondLst>
+                                    <p:cond delay="0"/>
+                                  </p:stCondLst>
+                                  <p:childTnLst>
+                                    <p:set>
+                                      <p:cBhvr>
+                                        <p:cTn id="9" dur="1" fill="hold">
+                                          <p:stCondLst>
+                                            <p:cond delay="0"/>
+                                          </p:stCondLst>
+                                        </p:cTn>
+                                        <p:tgtEl>
+                                          <p:spTgt spid="7"/>
+                                        </p:tgtEl>
+                                        <p:attrNameLst>
+                                          <p:attrName>style.visibility</p:attrName>
+                                        </p:attrNameLst>
+                                      </p:cBhvr>
+                                      <p:to>
+                                        <p:strVal val="visible"/>
+                                      </p:to>
+                                    </p:set>
+                                    <p:animEffect transition="in" filter="fade">
+                                      <p:cBhvr>
+                                        <p:cTn id="10" dur="2000"/>
+                                        <p:tgtEl>
+                                          <p:spTgt spid="7"/>
+                                        </p:tgtEl>
+                                      </p:cBhvr>
+                                    </p:animEffect>
+                                  </p:childTnLst>
+                                </p:cTn>
+                              </p:par>
+                              <p:par>
+                                <p:cTn id="11" presetID="10" presetClass="entr" presetSubtype="0" fill="hold" grpId="0" nodeType="withEffect">
+                                  <p:stCondLst>
+                                    <p:cond delay="0"/>
+                                  </p:stCondLst>
+                                  <p:childTnLst>
+                                    <p:set>
+                                      <p:cBhvr>
+                                        <p:cTn id="12" dur="1" fill="hold">
+                                          <p:stCondLst>
+                                            <p:cond delay="0"/>
+                                          </p:stCondLst>
+                                        </p:cTn>
+                                        <p:tgtEl>
+                                          <p:spTgt spid="8"/>
+                                        </p:tgtEl>
+                                        <p:attrNameLst>
+                                          <p:attrName>style.visibility</p:attrName>
+                                        </p:attrNameLst>
+                                      </p:cBhvr>
+                                      <p:to>
+                                        <p:strVal val="visible"/>
+                                      </p:to>
+                                    </p:set>
+                                    <p:animEffect transition="in" filter="fade">
+                                      <p:cBhvr>
+                                        <p:cTn id="13" dur="2000"/>
+                                        <p:tgtEl>
+                                          <p:spTgt spid="8"/>
+                                        </p:tgtEl>
+                                      </p:cBhvr>
+                                    </p:animEffect>
+                                  </p:childTnLst>
+                                </p:cTn>
+                              </p:par>
+                              <p:par>
+                                <p:cTn id="14" presetID="10" presetClass="entr" presetSubtype="0" fill="hold" grpId="0" nodeType="withEffect">
+                                  <p:stCondLst>
+                                    <p:cond delay="0"/>
+                                  </p:stCondLst>
+                                  <p:childTnLst>
+                                    <p:set>
+                                      <p:cBhvr>
+                                        <p:cTn id="15" dur="1" fill="hold">
+                                          <p:stCondLst>
+                                            <p:cond delay="0"/>
+                                          </p:stCondLst>
+                                        </p:cTn>
+                                        <p:tgtEl>
+                                          <p:spTgt spid="9"/>
+                                        </p:tgtEl>
+                                        <p:attrNameLst>
+                                          <p:attrName>style.visibility</p:attrName>
+                                        </p:attrNameLst>
+                                      </p:cBhvr>
+                                      <p:to>
+                                        <p:strVal val="visible"/>
+                                      </p:to>
+                                    </p:set>
+                                    <p:animEffect transition="in" filter="fade">
+                                      <p:cBhvr>
+                                        <p:cTn id="16" dur="2000"/>
+                                        <p:tgtEl>
+                                          <p:spTgt spid="9"/>
+                                        </p:tgtEl>
+                                      </p:cBhvr>
+                                    </p:animEffect>
+                                  </p:childTnLst>
+                                </p:cTn>
+                              </p:par>
+                              <p:par>
+                                <p:cTn id="17" presetID="10" presetClass="entr" presetSubtype="0" fill="hold" grpId="0" nodeType="withEffect">
+                                  <p:stCondLst>
+                                    <p:cond delay="0"/>
+                                  </p:stCondLst>
+                                  <p:childTnLst>
+                                    <p:set>
+                                      <p:cBhvr>
+                                        <p:cTn id="18" dur="1" fill="hold">
+                                          <p:stCondLst>
+                                            <p:cond delay="0"/>
+                                          </p:stCondLst>
+                                        </p:cTn>
+                                        <p:tgtEl>
+                                          <p:spTgt spid="11"/>
+                                        </p:tgtEl>
+                                        <p:attrNameLst>
+                                          <p:attrName>style.visibility</p:attrName>
+                                        </p:attrNameLst>
+                                      </p:cBhvr>
+                                      <p:to>
+                                        <p:strVal val="visible"/>
+                                      </p:to>
+                                    </p:set>
+                                    <p:animEffect transition="in" filter="fade">
+                                      <p:cBhvr>
+                                        <p:cTn id="19" dur="2000"/>
+                                        <p:tgtEl>
+                                          <p:spTgt spid="11"/>
+                                        </p:tgtEl>
+                                      </p:cBhvr>
+                                    </p:animEffect>
+                                  </p:childTnLst>
+                                </p:cTn>
+                              </p:par>
+                              <p:par>
+                                <p:cTn id="20" presetID="10" presetClass="entr" presetSubtype="0" fill="hold" grpId="0" nodeType="withEffect">
+                                  <p:stCondLst>
+                                    <p:cond delay="0"/>
+                                  </p:stCondLst>
+                                  <p:childTnLst>
+                                    <p:set>
+                                      <p:cBhvr>
+                                        <p:cTn id="21" dur="1" fill="hold">
+                                          <p:stCondLst>
+                                            <p:cond delay="0"/>
+                                          </p:stCondLst>
+                                        </p:cTn>
+                                        <p:tgtEl>
+                                          <p:spTgt spid="12"/>
+                                        </p:tgtEl>
+                                        <p:attrNameLst>
+                                          <p:attrName>style.visibility</p:attrName>
+                                        </p:attrNameLst>
+                                      </p:cBhvr>
+                                      <p:to>
+                                        <p:strVal val="visible"/>
+                                      </p:to>
+                                    </p:set>
+                                    <p:animEffect transition="in" filter="fade">
+                                      <p:cBhvr>
+                                        <p:cTn id="22" dur="2000"/>
+                                        <p:tgtEl>
+                                          <p:spTgt spid="12"/>
+                                        </p:tgtEl>
+                                      </p:cBhvr>
+                                    </p:animEffect>
+                                  </p:childTnLst>
+                                </p:cTn>
+                              </p:par>
+                              <p:par>
+                                <p:cTn id="23" presetID="10" presetClass="entr" presetSubtype="0" fill="hold" grpId="0" nodeType="withEffect">
+                                  <p:stCondLst>
+                                    <p:cond delay="0"/>
+                                  </p:stCondLst>
+                                  <p:childTnLst>
+                                    <p:set>
+                                      <p:cBhvr>
+                                        <p:cTn id="24" dur="1" fill="hold">
+                                          <p:stCondLst>
+                                            <p:cond delay="0"/>
+                                          </p:stCondLst>
+                                        </p:cTn>
+                                        <p:tgtEl>
+                                          <p:spTgt spid="13"/>
+                                        </p:tgtEl>
+                                        <p:attrNameLst>
+                                          <p:attrName>style.visibility</p:attrName>
+                                        </p:attrNameLst>
+                                      </p:cBhvr>
+                                      <p:to>
+                                        <p:strVal val="visible"/>
+                                      </p:to>
+                                    </p:set>
+                                    <p:animEffect transition="in" filter="fade">
+                                      <p:cBhvr>
+                                        <p:cTn id="25" dur="2000"/>
+                                        <p:tgtEl>
+                                          <p:spTgt spid="13"/>
+                                        </p:tgtEl>
+                                      </p:cBhvr>
+                                    </p:animEffect>
+                                  </p:childTnLst>
+                                </p:cTn>
+                              </p:par>
+                            </p:childTnLst>
+                          </p:cTn>
+                        </p:par>
+                      </p:childTnLst>
+                    </p:cTn>
+                  </p:par>
+                  <p:par>
+                    <p:cTn id="26" fill="hold">
+                      <p:stCondLst>
+                        <p:cond delay="indefinite"/>
+                      </p:stCondLst>
+                      <p:childTnLst>
+                        <p:par>
+                          <p:cTn id="27" fill="hold">
+                            <p:stCondLst>
+                              <p:cond delay="0"/>
+                            </p:stCondLst>
+                            <p:childTnLst>
+                              <p:par>
+                                <p:cTn id="28" presetID="63" presetClass="path" presetSubtype="0" accel="50000" decel="50000" fill="hold" grpId="1" nodeType="clickEffect">
+                                  <p:stCondLst>
+                                    <p:cond delay="0"/>
+                                  </p:stCondLst>
+                                  <p:childTnLst>
+                                    <p:animMotion origin="layout" path="M 3.9229E-6 2.26E-6 L 0.23183 -0.00509 " pathEditMode="relative" rAng="0" ptsTypes="AA">
+                                      <p:cBhvr>
+                                        <p:cTn id="29" dur="2000" fill="hold"/>
+                                        <p:tgtEl>
+                                          <p:spTgt spid="13"/>
+                                        </p:tgtEl>
+                                        <p:attrNameLst>
+                                          <p:attrName>ppt_x</p:attrName>
+                                          <p:attrName>ppt_y</p:attrName>
+                                        </p:attrNameLst>
+                                      </p:cBhvr>
+                                      <p:rCtr x="116" y="-3"/>
+                                    </p:animMotion>
+                                  </p:childTnLst>
+                                </p:cTn>
+                              </p:par>
+                              <p:par>
+                                <p:cTn id="30" presetID="63" presetClass="path" presetSubtype="0" accel="50000" decel="50000" fill="hold" grpId="1" nodeType="withEffect">
+                                  <p:stCondLst>
+                                    <p:cond delay="0"/>
+                                  </p:stCondLst>
+                                  <p:childTnLst>
+                                    <p:animMotion origin="layout" path="M -4.0323E-6 1.85057E-7 L 0.15395 1.85057E-7 " pathEditMode="relative" rAng="0" ptsTypes="AA">
+                                      <p:cBhvr>
+                                        <p:cTn id="31" dur="2000" fill="hold"/>
+                                        <p:tgtEl>
+                                          <p:spTgt spid="12"/>
+                                        </p:tgtEl>
+                                        <p:attrNameLst>
+                                          <p:attrName>ppt_x</p:attrName>
+                                          <p:attrName>ppt_y</p:attrName>
+                                        </p:attrNameLst>
+                                      </p:cBhvr>
+                                      <p:rCtr x="77" y="0"/>
+                                    </p:animMotion>
+                                  </p:childTnLst>
+                                </p:cTn>
+                              </p:par>
+                              <p:par>
+                                <p:cTn id="32" presetID="63" presetClass="path" presetSubtype="0" accel="50000" decel="50000" fill="hold" grpId="1" nodeType="withEffect">
+                                  <p:stCondLst>
+                                    <p:cond delay="0"/>
+                                  </p:stCondLst>
+                                  <p:childTnLst>
+                                    <p:animMotion origin="layout" path="M 1.64626E-6 3.58085E-6 L 0.07241 -0.00023 " pathEditMode="relative" rAng="0" ptsTypes="AA">
+                                      <p:cBhvr>
+                                        <p:cTn id="33" dur="2000" fill="hold"/>
+                                        <p:tgtEl>
+                                          <p:spTgt spid="11"/>
+                                        </p:tgtEl>
+                                        <p:attrNameLst>
+                                          <p:attrName>ppt_x</p:attrName>
+                                          <p:attrName>ppt_y</p:attrName>
+                                        </p:attrNameLst>
+                                      </p:cBhvr>
+                                      <p:rCtr x="36" y="0"/>
+                                    </p:animMotion>
+                                  </p:childTnLst>
+                                </p:cTn>
+                              </p:par>
+                            </p:childTnLst>
+                          </p:cTn>
+                        </p:par>
+                        <p:par>
+                          <p:cTn id="34" fill="hold">
+                            <p:stCondLst>
+                              <p:cond delay="2000"/>
+                            </p:stCondLst>
+                            <p:childTnLst>
+                              <p:par>
+                                <p:cTn id="35" presetID="10" presetClass="entr" presetSubtype="0" fill="hold" grpId="0" nodeType="afterEffect">
+                                  <p:stCondLst>
+                                    <p:cond delay="0"/>
+                                  </p:stCondLst>
+                                  <p:childTnLst>
+                                    <p:set>
+                                      <p:cBhvr>
+                                        <p:cTn id="36" dur="1" fill="hold">
+                                          <p:stCondLst>
+                                            <p:cond delay="0"/>
+                                          </p:stCondLst>
+                                        </p:cTn>
+                                        <p:tgtEl>
+                                          <p:spTgt spid="14"/>
+                                        </p:tgtEl>
+                                        <p:attrNameLst>
+                                          <p:attrName>style.visibility</p:attrName>
+                                        </p:attrNameLst>
+                                      </p:cBhvr>
+                                      <p:to>
+                                        <p:strVal val="visible"/>
+                                      </p:to>
+                                    </p:set>
+                                    <p:animEffect transition="in" filter="fade">
+                                      <p:cBhvr>
+                                        <p:cTn id="37" dur="2000"/>
+                                        <p:tgtEl>
+                                          <p:spTgt spid="14"/>
+                                        </p:tgtEl>
+                                      </p:cBhvr>
+                                    </p:animEffect>
+                                  </p:childTnLst>
+                                </p:cTn>
+                              </p:par>
+                            </p:childTnLst>
+                          </p:cTn>
+                        </p:par>
+                      </p:childTnLst>
+                    </p:cTn>
+                  </p:par>
+                  <p:par>
+                    <p:cTn id="38" fill="hold">
+                      <p:stCondLst>
+                        <p:cond delay="indefinite"/>
+                      </p:stCondLst>
+                      <p:childTnLst>
+                        <p:par>
+                          <p:cTn id="39" fill="hold">
+                            <p:stCondLst>
+                              <p:cond delay="0"/>
+                            </p:stCondLst>
+                            <p:childTnLst>
+                              <p:par>
+                                <p:cTn id="40" presetID="10" presetClass="entr" presetSubtype="0" fill="hold" grpId="0" nodeType="clickEffect">
+                                  <p:stCondLst>
+                                    <p:cond delay="0"/>
+                                  </p:stCondLst>
+                                  <p:childTnLst>
+                                    <p:set>
+                                      <p:cBhvr>
+                                        <p:cTn id="41" dur="1" fill="hold">
+                                          <p:stCondLst>
+                                            <p:cond delay="0"/>
+                                          </p:stCondLst>
+                                        </p:cTn>
+                                        <p:tgtEl>
+                                          <p:spTgt spid="15"/>
+                                        </p:tgtEl>
+                                        <p:attrNameLst>
+                                          <p:attrName>style.visibility</p:attrName>
+                                        </p:attrNameLst>
+                                      </p:cBhvr>
+                                      <p:to>
+                                        <p:strVal val="visible"/>
+                                      </p:to>
+                                    </p:set>
+                                    <p:animEffect transition="in" filter="fade">
+                                      <p:cBhvr>
+                                        <p:cTn id="42" dur="2000"/>
+                                        <p:tgtEl>
+                                          <p:spTgt spid="15"/>
+                                        </p:tgtEl>
+                                      </p:cBhvr>
+                                    </p:animEffect>
+                                  </p:childTnLst>
+                                </p:cTn>
+                              </p:par>
+                            </p:childTnLst>
+                          </p:cTn>
+                        </p:par>
+                      </p:childTnLst>
+                    </p:cTn>
+                  </p:par>
+                  <p:par>
+                    <p:cTn id="43" fill="hold">
+                      <p:stCondLst>
+                        <p:cond delay="indefinite"/>
+                      </p:stCondLst>
+                      <p:childTnLst>
+                        <p:par>
+                          <p:cTn id="44" fill="hold">
+                            <p:stCondLst>
+                              <p:cond delay="0"/>
+                            </p:stCondLst>
+                            <p:childTnLst>
+                              <p:par>
+                                <p:cTn id="45" presetID="10" presetClass="entr" presetSubtype="0" fill="hold" grpId="0" nodeType="clickEffect">
+                                  <p:stCondLst>
+                                    <p:cond delay="0"/>
+                                  </p:stCondLst>
+                                  <p:childTnLst>
+                                    <p:set>
+                                      <p:cBhvr>
+                                        <p:cTn id="46" dur="1" fill="hold">
+                                          <p:stCondLst>
+                                            <p:cond delay="0"/>
+                                          </p:stCondLst>
+                                        </p:cTn>
+                                        <p:tgtEl>
+                                          <p:spTgt spid="17"/>
+                                        </p:tgtEl>
+                                        <p:attrNameLst>
+                                          <p:attrName>style.visibility</p:attrName>
+                                        </p:attrNameLst>
+                                      </p:cBhvr>
+                                      <p:to>
+                                        <p:strVal val="visible"/>
+                                      </p:to>
+                                    </p:set>
+                                    <p:animEffect transition="in" filter="fade">
+                                      <p:cBhvr>
+                                        <p:cTn id="47" dur="2000"/>
+                                        <p:tgtEl>
+                                          <p:spTgt spid="17"/>
+                                        </p:tgtEl>
+                                      </p:cBhvr>
+                                    </p:animEffect>
+                                  </p:childTnLst>
+                                </p:cTn>
+                              </p:par>
+                            </p:childTnLst>
+                          </p:cTn>
+                        </p:par>
+                      </p:childTnLst>
+                    </p:cTn>
+                  </p:par>
+                  <p:par>
+                    <p:cTn id="48" fill="hold">
+                      <p:stCondLst>
+                        <p:cond delay="indefinite"/>
+                      </p:stCondLst>
+                      <p:childTnLst>
+                        <p:par>
+                          <p:cTn id="49" fill="hold">
+                            <p:stCondLst>
+                              <p:cond delay="0"/>
+                            </p:stCondLst>
+                            <p:childTnLst>
+                              <p:par>
+                                <p:cTn id="50" presetID="2" presetClass="entr" presetSubtype="4" fill="hold" grpId="1" nodeType="clickEffect">
+                                  <p:stCondLst>
+                                    <p:cond delay="0"/>
+                                  </p:stCondLst>
+                                  <p:childTnLst>
+                                    <p:set>
+                                      <p:cBhvr>
+                                        <p:cTn id="51" dur="1" fill="hold">
+                                          <p:stCondLst>
+                                            <p:cond delay="0"/>
+                                          </p:stCondLst>
+                                        </p:cTn>
+                                        <p:tgtEl>
+                                          <p:spTgt spid="15"/>
+                                        </p:tgtEl>
+                                        <p:attrNameLst>
+                                          <p:attrName>style.visibility</p:attrName>
+                                        </p:attrNameLst>
+                                      </p:cBhvr>
+                                      <p:to>
+                                        <p:strVal val="visible"/>
+                                      </p:to>
+                                    </p:set>
+                                    <p:anim calcmode="lin" valueType="num">
+                                      <p:cBhvr additive="base">
+                                        <p:cTn id="52" dur="500" fill="hold"/>
+                                        <p:tgtEl>
+                                          <p:spTgt spid="15"/>
+                                        </p:tgtEl>
+                                        <p:attrNameLst>
+                                          <p:attrName>ppt_x</p:attrName>
+                                        </p:attrNameLst>
+                                      </p:cBhvr>
+                                      <p:tavLst>
+                                        <p:tav tm="0">
+                                          <p:val>
+                                            <p:strVal val="#ppt_x"/>
+                                          </p:val>
+                                        </p:tav>
+                                        <p:tav tm="100000">
+                                          <p:val>
+                                            <p:strVal val="#ppt_x"/>
+                                          </p:val>
+                                        </p:tav>
+                                      </p:tavLst>
+                                    </p:anim>
+                                    <p:anim calcmode="lin" valueType="num">
+                                      <p:cBhvr additive="base">
+                                        <p:cTn id="53" dur="500" fill="hold"/>
+                                        <p:tgtEl>
+                                          <p:spTgt spid="15"/>
+                                        </p:tgtEl>
+                                        <p:attrNameLst>
+                                          <p:attrName>ppt_y</p:attrName>
+                                        </p:attrNameLst>
+                                      </p:cBhvr>
+                                      <p:tavLst>
+                                        <p:tav tm="0">
+                                          <p:val>
+                                            <p:strVal val="1+#ppt_h/2"/>
+                                          </p:val>
+                                        </p:tav>
+                                        <p:tav tm="100000">
+                                          <p:val>
+                                            <p:strVal val="#ppt_y"/>
+                                          </p:val>
+                                        </p:tav>
+                                      </p:tavLst>
+                                    </p:anim>
+                                  </p:childTnLst>
+                                </p:cTn>
+                              </p:par>
+                            </p:childTnLst>
+                          </p:cTn>
+                        </p:par>
+                      </p:childTnLst>
+                    </p:cTn>
+                  </p:par>
+                  <p:par>
+                    <p:cTn id="54" fill="hold">
+                      <p:stCondLst>
+                        <p:cond delay="indefinite"/>
+                      </p:stCondLst>
+                      <p:childTnLst>
+                        <p:par>
+                          <p:cTn id="55" fill="hold">
+                            <p:stCondLst>
+                              <p:cond delay="0"/>
+                            </p:stCondLst>
+                            <p:childTnLst>
+                              <p:par>
+                                <p:cTn id="56" presetID="2" presetClass="entr" presetSubtype="4" fill="hold" grpId="1" nodeType="clickEffect">
+                                  <p:stCondLst>
+                                    <p:cond delay="0"/>
+                                  </p:stCondLst>
+                                  <p:childTnLst>
+                                    <p:set>
+                                      <p:cBhvr>
+                                        <p:cTn id="57" dur="1" fill="hold">
+                                          <p:stCondLst>
+                                            <p:cond delay="0"/>
+                                          </p:stCondLst>
+                                        </p:cTn>
+                                        <p:tgtEl>
+                                          <p:spTgt spid="17"/>
+                                        </p:tgtEl>
+                                        <p:attrNameLst>
+                                          <p:attrName>style.visibility</p:attrName>
+                                        </p:attrNameLst>
+                                      </p:cBhvr>
+                                      <p:to>
+                                        <p:strVal val="visible"/>
+                                      </p:to>
+                                    </p:set>
+                                    <p:anim calcmode="lin" valueType="num">
+                                      <p:cBhvr additive="base">
+                                        <p:cTn id="58" dur="500" fill="hold"/>
+                                        <p:tgtEl>
+                                          <p:spTgt spid="17"/>
+                                        </p:tgtEl>
+                                        <p:attrNameLst>
+                                          <p:attrName>ppt_x</p:attrName>
+                                        </p:attrNameLst>
+                                      </p:cBhvr>
+                                      <p:tavLst>
+                                        <p:tav tm="0">
+                                          <p:val>
+                                            <p:strVal val="#ppt_x"/>
+                                          </p:val>
+                                        </p:tav>
+                                        <p:tav tm="100000">
+                                          <p:val>
+                                            <p:strVal val="#ppt_x"/>
+                                          </p:val>
+                                        </p:tav>
+                                      </p:tavLst>
+                                    </p:anim>
+                                    <p:anim calcmode="lin" valueType="num">
+                                      <p:cBhvr additive="base">
+                                        <p:cTn id="59" dur="500" fill="hold"/>
+                                        <p:tgtEl>
+                                          <p:spTgt spid="17"/>
+                                        </p:tgtEl>
+                                        <p:attrNameLst>
+                                          <p:attrName>ppt_y</p:attrName>
+                                        </p:attrNameLst>
+                                      </p:cBhvr>
+                                      <p:tavLst>
+                                        <p:tav tm="0">
+                                          <p:val>
+                                            <p:strVal val="1+#ppt_h/2"/>
+                                          </p:val>
+                                        </p:tav>
+                                        <p:tav tm="100000">
+                                          <p:val>
+                                            <p:strVal val="#ppt_y"/>
+                                          </p:val>
+                                        </p:tav>
+                                      </p:tavLst>
+                                    </p:anim>
+                                  </p:childTnLst>
+                                </p:cTn>
+                              </p:par>
+                            </p:childTnLst>
+                          </p:cTn>
+                        </p:par>
+                      </p:childTnLst>
+                    </p:cTn>
+                  </p:par>
+                </p:childTnLst>
+              </p:cTn>
+              <p:prevCondLst>
+                <p:cond evt="onPrev" delay="0">
+                  <p:tgtEl>
+                    <p:sldTgt/>
+                  </p:tgtEl>
+                </p:cond>
+              </p:prevCondLst>
+              <p:nextCondLst>
+                <p:cond evt="onNext" delay="0">
+                  <p:tgtEl>
+                    <p:sldTgt/>
+                  </p:tgtEl>
+                </p:cond>
+              </p:nextCondLst>
+            </p:seq>
+          </p:childTnLst>
+        </p:cTn>
       </p:par>
     </p:tnLst>
+    <p:bldLst>
+      <p:bldP spid="4" grpId="0"/>
+      <p:bldP spid="7" grpId="0"/>
+      <p:bldP spid="8" grpId="0"/>
+      <p:bldP spid="9" grpId="0"/>
+      <p:bldP spid="11" grpId="0"/>
+      <p:bldP spid="11" grpId="1"/>
+      <p:bldP spid="12" grpId="0"/>
+      <p:bldP spid="12" grpId="1"/>
+      <p:bldP spid="13" grpId="0"/>
+      <p:bldP spid="13" grpId="1"/>
+      <p:bldP spid="14" grpId="0"/>
+      <p:bldP spid="15" grpId="0"/>
+      <p:bldP spid="15" grpId="1"/>
+      <p:bldP spid="17" grpId="0"/>
+      <p:bldP spid="17" grpId="1"/>
+    </p:bldLst>
   </p:timing>
 </p:sld>
 </file>
@@ -3899,7 +6910,7 @@
           <a:blip r:embed="rId2" cstate="print">
             <a:extLst>
               <a:ext uri="{28A0092B-C50C-407E-A947-70E740481C1C}">
-                <a14:useLocalDpi xmlns:a14="http://schemas.microsoft.com/office/drawing/2010/main" val="0"/>
+                <a14:useLocalDpi xmlns:a14="http://schemas.microsoft.com/office/drawing/2010/main" xmlns="" val="0"/>
               </a:ext>
             </a:extLst>
           </a:blip>
@@ -3955,8 +6966,8 @@
         </p:nvSpPr>
         <p:spPr>
           <a:xfrm>
-            <a:off x="2537254" y="2067696"/>
-            <a:ext cx="5502876" cy="923330"/>
+            <a:off x="2104007" y="2609235"/>
+            <a:ext cx="6024899" cy="923330"/>
           </a:xfrm>
           <a:prstGeom prst="rect">
             <a:avLst/>
@@ -3970,15 +6981,259 @@
           <a:lstStyle/>
           <a:p>
             <a:r>
+              <a:rPr lang="en-US" altLang="zh-CN" b="1" dirty="0" smtClean="0"/>
+              <a:t> </a:t>
+            </a:r>
+            <a:r>
+              <a:rPr lang="en-US" altLang="zh-CN" b="1" dirty="0" smtClean="0"/>
+              <a:t>   </a:t>
+            </a:r>
+            <a:r>
+              <a:rPr lang="en-US" altLang="zh-CN" dirty="0" smtClean="0"/>
+              <a:t> </a:t>
+            </a:r>
+            <a:r>
               <a:rPr lang="zh-CN" altLang="en-US" dirty="0" smtClean="0"/>
-              <a:t>地图拉伸收回：</a:t>
+              <a:t>如</a:t>
+            </a:r>
+            <a:r>
+              <a:rPr lang="zh-CN" altLang="en-US" dirty="0" smtClean="0"/>
+              <a:t>果玩家将地图拉伸到地图边界外，松开鼠标地图会慢慢回到地图边界</a:t>
+            </a:r>
+            <a:r>
+              <a:rPr lang="zh-CN" altLang="en-US" dirty="0" smtClean="0"/>
+              <a:t>。</a:t>
             </a:r>
             <a:endParaRPr lang="en-US" altLang="zh-CN" dirty="0" smtClean="0"/>
           </a:p>
           <a:p>
             <a:r>
+              <a:rPr lang="zh-CN" altLang="en-US" b="1" dirty="0" smtClean="0"/>
+              <a:t>优点：</a:t>
+            </a:r>
+            <a:r>
               <a:rPr lang="zh-CN" altLang="en-US" dirty="0" smtClean="0"/>
-              <a:t>如果玩家将地图拉伸到地图边界外，松开鼠标地图会慢慢回到地图边界。这样做增加了游戏的体验度。</a:t>
+              <a:t>加强游戏体验度。</a:t>
+            </a:r>
+            <a:endParaRPr lang="zh-CN" altLang="en-US" dirty="0"/>
+          </a:p>
+        </p:txBody>
+      </p:sp>
+      <p:sp>
+        <p:nvSpPr>
+          <p:cNvPr id="5" name="TextBox 4"/>
+          <p:cNvSpPr txBox="1"/>
+          <p:nvPr/>
+        </p:nvSpPr>
+        <p:spPr>
+          <a:xfrm>
+            <a:off x="2068496" y="2254928"/>
+            <a:ext cx="2414727" cy="369332"/>
+          </a:xfrm>
+          <a:prstGeom prst="rect">
+            <a:avLst/>
+          </a:prstGeom>
+          <a:noFill/>
+        </p:spPr>
+        <p:txBody>
+          <a:bodyPr wrap="square" rtlCol="0">
+            <a:spAutoFit/>
+          </a:bodyPr>
+          <a:lstStyle/>
+          <a:p>
+            <a:r>
+              <a:rPr lang="zh-CN" altLang="en-US" b="1" dirty="0" smtClean="0"/>
+              <a:t>地图拉伸</a:t>
+            </a:r>
+            <a:r>
+              <a:rPr lang="zh-CN" altLang="en-US" b="1" dirty="0" smtClean="0"/>
+              <a:t>：</a:t>
+            </a:r>
+            <a:endParaRPr lang="en-US" altLang="zh-CN" b="1" dirty="0" smtClean="0"/>
+          </a:p>
+        </p:txBody>
+      </p:sp>
+      <p:sp>
+        <p:nvSpPr>
+          <p:cNvPr id="7" name="TextBox 6"/>
+          <p:cNvSpPr txBox="1"/>
+          <p:nvPr/>
+        </p:nvSpPr>
+        <p:spPr>
+          <a:xfrm>
+            <a:off x="2069975" y="3650202"/>
+            <a:ext cx="2414727" cy="369332"/>
+          </a:xfrm>
+          <a:prstGeom prst="rect">
+            <a:avLst/>
+          </a:prstGeom>
+          <a:noFill/>
+        </p:spPr>
+        <p:txBody>
+          <a:bodyPr wrap="square" rtlCol="0">
+            <a:spAutoFit/>
+          </a:bodyPr>
+          <a:lstStyle/>
+          <a:p>
+            <a:r>
+              <a:rPr lang="zh-CN" altLang="en-US" b="1" dirty="0" smtClean="0"/>
+              <a:t>鼠</a:t>
+            </a:r>
+            <a:r>
+              <a:rPr lang="zh-CN" altLang="en-US" b="1" dirty="0" smtClean="0"/>
+              <a:t>标与键盘同时操作：</a:t>
+            </a:r>
+            <a:endParaRPr lang="en-US" altLang="zh-CN" b="1" dirty="0" smtClean="0"/>
+          </a:p>
+        </p:txBody>
+      </p:sp>
+      <p:sp>
+        <p:nvSpPr>
+          <p:cNvPr id="8" name="文本框 5"/>
+          <p:cNvSpPr txBox="1"/>
+          <p:nvPr/>
+        </p:nvSpPr>
+        <p:spPr>
+          <a:xfrm>
+            <a:off x="2078854" y="4022265"/>
+            <a:ext cx="6024899" cy="646331"/>
+          </a:xfrm>
+          <a:prstGeom prst="rect">
+            <a:avLst/>
+          </a:prstGeom>
+          <a:noFill/>
+        </p:spPr>
+        <p:txBody>
+          <a:bodyPr wrap="square" rtlCol="0">
+            <a:spAutoFit/>
+          </a:bodyPr>
+          <a:lstStyle/>
+          <a:p>
+            <a:r>
+              <a:rPr lang="en-US" altLang="zh-CN" b="1" dirty="0" smtClean="0"/>
+              <a:t> </a:t>
+            </a:r>
+            <a:r>
+              <a:rPr lang="en-US" altLang="zh-CN" b="1" dirty="0" smtClean="0"/>
+              <a:t>    </a:t>
+            </a:r>
+            <a:r>
+              <a:rPr lang="zh-CN" altLang="en-US" dirty="0" smtClean="0"/>
+              <a:t>与普通</a:t>
+            </a:r>
+            <a:r>
+              <a:rPr lang="en-US" altLang="zh-CN" dirty="0" smtClean="0"/>
+              <a:t>2D</a:t>
+            </a:r>
+            <a:r>
+              <a:rPr lang="zh-CN" altLang="en-US" dirty="0" smtClean="0"/>
+              <a:t>游戏不同，新增鼠标操作。</a:t>
+            </a:r>
+            <a:endParaRPr lang="en-US" altLang="zh-CN" dirty="0" smtClean="0"/>
+          </a:p>
+          <a:p>
+            <a:r>
+              <a:rPr lang="zh-CN" altLang="en-US" b="1" dirty="0" smtClean="0"/>
+              <a:t>优点：</a:t>
+            </a:r>
+            <a:r>
+              <a:rPr lang="zh-CN" altLang="en-US" dirty="0" smtClean="0"/>
+              <a:t>增加了游戏</a:t>
+            </a:r>
+            <a:r>
+              <a:rPr lang="zh-CN" altLang="en-US" dirty="0" smtClean="0"/>
+              <a:t>的可扩</a:t>
+            </a:r>
+            <a:r>
+              <a:rPr lang="zh-CN" altLang="en-US" dirty="0" smtClean="0"/>
+              <a:t>展性。</a:t>
+            </a:r>
+            <a:endParaRPr lang="zh-CN" altLang="en-US" dirty="0"/>
+          </a:p>
+        </p:txBody>
+      </p:sp>
+      <p:sp>
+        <p:nvSpPr>
+          <p:cNvPr id="9" name="TextBox 8"/>
+          <p:cNvSpPr txBox="1"/>
+          <p:nvPr/>
+        </p:nvSpPr>
+        <p:spPr>
+          <a:xfrm>
+            <a:off x="2106966" y="4796900"/>
+            <a:ext cx="2414727" cy="369332"/>
+          </a:xfrm>
+          <a:prstGeom prst="rect">
+            <a:avLst/>
+          </a:prstGeom>
+          <a:noFill/>
+        </p:spPr>
+        <p:txBody>
+          <a:bodyPr wrap="square" rtlCol="0">
+            <a:spAutoFit/>
+          </a:bodyPr>
+          <a:lstStyle/>
+          <a:p>
+            <a:r>
+              <a:rPr lang="zh-CN" altLang="en-US" b="1" dirty="0" smtClean="0"/>
+              <a:t>使用</a:t>
+            </a:r>
+            <a:r>
+              <a:rPr lang="zh-CN" altLang="en-US" b="1" dirty="0" smtClean="0"/>
+              <a:t>配置文件：</a:t>
+            </a:r>
+            <a:endParaRPr lang="en-US" altLang="zh-CN" b="1" dirty="0" smtClean="0"/>
+          </a:p>
+        </p:txBody>
+      </p:sp>
+      <p:sp>
+        <p:nvSpPr>
+          <p:cNvPr id="10" name="文本框 5"/>
+          <p:cNvSpPr txBox="1"/>
+          <p:nvPr/>
+        </p:nvSpPr>
+        <p:spPr>
+          <a:xfrm>
+            <a:off x="2115844" y="5195597"/>
+            <a:ext cx="6024899" cy="646331"/>
+          </a:xfrm>
+          <a:prstGeom prst="rect">
+            <a:avLst/>
+          </a:prstGeom>
+          <a:noFill/>
+        </p:spPr>
+        <p:txBody>
+          <a:bodyPr wrap="square" rtlCol="0">
+            <a:spAutoFit/>
+          </a:bodyPr>
+          <a:lstStyle/>
+          <a:p>
+            <a:r>
+              <a:rPr lang="zh-CN" altLang="en-US" b="1" dirty="0" smtClean="0"/>
+              <a:t>    </a:t>
+            </a:r>
+            <a:r>
+              <a:rPr lang="zh-CN" altLang="en-US" dirty="0" smtClean="0"/>
+              <a:t>开发过程中数据代码几乎放在配置文件中。</a:t>
+            </a:r>
+            <a:endParaRPr lang="en-US" altLang="zh-CN" dirty="0" smtClean="0"/>
+          </a:p>
+          <a:p>
+            <a:r>
+              <a:rPr lang="zh-CN" altLang="en-US" b="1" dirty="0" smtClean="0"/>
+              <a:t>优点：</a:t>
+            </a:r>
+            <a:r>
+              <a:rPr lang="zh-CN" altLang="en-US" dirty="0" smtClean="0"/>
+              <a:t>增加了游戏</a:t>
+            </a:r>
+            <a:r>
+              <a:rPr lang="zh-CN" altLang="en-US" dirty="0" smtClean="0"/>
+              <a:t>的可移植性</a:t>
+            </a:r>
+            <a:r>
+              <a:rPr lang="zh-CN" altLang="en-US" dirty="0" smtClean="0"/>
+              <a:t>。</a:t>
             </a:r>
             <a:endParaRPr lang="zh-CN" altLang="en-US" dirty="0"/>
           </a:p>
@@ -3987,7 +7242,7 @@
     </p:spTree>
     <p:extLst>
       <p:ext uri="{BB962C8B-B14F-4D97-AF65-F5344CB8AC3E}">
-        <p14:creationId xmlns:p14="http://schemas.microsoft.com/office/powerpoint/2010/main" val="582948142"/>
+        <p14:creationId xmlns:p14="http://schemas.microsoft.com/office/powerpoint/2010/main" xmlns="" val="582948142"/>
       </p:ext>
     </p:extLst>
   </p:cSld>
@@ -3997,9 +7252,532 @@
   <p:timing>
     <p:tnLst>
       <p:par>
-        <p:cTn id="1" dur="indefinite" restart="never" nodeType="tmRoot"/>
+        <p:cTn id="1" dur="indefinite" restart="never" nodeType="tmRoot">
+          <p:childTnLst>
+            <p:seq concurrent="1" nextAc="seek">
+              <p:cTn id="2" dur="indefinite" nodeType="mainSeq">
+                <p:childTnLst>
+                  <p:par>
+                    <p:cTn id="3" fill="hold">
+                      <p:stCondLst>
+                        <p:cond delay="indefinite"/>
+                      </p:stCondLst>
+                      <p:childTnLst>
+                        <p:par>
+                          <p:cTn id="4" fill="hold">
+                            <p:stCondLst>
+                              <p:cond delay="0"/>
+                            </p:stCondLst>
+                            <p:childTnLst>
+                              <p:par>
+                                <p:cTn id="5" presetID="2" presetClass="entr" presetSubtype="8" fill="hold" grpId="0" nodeType="clickEffect">
+                                  <p:stCondLst>
+                                    <p:cond delay="0"/>
+                                  </p:stCondLst>
+                                  <p:childTnLst>
+                                    <p:set>
+                                      <p:cBhvr>
+                                        <p:cTn id="6" dur="1" fill="hold">
+                                          <p:stCondLst>
+                                            <p:cond delay="0"/>
+                                          </p:stCondLst>
+                                        </p:cTn>
+                                        <p:tgtEl>
+                                          <p:spTgt spid="6"/>
+                                        </p:tgtEl>
+                                        <p:attrNameLst>
+                                          <p:attrName>style.visibility</p:attrName>
+                                        </p:attrNameLst>
+                                      </p:cBhvr>
+                                      <p:to>
+                                        <p:strVal val="visible"/>
+                                      </p:to>
+                                    </p:set>
+                                    <p:anim calcmode="lin" valueType="num">
+                                      <p:cBhvr additive="base">
+                                        <p:cTn id="7" dur="500" fill="hold"/>
+                                        <p:tgtEl>
+                                          <p:spTgt spid="6"/>
+                                        </p:tgtEl>
+                                        <p:attrNameLst>
+                                          <p:attrName>ppt_x</p:attrName>
+                                        </p:attrNameLst>
+                                      </p:cBhvr>
+                                      <p:tavLst>
+                                        <p:tav tm="0">
+                                          <p:val>
+                                            <p:strVal val="0-#ppt_w/2"/>
+                                          </p:val>
+                                        </p:tav>
+                                        <p:tav tm="100000">
+                                          <p:val>
+                                            <p:strVal val="#ppt_x"/>
+                                          </p:val>
+                                        </p:tav>
+                                      </p:tavLst>
+                                    </p:anim>
+                                    <p:anim calcmode="lin" valueType="num">
+                                      <p:cBhvr additive="base">
+                                        <p:cTn id="8" dur="500" fill="hold"/>
+                                        <p:tgtEl>
+                                          <p:spTgt spid="6"/>
+                                        </p:tgtEl>
+                                        <p:attrNameLst>
+                                          <p:attrName>ppt_y</p:attrName>
+                                        </p:attrNameLst>
+                                      </p:cBhvr>
+                                      <p:tavLst>
+                                        <p:tav tm="0">
+                                          <p:val>
+                                            <p:strVal val="#ppt_y"/>
+                                          </p:val>
+                                        </p:tav>
+                                        <p:tav tm="100000">
+                                          <p:val>
+                                            <p:strVal val="#ppt_y"/>
+                                          </p:val>
+                                        </p:tav>
+                                      </p:tavLst>
+                                    </p:anim>
+                                  </p:childTnLst>
+                                </p:cTn>
+                              </p:par>
+                              <p:par>
+                                <p:cTn id="9" presetID="2" presetClass="entr" presetSubtype="8" fill="hold" grpId="0" nodeType="withEffect">
+                                  <p:stCondLst>
+                                    <p:cond delay="0"/>
+                                  </p:stCondLst>
+                                  <p:childTnLst>
+                                    <p:set>
+                                      <p:cBhvr>
+                                        <p:cTn id="10" dur="1" fill="hold">
+                                          <p:stCondLst>
+                                            <p:cond delay="0"/>
+                                          </p:stCondLst>
+                                        </p:cTn>
+                                        <p:tgtEl>
+                                          <p:spTgt spid="5"/>
+                                        </p:tgtEl>
+                                        <p:attrNameLst>
+                                          <p:attrName>style.visibility</p:attrName>
+                                        </p:attrNameLst>
+                                      </p:cBhvr>
+                                      <p:to>
+                                        <p:strVal val="visible"/>
+                                      </p:to>
+                                    </p:set>
+                                    <p:anim calcmode="lin" valueType="num">
+                                      <p:cBhvr additive="base">
+                                        <p:cTn id="11" dur="500" fill="hold"/>
+                                        <p:tgtEl>
+                                          <p:spTgt spid="5"/>
+                                        </p:tgtEl>
+                                        <p:attrNameLst>
+                                          <p:attrName>ppt_x</p:attrName>
+                                        </p:attrNameLst>
+                                      </p:cBhvr>
+                                      <p:tavLst>
+                                        <p:tav tm="0">
+                                          <p:val>
+                                            <p:strVal val="0-#ppt_w/2"/>
+                                          </p:val>
+                                        </p:tav>
+                                        <p:tav tm="100000">
+                                          <p:val>
+                                            <p:strVal val="#ppt_x"/>
+                                          </p:val>
+                                        </p:tav>
+                                      </p:tavLst>
+                                    </p:anim>
+                                    <p:anim calcmode="lin" valueType="num">
+                                      <p:cBhvr additive="base">
+                                        <p:cTn id="12" dur="500" fill="hold"/>
+                                        <p:tgtEl>
+                                          <p:spTgt spid="5"/>
+                                        </p:tgtEl>
+                                        <p:attrNameLst>
+                                          <p:attrName>ppt_y</p:attrName>
+                                        </p:attrNameLst>
+                                      </p:cBhvr>
+                                      <p:tavLst>
+                                        <p:tav tm="0">
+                                          <p:val>
+                                            <p:strVal val="#ppt_y"/>
+                                          </p:val>
+                                        </p:tav>
+                                        <p:tav tm="100000">
+                                          <p:val>
+                                            <p:strVal val="#ppt_y"/>
+                                          </p:val>
+                                        </p:tav>
+                                      </p:tavLst>
+                                    </p:anim>
+                                  </p:childTnLst>
+                                </p:cTn>
+                              </p:par>
+                            </p:childTnLst>
+                          </p:cTn>
+                        </p:par>
+                      </p:childTnLst>
+                    </p:cTn>
+                  </p:par>
+                  <p:par>
+                    <p:cTn id="13" fill="hold">
+                      <p:stCondLst>
+                        <p:cond delay="indefinite"/>
+                      </p:stCondLst>
+                      <p:childTnLst>
+                        <p:par>
+                          <p:cTn id="14" fill="hold">
+                            <p:stCondLst>
+                              <p:cond delay="0"/>
+                            </p:stCondLst>
+                            <p:childTnLst>
+                              <p:par>
+                                <p:cTn id="15" presetID="2" presetClass="entr" presetSubtype="8" fill="hold" grpId="0" nodeType="clickEffect">
+                                  <p:stCondLst>
+                                    <p:cond delay="0"/>
+                                  </p:stCondLst>
+                                  <p:childTnLst>
+                                    <p:set>
+                                      <p:cBhvr>
+                                        <p:cTn id="16" dur="1" fill="hold">
+                                          <p:stCondLst>
+                                            <p:cond delay="0"/>
+                                          </p:stCondLst>
+                                        </p:cTn>
+                                        <p:tgtEl>
+                                          <p:spTgt spid="7"/>
+                                        </p:tgtEl>
+                                        <p:attrNameLst>
+                                          <p:attrName>style.visibility</p:attrName>
+                                        </p:attrNameLst>
+                                      </p:cBhvr>
+                                      <p:to>
+                                        <p:strVal val="visible"/>
+                                      </p:to>
+                                    </p:set>
+                                    <p:anim calcmode="lin" valueType="num">
+                                      <p:cBhvr additive="base">
+                                        <p:cTn id="17" dur="500" fill="hold"/>
+                                        <p:tgtEl>
+                                          <p:spTgt spid="7"/>
+                                        </p:tgtEl>
+                                        <p:attrNameLst>
+                                          <p:attrName>ppt_x</p:attrName>
+                                        </p:attrNameLst>
+                                      </p:cBhvr>
+                                      <p:tavLst>
+                                        <p:tav tm="0">
+                                          <p:val>
+                                            <p:strVal val="0-#ppt_w/2"/>
+                                          </p:val>
+                                        </p:tav>
+                                        <p:tav tm="100000">
+                                          <p:val>
+                                            <p:strVal val="#ppt_x"/>
+                                          </p:val>
+                                        </p:tav>
+                                      </p:tavLst>
+                                    </p:anim>
+                                    <p:anim calcmode="lin" valueType="num">
+                                      <p:cBhvr additive="base">
+                                        <p:cTn id="18" dur="500" fill="hold"/>
+                                        <p:tgtEl>
+                                          <p:spTgt spid="7"/>
+                                        </p:tgtEl>
+                                        <p:attrNameLst>
+                                          <p:attrName>ppt_y</p:attrName>
+                                        </p:attrNameLst>
+                                      </p:cBhvr>
+                                      <p:tavLst>
+                                        <p:tav tm="0">
+                                          <p:val>
+                                            <p:strVal val="#ppt_y"/>
+                                          </p:val>
+                                        </p:tav>
+                                        <p:tav tm="100000">
+                                          <p:val>
+                                            <p:strVal val="#ppt_y"/>
+                                          </p:val>
+                                        </p:tav>
+                                      </p:tavLst>
+                                    </p:anim>
+                                  </p:childTnLst>
+                                </p:cTn>
+                              </p:par>
+                              <p:par>
+                                <p:cTn id="19" presetID="2" presetClass="entr" presetSubtype="8" fill="hold" grpId="0" nodeType="withEffect">
+                                  <p:stCondLst>
+                                    <p:cond delay="0"/>
+                                  </p:stCondLst>
+                                  <p:childTnLst>
+                                    <p:set>
+                                      <p:cBhvr>
+                                        <p:cTn id="20" dur="1" fill="hold">
+                                          <p:stCondLst>
+                                            <p:cond delay="0"/>
+                                          </p:stCondLst>
+                                        </p:cTn>
+                                        <p:tgtEl>
+                                          <p:spTgt spid="8"/>
+                                        </p:tgtEl>
+                                        <p:attrNameLst>
+                                          <p:attrName>style.visibility</p:attrName>
+                                        </p:attrNameLst>
+                                      </p:cBhvr>
+                                      <p:to>
+                                        <p:strVal val="visible"/>
+                                      </p:to>
+                                    </p:set>
+                                    <p:anim calcmode="lin" valueType="num">
+                                      <p:cBhvr additive="base">
+                                        <p:cTn id="21" dur="500" fill="hold"/>
+                                        <p:tgtEl>
+                                          <p:spTgt spid="8"/>
+                                        </p:tgtEl>
+                                        <p:attrNameLst>
+                                          <p:attrName>ppt_x</p:attrName>
+                                        </p:attrNameLst>
+                                      </p:cBhvr>
+                                      <p:tavLst>
+                                        <p:tav tm="0">
+                                          <p:val>
+                                            <p:strVal val="0-#ppt_w/2"/>
+                                          </p:val>
+                                        </p:tav>
+                                        <p:tav tm="100000">
+                                          <p:val>
+                                            <p:strVal val="#ppt_x"/>
+                                          </p:val>
+                                        </p:tav>
+                                      </p:tavLst>
+                                    </p:anim>
+                                    <p:anim calcmode="lin" valueType="num">
+                                      <p:cBhvr additive="base">
+                                        <p:cTn id="22" dur="500" fill="hold"/>
+                                        <p:tgtEl>
+                                          <p:spTgt spid="8"/>
+                                        </p:tgtEl>
+                                        <p:attrNameLst>
+                                          <p:attrName>ppt_y</p:attrName>
+                                        </p:attrNameLst>
+                                      </p:cBhvr>
+                                      <p:tavLst>
+                                        <p:tav tm="0">
+                                          <p:val>
+                                            <p:strVal val="#ppt_y"/>
+                                          </p:val>
+                                        </p:tav>
+                                        <p:tav tm="100000">
+                                          <p:val>
+                                            <p:strVal val="#ppt_y"/>
+                                          </p:val>
+                                        </p:tav>
+                                      </p:tavLst>
+                                    </p:anim>
+                                  </p:childTnLst>
+                                </p:cTn>
+                              </p:par>
+                            </p:childTnLst>
+                          </p:cTn>
+                        </p:par>
+                      </p:childTnLst>
+                    </p:cTn>
+                  </p:par>
+                  <p:par>
+                    <p:cTn id="23" fill="hold">
+                      <p:stCondLst>
+                        <p:cond delay="indefinite"/>
+                      </p:stCondLst>
+                      <p:childTnLst>
+                        <p:par>
+                          <p:cTn id="24" fill="hold">
+                            <p:stCondLst>
+                              <p:cond delay="0"/>
+                            </p:stCondLst>
+                            <p:childTnLst>
+                              <p:par>
+                                <p:cTn id="25" presetID="2" presetClass="entr" presetSubtype="8" fill="hold" grpId="0" nodeType="clickEffect">
+                                  <p:stCondLst>
+                                    <p:cond delay="0"/>
+                                  </p:stCondLst>
+                                  <p:childTnLst>
+                                    <p:set>
+                                      <p:cBhvr>
+                                        <p:cTn id="26" dur="1" fill="hold">
+                                          <p:stCondLst>
+                                            <p:cond delay="0"/>
+                                          </p:stCondLst>
+                                        </p:cTn>
+                                        <p:tgtEl>
+                                          <p:spTgt spid="9"/>
+                                        </p:tgtEl>
+                                        <p:attrNameLst>
+                                          <p:attrName>style.visibility</p:attrName>
+                                        </p:attrNameLst>
+                                      </p:cBhvr>
+                                      <p:to>
+                                        <p:strVal val="visible"/>
+                                      </p:to>
+                                    </p:set>
+                                    <p:anim calcmode="lin" valueType="num">
+                                      <p:cBhvr additive="base">
+                                        <p:cTn id="27" dur="500" fill="hold"/>
+                                        <p:tgtEl>
+                                          <p:spTgt spid="9"/>
+                                        </p:tgtEl>
+                                        <p:attrNameLst>
+                                          <p:attrName>ppt_x</p:attrName>
+                                        </p:attrNameLst>
+                                      </p:cBhvr>
+                                      <p:tavLst>
+                                        <p:tav tm="0">
+                                          <p:val>
+                                            <p:strVal val="0-#ppt_w/2"/>
+                                          </p:val>
+                                        </p:tav>
+                                        <p:tav tm="100000">
+                                          <p:val>
+                                            <p:strVal val="#ppt_x"/>
+                                          </p:val>
+                                        </p:tav>
+                                      </p:tavLst>
+                                    </p:anim>
+                                    <p:anim calcmode="lin" valueType="num">
+                                      <p:cBhvr additive="base">
+                                        <p:cTn id="28" dur="500" fill="hold"/>
+                                        <p:tgtEl>
+                                          <p:spTgt spid="9"/>
+                                        </p:tgtEl>
+                                        <p:attrNameLst>
+                                          <p:attrName>ppt_y</p:attrName>
+                                        </p:attrNameLst>
+                                      </p:cBhvr>
+                                      <p:tavLst>
+                                        <p:tav tm="0">
+                                          <p:val>
+                                            <p:strVal val="#ppt_y"/>
+                                          </p:val>
+                                        </p:tav>
+                                        <p:tav tm="100000">
+                                          <p:val>
+                                            <p:strVal val="#ppt_y"/>
+                                          </p:val>
+                                        </p:tav>
+                                      </p:tavLst>
+                                    </p:anim>
+                                  </p:childTnLst>
+                                </p:cTn>
+                              </p:par>
+                              <p:par>
+                                <p:cTn id="29" presetID="2" presetClass="entr" presetSubtype="8" fill="hold" grpId="0" nodeType="withEffect">
+                                  <p:stCondLst>
+                                    <p:cond delay="0"/>
+                                  </p:stCondLst>
+                                  <p:childTnLst>
+                                    <p:set>
+                                      <p:cBhvr>
+                                        <p:cTn id="30" dur="1" fill="hold">
+                                          <p:stCondLst>
+                                            <p:cond delay="0"/>
+                                          </p:stCondLst>
+                                        </p:cTn>
+                                        <p:tgtEl>
+                                          <p:spTgt spid="10"/>
+                                        </p:tgtEl>
+                                        <p:attrNameLst>
+                                          <p:attrName>style.visibility</p:attrName>
+                                        </p:attrNameLst>
+                                      </p:cBhvr>
+                                      <p:to>
+                                        <p:strVal val="visible"/>
+                                      </p:to>
+                                    </p:set>
+                                    <p:anim calcmode="lin" valueType="num">
+                                      <p:cBhvr additive="base">
+                                        <p:cTn id="31" dur="500" fill="hold"/>
+                                        <p:tgtEl>
+                                          <p:spTgt spid="10"/>
+                                        </p:tgtEl>
+                                        <p:attrNameLst>
+                                          <p:attrName>ppt_x</p:attrName>
+                                        </p:attrNameLst>
+                                      </p:cBhvr>
+                                      <p:tavLst>
+                                        <p:tav tm="0">
+                                          <p:val>
+                                            <p:strVal val="0-#ppt_w/2"/>
+                                          </p:val>
+                                        </p:tav>
+                                        <p:tav tm="100000">
+                                          <p:val>
+                                            <p:strVal val="#ppt_x"/>
+                                          </p:val>
+                                        </p:tav>
+                                      </p:tavLst>
+                                    </p:anim>
+                                    <p:anim calcmode="lin" valueType="num">
+                                      <p:cBhvr additive="base">
+                                        <p:cTn id="32" dur="500" fill="hold"/>
+                                        <p:tgtEl>
+                                          <p:spTgt spid="10"/>
+                                        </p:tgtEl>
+                                        <p:attrNameLst>
+                                          <p:attrName>ppt_y</p:attrName>
+                                        </p:attrNameLst>
+                                      </p:cBhvr>
+                                      <p:tavLst>
+                                        <p:tav tm="0">
+                                          <p:val>
+                                            <p:strVal val="#ppt_y"/>
+                                          </p:val>
+                                        </p:tav>
+                                        <p:tav tm="100000">
+                                          <p:val>
+                                            <p:strVal val="#ppt_y"/>
+                                          </p:val>
+                                        </p:tav>
+                                      </p:tavLst>
+                                    </p:anim>
+                                  </p:childTnLst>
+                                </p:cTn>
+                              </p:par>
+                            </p:childTnLst>
+                          </p:cTn>
+                        </p:par>
+                      </p:childTnLst>
+                    </p:cTn>
+                  </p:par>
+                </p:childTnLst>
+              </p:cTn>
+              <p:prevCondLst>
+                <p:cond evt="onPrev" delay="0">
+                  <p:tgtEl>
+                    <p:sldTgt/>
+                  </p:tgtEl>
+                </p:cond>
+              </p:prevCondLst>
+              <p:nextCondLst>
+                <p:cond evt="onNext" delay="0">
+                  <p:tgtEl>
+                    <p:sldTgt/>
+                  </p:tgtEl>
+                </p:cond>
+              </p:nextCondLst>
+            </p:seq>
+          </p:childTnLst>
+        </p:cTn>
       </p:par>
     </p:tnLst>
+    <p:bldLst>
+      <p:bldP spid="6" grpId="0"/>
+      <p:bldP spid="5" grpId="0"/>
+      <p:bldP spid="7" grpId="0"/>
+      <p:bldP spid="8" grpId="0"/>
+      <p:bldP spid="9" grpId="0"/>
+      <p:bldP spid="10" grpId="0"/>
+    </p:bldLst>
   </p:timing>
 </p:sld>
 </file>
@@ -4033,7 +7811,7 @@
           <a:blip r:embed="rId2" cstate="print">
             <a:extLst>
               <a:ext uri="{28A0092B-C50C-407E-A947-70E740481C1C}">
-                <a14:useLocalDpi xmlns:a14="http://schemas.microsoft.com/office/drawing/2010/main" val="0"/>
+                <a14:useLocalDpi xmlns:a14="http://schemas.microsoft.com/office/drawing/2010/main" xmlns="" val="0"/>
               </a:ext>
             </a:extLst>
           </a:blip>
@@ -4122,21 +7900,7 @@
                 <a:latin typeface="+mj-ea"/>
                 <a:ea typeface="+mj-ea"/>
               </a:rPr>
-              <a:t>游戏</a:t>
-            </a:r>
-            <a:r>
-              <a:rPr lang="zh-CN" altLang="en-US" sz="2000" b="1" dirty="0" smtClean="0">
-                <a:latin typeface="+mj-ea"/>
-                <a:ea typeface="+mj-ea"/>
-              </a:rPr>
-              <a:t>的代码实现，加强</a:t>
-            </a:r>
-            <a:r>
-              <a:rPr lang="zh-CN" altLang="en-US" sz="2000" b="1" dirty="0" smtClean="0">
-                <a:latin typeface="+mj-ea"/>
-                <a:ea typeface="+mj-ea"/>
-              </a:rPr>
-              <a:t>了我对</a:t>
+              <a:t>游戏的代码实现，加强了我对</a:t>
             </a:r>
             <a:r>
               <a:rPr lang="en-US" altLang="zh-CN" sz="2000" b="1" dirty="0" err="1" smtClean="0">
@@ -4180,10 +7944,6 @@
               </a:rPr>
               <a:t>编程打下了坚实的基础。</a:t>
             </a:r>
-            <a:endParaRPr lang="zh-CN" altLang="en-US" sz="2000" b="1" dirty="0" smtClean="0">
-              <a:latin typeface="+mj-ea"/>
-              <a:ea typeface="+mj-ea"/>
-            </a:endParaRPr>
           </a:p>
         </p:txBody>
       </p:sp>
@@ -4221,7 +7981,7 @@
     </p:spTree>
     <p:extLst>
       <p:ext uri="{BB962C8B-B14F-4D97-AF65-F5344CB8AC3E}">
-        <p14:creationId xmlns:p14="http://schemas.microsoft.com/office/powerpoint/2010/main" val="3765624363"/>
+        <p14:creationId xmlns:p14="http://schemas.microsoft.com/office/powerpoint/2010/main" xmlns="" val="3765624363"/>
       </p:ext>
     </p:extLst>
   </p:cSld>
@@ -4513,7 +8273,7 @@
           <a:blip r:embed="rId2" cstate="print">
             <a:extLst>
               <a:ext uri="{28A0092B-C50C-407E-A947-70E740481C1C}">
-                <a14:useLocalDpi xmlns:a14="http://schemas.microsoft.com/office/drawing/2010/main" val="0"/>
+                <a14:useLocalDpi xmlns:a14="http://schemas.microsoft.com/office/drawing/2010/main" xmlns="" val="0"/>
               </a:ext>
             </a:extLst>
           </a:blip>
@@ -4534,7 +8294,7 @@
     </p:spTree>
     <p:extLst>
       <p:ext uri="{BB962C8B-B14F-4D97-AF65-F5344CB8AC3E}">
-        <p14:creationId xmlns:p14="http://schemas.microsoft.com/office/powerpoint/2010/main" val="1873029179"/>
+        <p14:creationId xmlns:p14="http://schemas.microsoft.com/office/powerpoint/2010/main" xmlns="" val="1873029179"/>
       </p:ext>
     </p:extLst>
   </p:cSld>
@@ -4806,7 +8566,7 @@
   <a:extraClrSchemeLst/>
   <a:extLst>
     <a:ext uri="{05A4C25C-085E-4340-85A3-A5531E510DB2}">
-      <thm15:themeFamily xmlns:thm15="http://schemas.microsoft.com/office/thememl/2012/main" name="Office Theme" id="{62F939B6-93AF-4DB8-9C6B-D6C7DFDC589F}" vid="{4A3C46E8-61CC-4603-A589-7422A47A8E4A}"/>
+      <thm15:themeFamily xmlns:thm15="http://schemas.microsoft.com/office/thememl/2012/main" xmlns="" name="Office Theme" id="{62F939B6-93AF-4DB8-9C6B-D6C7DFDC589F}" vid="{4A3C46E8-61CC-4603-A589-7422A47A8E4A}"/>
     </a:ext>
   </a:extLst>
 </a:theme>

--- a/huiZhongLesson/答辩文件/天津软件1班_2D游戏_柴彧_百战天虫/百战天虫.pptx
+++ b/huiZhongLesson/答辩文件/天津软件1班_2D游戏_柴彧_百战天虫/百战天虫.pptx
@@ -113,7 +113,7 @@
   </p:defaultTextStyle>
   <p:extLst>
     <p:ext uri="{EFAFB233-063F-42B5-8137-9DF3F51BA10A}">
-      <p15:sldGuideLst xmlns:p15="http://schemas.microsoft.com/office/powerpoint/2012/main" xmlns="">
+      <p15:sldGuideLst xmlns:p15="http://schemas.microsoft.com/office/powerpoint/2012/main">
         <p15:guide id="1" orient="horz" pos="2160">
           <p15:clr>
             <a:srgbClr val="A4A3A4"/>
@@ -262,7 +262,7 @@
             <a:fld id="{5D2D7C02-6413-4FA0-B51A-4B4E687647AA}" type="datetimeFigureOut">
               <a:rPr lang="zh-CN" altLang="en-US" smtClean="0"/>
               <a:pPr/>
-              <a:t>2018/7/31</a:t>
+              <a:t>2018/8/1 Wednesday</a:t>
             </a:fld>
             <a:endParaRPr lang="zh-CN" altLang="en-US"/>
           </a:p>
@@ -314,7 +314,7 @@
     </p:spTree>
     <p:extLst>
       <p:ext uri="{BB962C8B-B14F-4D97-AF65-F5344CB8AC3E}">
-        <p14:creationId xmlns:p14="http://schemas.microsoft.com/office/powerpoint/2010/main" xmlns="" val="3520789796"/>
+        <p14:creationId xmlns:p14="http://schemas.microsoft.com/office/powerpoint/2010/main" val="3520789796"/>
       </p:ext>
     </p:extLst>
   </p:cSld>
@@ -434,7 +434,7 @@
             <a:fld id="{5D2D7C02-6413-4FA0-B51A-4B4E687647AA}" type="datetimeFigureOut">
               <a:rPr lang="zh-CN" altLang="en-US" smtClean="0"/>
               <a:pPr/>
-              <a:t>2018/7/31</a:t>
+              <a:t>2018/8/1 Wednesday</a:t>
             </a:fld>
             <a:endParaRPr lang="zh-CN" altLang="en-US"/>
           </a:p>
@@ -486,7 +486,7 @@
     </p:spTree>
     <p:extLst>
       <p:ext uri="{BB962C8B-B14F-4D97-AF65-F5344CB8AC3E}">
-        <p14:creationId xmlns:p14="http://schemas.microsoft.com/office/powerpoint/2010/main" xmlns="" val="2247429032"/>
+        <p14:creationId xmlns:p14="http://schemas.microsoft.com/office/powerpoint/2010/main" val="2247429032"/>
       </p:ext>
     </p:extLst>
   </p:cSld>
@@ -616,7 +616,7 @@
             <a:fld id="{5D2D7C02-6413-4FA0-B51A-4B4E687647AA}" type="datetimeFigureOut">
               <a:rPr lang="zh-CN" altLang="en-US" smtClean="0"/>
               <a:pPr/>
-              <a:t>2018/7/31</a:t>
+              <a:t>2018/8/1 Wednesday</a:t>
             </a:fld>
             <a:endParaRPr lang="zh-CN" altLang="en-US"/>
           </a:p>
@@ -668,7 +668,7 @@
     </p:spTree>
     <p:extLst>
       <p:ext uri="{BB962C8B-B14F-4D97-AF65-F5344CB8AC3E}">
-        <p14:creationId xmlns:p14="http://schemas.microsoft.com/office/powerpoint/2010/main" xmlns="" val="3639564044"/>
+        <p14:creationId xmlns:p14="http://schemas.microsoft.com/office/powerpoint/2010/main" val="3639564044"/>
       </p:ext>
     </p:extLst>
   </p:cSld>
@@ -788,7 +788,7 @@
             <a:fld id="{5D2D7C02-6413-4FA0-B51A-4B4E687647AA}" type="datetimeFigureOut">
               <a:rPr lang="zh-CN" altLang="en-US" smtClean="0"/>
               <a:pPr/>
-              <a:t>2018/7/31</a:t>
+              <a:t>2018/8/1 Wednesday</a:t>
             </a:fld>
             <a:endParaRPr lang="zh-CN" altLang="en-US"/>
           </a:p>
@@ -840,7 +840,7 @@
     </p:spTree>
     <p:extLst>
       <p:ext uri="{BB962C8B-B14F-4D97-AF65-F5344CB8AC3E}">
-        <p14:creationId xmlns:p14="http://schemas.microsoft.com/office/powerpoint/2010/main" xmlns="" val="1425107319"/>
+        <p14:creationId xmlns:p14="http://schemas.microsoft.com/office/powerpoint/2010/main" val="1425107319"/>
       </p:ext>
     </p:extLst>
   </p:cSld>
@@ -1036,7 +1036,7 @@
             <a:fld id="{5D2D7C02-6413-4FA0-B51A-4B4E687647AA}" type="datetimeFigureOut">
               <a:rPr lang="zh-CN" altLang="en-US" smtClean="0"/>
               <a:pPr/>
-              <a:t>2018/7/31</a:t>
+              <a:t>2018/8/1 Wednesday</a:t>
             </a:fld>
             <a:endParaRPr lang="zh-CN" altLang="en-US"/>
           </a:p>
@@ -1088,7 +1088,7 @@
     </p:spTree>
     <p:extLst>
       <p:ext uri="{BB962C8B-B14F-4D97-AF65-F5344CB8AC3E}">
-        <p14:creationId xmlns:p14="http://schemas.microsoft.com/office/powerpoint/2010/main" xmlns="" val="19894908"/>
+        <p14:creationId xmlns:p14="http://schemas.microsoft.com/office/powerpoint/2010/main" val="19894908"/>
       </p:ext>
     </p:extLst>
   </p:cSld>
@@ -1270,7 +1270,7 @@
             <a:fld id="{5D2D7C02-6413-4FA0-B51A-4B4E687647AA}" type="datetimeFigureOut">
               <a:rPr lang="zh-CN" altLang="en-US" smtClean="0"/>
               <a:pPr/>
-              <a:t>2018/7/31</a:t>
+              <a:t>2018/8/1 Wednesday</a:t>
             </a:fld>
             <a:endParaRPr lang="zh-CN" altLang="en-US"/>
           </a:p>
@@ -1322,7 +1322,7 @@
     </p:spTree>
     <p:extLst>
       <p:ext uri="{BB962C8B-B14F-4D97-AF65-F5344CB8AC3E}">
-        <p14:creationId xmlns:p14="http://schemas.microsoft.com/office/powerpoint/2010/main" xmlns="" val="198632400"/>
+        <p14:creationId xmlns:p14="http://schemas.microsoft.com/office/powerpoint/2010/main" val="198632400"/>
       </p:ext>
     </p:extLst>
   </p:cSld>
@@ -1639,7 +1639,7 @@
             <a:fld id="{5D2D7C02-6413-4FA0-B51A-4B4E687647AA}" type="datetimeFigureOut">
               <a:rPr lang="zh-CN" altLang="en-US" smtClean="0"/>
               <a:pPr/>
-              <a:t>2018/7/31</a:t>
+              <a:t>2018/8/1 Wednesday</a:t>
             </a:fld>
             <a:endParaRPr lang="zh-CN" altLang="en-US"/>
           </a:p>
@@ -1691,7 +1691,7 @@
     </p:spTree>
     <p:extLst>
       <p:ext uri="{BB962C8B-B14F-4D97-AF65-F5344CB8AC3E}">
-        <p14:creationId xmlns:p14="http://schemas.microsoft.com/office/powerpoint/2010/main" xmlns="" val="748232851"/>
+        <p14:creationId xmlns:p14="http://schemas.microsoft.com/office/powerpoint/2010/main" val="748232851"/>
       </p:ext>
     </p:extLst>
   </p:cSld>
@@ -1759,7 +1759,7 @@
             <a:fld id="{5D2D7C02-6413-4FA0-B51A-4B4E687647AA}" type="datetimeFigureOut">
               <a:rPr lang="zh-CN" altLang="en-US" smtClean="0"/>
               <a:pPr/>
-              <a:t>2018/7/31</a:t>
+              <a:t>2018/8/1 Wednesday</a:t>
             </a:fld>
             <a:endParaRPr lang="zh-CN" altLang="en-US"/>
           </a:p>
@@ -1811,7 +1811,7 @@
     </p:spTree>
     <p:extLst>
       <p:ext uri="{BB962C8B-B14F-4D97-AF65-F5344CB8AC3E}">
-        <p14:creationId xmlns:p14="http://schemas.microsoft.com/office/powerpoint/2010/main" xmlns="" val="1762628761"/>
+        <p14:creationId xmlns:p14="http://schemas.microsoft.com/office/powerpoint/2010/main" val="1762628761"/>
       </p:ext>
     </p:extLst>
   </p:cSld>
@@ -1856,7 +1856,7 @@
             <a:fld id="{5D2D7C02-6413-4FA0-B51A-4B4E687647AA}" type="datetimeFigureOut">
               <a:rPr lang="zh-CN" altLang="en-US" smtClean="0"/>
               <a:pPr/>
-              <a:t>2018/7/31</a:t>
+              <a:t>2018/8/1 Wednesday</a:t>
             </a:fld>
             <a:endParaRPr lang="zh-CN" altLang="en-US"/>
           </a:p>
@@ -1908,7 +1908,7 @@
     </p:spTree>
     <p:extLst>
       <p:ext uri="{BB962C8B-B14F-4D97-AF65-F5344CB8AC3E}">
-        <p14:creationId xmlns:p14="http://schemas.microsoft.com/office/powerpoint/2010/main" xmlns="" val="2577149495"/>
+        <p14:creationId xmlns:p14="http://schemas.microsoft.com/office/powerpoint/2010/main" val="2577149495"/>
       </p:ext>
     </p:extLst>
   </p:cSld>
@@ -2135,7 +2135,7 @@
             <a:fld id="{5D2D7C02-6413-4FA0-B51A-4B4E687647AA}" type="datetimeFigureOut">
               <a:rPr lang="zh-CN" altLang="en-US" smtClean="0"/>
               <a:pPr/>
-              <a:t>2018/7/31</a:t>
+              <a:t>2018/8/1 Wednesday</a:t>
             </a:fld>
             <a:endParaRPr lang="zh-CN" altLang="en-US"/>
           </a:p>
@@ -2187,7 +2187,7 @@
     </p:spTree>
     <p:extLst>
       <p:ext uri="{BB962C8B-B14F-4D97-AF65-F5344CB8AC3E}">
-        <p14:creationId xmlns:p14="http://schemas.microsoft.com/office/powerpoint/2010/main" xmlns="" val="2968106356"/>
+        <p14:creationId xmlns:p14="http://schemas.microsoft.com/office/powerpoint/2010/main" val="2968106356"/>
       </p:ext>
     </p:extLst>
   </p:cSld>
@@ -2390,7 +2390,7 @@
             <a:fld id="{5D2D7C02-6413-4FA0-B51A-4B4E687647AA}" type="datetimeFigureOut">
               <a:rPr lang="zh-CN" altLang="en-US" smtClean="0"/>
               <a:pPr/>
-              <a:t>2018/7/31</a:t>
+              <a:t>2018/8/1 Wednesday</a:t>
             </a:fld>
             <a:endParaRPr lang="zh-CN" altLang="en-US"/>
           </a:p>
@@ -2442,7 +2442,7 @@
     </p:spTree>
     <p:extLst>
       <p:ext uri="{BB962C8B-B14F-4D97-AF65-F5344CB8AC3E}">
-        <p14:creationId xmlns:p14="http://schemas.microsoft.com/office/powerpoint/2010/main" xmlns="" val="1613032852"/>
+        <p14:creationId xmlns:p14="http://schemas.microsoft.com/office/powerpoint/2010/main" val="1613032852"/>
       </p:ext>
     </p:extLst>
   </p:cSld>
@@ -2611,7 +2611,7 @@
             <a:fld id="{5D2D7C02-6413-4FA0-B51A-4B4E687647AA}" type="datetimeFigureOut">
               <a:rPr lang="zh-CN" altLang="en-US" smtClean="0"/>
               <a:pPr/>
-              <a:t>2018/7/31</a:t>
+              <a:t>2018/8/1 Wednesday</a:t>
             </a:fld>
             <a:endParaRPr lang="zh-CN" altLang="en-US"/>
           </a:p>
@@ -2699,7 +2699,7 @@
     </p:spTree>
     <p:extLst>
       <p:ext uri="{BB962C8B-B14F-4D97-AF65-F5344CB8AC3E}">
-        <p14:creationId xmlns:p14="http://schemas.microsoft.com/office/powerpoint/2010/main" xmlns="" val="3760445306"/>
+        <p14:creationId xmlns:p14="http://schemas.microsoft.com/office/powerpoint/2010/main" val="3760445306"/>
       </p:ext>
     </p:extLst>
   </p:cSld>
@@ -3190,7 +3190,7 @@
           <a:blip r:embed="rId2" cstate="print">
             <a:extLst>
               <a:ext uri="{28A0092B-C50C-407E-A947-70E740481C1C}">
-                <a14:useLocalDpi xmlns:a14="http://schemas.microsoft.com/office/drawing/2010/main" xmlns="" val="0"/>
+                <a14:useLocalDpi xmlns:a14="http://schemas.microsoft.com/office/drawing/2010/main" val="0"/>
               </a:ext>
             </a:extLst>
           </a:blip>
@@ -3211,7 +3211,7 @@
     </p:spTree>
     <p:extLst>
       <p:ext uri="{BB962C8B-B14F-4D97-AF65-F5344CB8AC3E}">
-        <p14:creationId xmlns:p14="http://schemas.microsoft.com/office/powerpoint/2010/main" xmlns="" val="2763567643"/>
+        <p14:creationId xmlns:p14="http://schemas.microsoft.com/office/powerpoint/2010/main" val="2763567643"/>
       </p:ext>
     </p:extLst>
   </p:cSld>
@@ -3259,7 +3259,7 @@
           <a:blip r:embed="rId3" cstate="print">
             <a:extLst>
               <a:ext uri="{28A0092B-C50C-407E-A947-70E740481C1C}">
-                <a14:useLocalDpi xmlns:a14="http://schemas.microsoft.com/office/drawing/2010/main" xmlns="" val="0"/>
+                <a14:useLocalDpi xmlns:a14="http://schemas.microsoft.com/office/drawing/2010/main" val="0"/>
               </a:ext>
             </a:extLst>
           </a:blip>
@@ -3405,7 +3405,7 @@
         </p:blipFill>
         <p:spPr bwMode="auto">
           <a:xfrm>
-            <a:off x="1747838" y="5334000"/>
+            <a:off x="3" y="1200150"/>
             <a:ext cx="962025" cy="942975"/>
           </a:xfrm>
           <a:prstGeom prst="rect">
@@ -3431,7 +3431,7 @@
         </p:blipFill>
         <p:spPr bwMode="auto">
           <a:xfrm>
-            <a:off x="2688732" y="5361574"/>
+            <a:off x="3" y="2143125"/>
             <a:ext cx="962025" cy="942975"/>
           </a:xfrm>
           <a:prstGeom prst="rect">
@@ -3457,7 +3457,7 @@
         </p:blipFill>
         <p:spPr bwMode="auto">
           <a:xfrm>
-            <a:off x="3647258" y="5379083"/>
+            <a:off x="2" y="3086100"/>
             <a:ext cx="962025" cy="942975"/>
           </a:xfrm>
           <a:prstGeom prst="rect">
@@ -3483,7 +3483,7 @@
         </p:blipFill>
         <p:spPr bwMode="auto">
           <a:xfrm>
-            <a:off x="4588908" y="5352804"/>
+            <a:off x="1" y="4029075"/>
             <a:ext cx="962025" cy="942975"/>
           </a:xfrm>
           <a:prstGeom prst="rect">
@@ -3492,10 +3492,62 @@
           <a:noFill/>
         </p:spPr>
       </p:pic>
+      <p:pic>
+        <p:nvPicPr>
+          <p:cNvPr id="9" name="Picture 5" descr="F:\素材\2D沙漠场景瓷砖素材\DesertTileset\png\Objects\StoneBlock.png"/>
+          <p:cNvPicPr>
+            <a:picLocks noChangeAspect="1" noChangeArrowheads="1"/>
+          </p:cNvPicPr>
+          <p:nvPr/>
+        </p:nvPicPr>
+        <p:blipFill>
+          <a:blip r:embed="rId4" cstate="print"/>
+          <a:srcRect/>
+          <a:stretch>
+            <a:fillRect/>
+          </a:stretch>
+        </p:blipFill>
+        <p:spPr bwMode="auto">
+          <a:xfrm>
+            <a:off x="3" y="4972050"/>
+            <a:ext cx="962025" cy="942975"/>
+          </a:xfrm>
+          <a:prstGeom prst="rect">
+            <a:avLst/>
+          </a:prstGeom>
+          <a:noFill/>
+        </p:spPr>
+      </p:pic>
+      <p:pic>
+        <p:nvPicPr>
+          <p:cNvPr id="10" name="Picture 5" descr="F:\素材\2D沙漠场景瓷砖素材\DesertTileset\png\Objects\StoneBlock.png"/>
+          <p:cNvPicPr>
+            <a:picLocks noChangeAspect="1" noChangeArrowheads="1"/>
+          </p:cNvPicPr>
+          <p:nvPr/>
+        </p:nvPicPr>
+        <p:blipFill>
+          <a:blip r:embed="rId4" cstate="print"/>
+          <a:srcRect/>
+          <a:stretch>
+            <a:fillRect/>
+          </a:stretch>
+        </p:blipFill>
+        <p:spPr bwMode="auto">
+          <a:xfrm>
+            <a:off x="0" y="5915025"/>
+            <a:ext cx="962025" cy="942975"/>
+          </a:xfrm>
+          <a:prstGeom prst="rect">
+            <a:avLst/>
+          </a:prstGeom>
+          <a:noFill/>
+        </p:spPr>
+      </p:pic>
     </p:spTree>
     <p:extLst>
       <p:ext uri="{BB962C8B-B14F-4D97-AF65-F5344CB8AC3E}">
-        <p14:creationId xmlns:p14="http://schemas.microsoft.com/office/powerpoint/2010/main" xmlns="" val="2417441425"/>
+        <p14:creationId xmlns:p14="http://schemas.microsoft.com/office/powerpoint/2010/main" val="2417441425"/>
       </p:ext>
     </p:extLst>
   </p:cSld>
@@ -3549,7 +3601,7 @@
           <a:blip r:embed="rId2" cstate="print">
             <a:extLst>
               <a:ext uri="{28A0092B-C50C-407E-A947-70E740481C1C}">
-                <a14:useLocalDpi xmlns:a14="http://schemas.microsoft.com/office/drawing/2010/main" xmlns="" val="0"/>
+                <a14:useLocalDpi xmlns:a14="http://schemas.microsoft.com/office/drawing/2010/main" val="0"/>
               </a:ext>
             </a:extLst>
           </a:blip>
@@ -3609,7 +3661,7 @@
           <a:blip r:embed="rId3" cstate="print">
             <a:extLst>
               <a:ext uri="{28A0092B-C50C-407E-A947-70E740481C1C}">
-                <a14:useLocalDpi xmlns:a14="http://schemas.microsoft.com/office/drawing/2010/main" xmlns="" val="0"/>
+                <a14:useLocalDpi xmlns:a14="http://schemas.microsoft.com/office/drawing/2010/main" val="0"/>
               </a:ext>
             </a:extLst>
           </a:blip>
@@ -3711,11 +3763,7 @@
           <a:p>
             <a:r>
               <a:rPr lang="zh-CN" altLang="en-US" b="1" dirty="0" smtClean="0"/>
-              <a:t>武器</a:t>
-            </a:r>
-            <a:r>
-              <a:rPr lang="zh-CN" altLang="en-US" b="1" dirty="0" smtClean="0"/>
-              <a:t>类</a:t>
+              <a:t>武器类</a:t>
             </a:r>
             <a:endParaRPr lang="zh-CN" altLang="en-US" b="1" dirty="0"/>
           </a:p>
@@ -3745,11 +3793,7 @@
           <a:p>
             <a:r>
               <a:rPr lang="zh-CN" altLang="en-US" b="1" dirty="0" smtClean="0"/>
-              <a:t>子弹</a:t>
-            </a:r>
-            <a:r>
-              <a:rPr lang="zh-CN" altLang="en-US" b="1" dirty="0" smtClean="0"/>
-              <a:t>类</a:t>
+              <a:t>子弹类</a:t>
             </a:r>
             <a:endParaRPr lang="zh-CN" altLang="en-US" b="1" dirty="0"/>
           </a:p>
@@ -3785,10 +3829,218 @@
           </a:p>
         </p:txBody>
       </p:sp>
+      <p:pic>
+        <p:nvPicPr>
+          <p:cNvPr id="12" name="Picture 2" descr="F:\素材\2D沙漠场景瓷砖素材\DesertTileset\png\Objects\StoneBlock.png"/>
+          <p:cNvPicPr>
+            <a:picLocks noChangeAspect="1" noChangeArrowheads="1"/>
+          </p:cNvPicPr>
+          <p:nvPr/>
+        </p:nvPicPr>
+        <p:blipFill>
+          <a:blip r:embed="rId4" cstate="print"/>
+          <a:srcRect/>
+          <a:stretch>
+            <a:fillRect/>
+          </a:stretch>
+        </p:blipFill>
+        <p:spPr bwMode="auto">
+          <a:xfrm>
+            <a:off x="6672551" y="5915024"/>
+            <a:ext cx="962025" cy="942975"/>
+          </a:xfrm>
+          <a:prstGeom prst="rect">
+            <a:avLst/>
+          </a:prstGeom>
+          <a:noFill/>
+        </p:spPr>
+      </p:pic>
+      <p:pic>
+        <p:nvPicPr>
+          <p:cNvPr id="13" name="Picture 3" descr="F:\素材\2D沙漠场景瓷砖素材\DesertTileset\png\Objects\StoneBlock.png"/>
+          <p:cNvPicPr>
+            <a:picLocks noChangeAspect="1" noChangeArrowheads="1"/>
+          </p:cNvPicPr>
+          <p:nvPr/>
+        </p:nvPicPr>
+        <p:blipFill>
+          <a:blip r:embed="rId4" cstate="print"/>
+          <a:srcRect/>
+          <a:stretch>
+            <a:fillRect/>
+          </a:stretch>
+        </p:blipFill>
+        <p:spPr bwMode="auto">
+          <a:xfrm>
+            <a:off x="5733884" y="5907159"/>
+            <a:ext cx="962025" cy="942975"/>
+          </a:xfrm>
+          <a:prstGeom prst="rect">
+            <a:avLst/>
+          </a:prstGeom>
+          <a:noFill/>
+        </p:spPr>
+      </p:pic>
+      <p:pic>
+        <p:nvPicPr>
+          <p:cNvPr id="14" name="Picture 4" descr="F:\素材\2D沙漠场景瓷砖素材\DesertTileset\png\Objects\StoneBlock.png"/>
+          <p:cNvPicPr>
+            <a:picLocks noChangeAspect="1" noChangeArrowheads="1"/>
+          </p:cNvPicPr>
+          <p:nvPr/>
+        </p:nvPicPr>
+        <p:blipFill>
+          <a:blip r:embed="rId4" cstate="print"/>
+          <a:srcRect/>
+          <a:stretch>
+            <a:fillRect/>
+          </a:stretch>
+        </p:blipFill>
+        <p:spPr bwMode="auto">
+          <a:xfrm>
+            <a:off x="4801708" y="5911092"/>
+            <a:ext cx="962025" cy="942975"/>
+          </a:xfrm>
+          <a:prstGeom prst="rect">
+            <a:avLst/>
+          </a:prstGeom>
+          <a:noFill/>
+        </p:spPr>
+      </p:pic>
+      <p:pic>
+        <p:nvPicPr>
+          <p:cNvPr id="15" name="Picture 5" descr="F:\素材\2D沙漠场景瓷砖素材\DesertTileset\png\Objects\StoneBlock.png"/>
+          <p:cNvPicPr>
+            <a:picLocks noChangeAspect="1" noChangeArrowheads="1"/>
+          </p:cNvPicPr>
+          <p:nvPr/>
+        </p:nvPicPr>
+        <p:blipFill>
+          <a:blip r:embed="rId4" cstate="print"/>
+          <a:srcRect/>
+          <a:stretch>
+            <a:fillRect/>
+          </a:stretch>
+        </p:blipFill>
+        <p:spPr bwMode="auto">
+          <a:xfrm>
+            <a:off x="3851362" y="5915025"/>
+            <a:ext cx="962025" cy="942975"/>
+          </a:xfrm>
+          <a:prstGeom prst="rect">
+            <a:avLst/>
+          </a:prstGeom>
+          <a:noFill/>
+        </p:spPr>
+      </p:pic>
+      <p:pic>
+        <p:nvPicPr>
+          <p:cNvPr id="16" name="Picture 5" descr="F:\素材\2D沙漠场景瓷砖素材\DesertTileset\png\Objects\StoneBlock.png"/>
+          <p:cNvPicPr>
+            <a:picLocks noChangeAspect="1" noChangeArrowheads="1"/>
+          </p:cNvPicPr>
+          <p:nvPr/>
+        </p:nvPicPr>
+        <p:blipFill>
+          <a:blip r:embed="rId4" cstate="print"/>
+          <a:srcRect/>
+          <a:stretch>
+            <a:fillRect/>
+          </a:stretch>
+        </p:blipFill>
+        <p:spPr bwMode="auto">
+          <a:xfrm>
+            <a:off x="2919186" y="5915025"/>
+            <a:ext cx="962025" cy="942975"/>
+          </a:xfrm>
+          <a:prstGeom prst="rect">
+            <a:avLst/>
+          </a:prstGeom>
+          <a:noFill/>
+        </p:spPr>
+      </p:pic>
+      <p:pic>
+        <p:nvPicPr>
+          <p:cNvPr id="17" name="Picture 5" descr="F:\素材\2D沙漠场景瓷砖素材\DesertTileset\png\Objects\StoneBlock.png"/>
+          <p:cNvPicPr>
+            <a:picLocks noChangeAspect="1" noChangeArrowheads="1"/>
+          </p:cNvPicPr>
+          <p:nvPr/>
+        </p:nvPicPr>
+        <p:blipFill>
+          <a:blip r:embed="rId4" cstate="print"/>
+          <a:srcRect/>
+          <a:stretch>
+            <a:fillRect/>
+          </a:stretch>
+        </p:blipFill>
+        <p:spPr bwMode="auto">
+          <a:xfrm>
+            <a:off x="1968840" y="5915025"/>
+            <a:ext cx="962025" cy="942975"/>
+          </a:xfrm>
+          <a:prstGeom prst="rect">
+            <a:avLst/>
+          </a:prstGeom>
+          <a:noFill/>
+        </p:spPr>
+      </p:pic>
+      <p:pic>
+        <p:nvPicPr>
+          <p:cNvPr id="18" name="Picture 2" descr="F:\素材\2D沙漠场景瓷砖素材\DesertTileset\png\Objects\StoneBlock.png"/>
+          <p:cNvPicPr>
+            <a:picLocks noChangeAspect="1" noChangeArrowheads="1"/>
+          </p:cNvPicPr>
+          <p:nvPr/>
+        </p:nvPicPr>
+        <p:blipFill>
+          <a:blip r:embed="rId4" cstate="print"/>
+          <a:srcRect/>
+          <a:stretch>
+            <a:fillRect/>
+          </a:stretch>
+        </p:blipFill>
+        <p:spPr bwMode="auto">
+          <a:xfrm>
+            <a:off x="8561564" y="5915025"/>
+            <a:ext cx="962025" cy="942975"/>
+          </a:xfrm>
+          <a:prstGeom prst="rect">
+            <a:avLst/>
+          </a:prstGeom>
+          <a:noFill/>
+        </p:spPr>
+      </p:pic>
+      <p:pic>
+        <p:nvPicPr>
+          <p:cNvPr id="19" name="Picture 3" descr="F:\素材\2D沙漠场景瓷砖素材\DesertTileset\png\Objects\StoneBlock.png"/>
+          <p:cNvPicPr>
+            <a:picLocks noChangeAspect="1" noChangeArrowheads="1"/>
+          </p:cNvPicPr>
+          <p:nvPr/>
+        </p:nvPicPr>
+        <p:blipFill>
+          <a:blip r:embed="rId4" cstate="print"/>
+          <a:srcRect/>
+          <a:stretch>
+            <a:fillRect/>
+          </a:stretch>
+        </p:blipFill>
+        <p:spPr bwMode="auto">
+          <a:xfrm>
+            <a:off x="7622897" y="5907160"/>
+            <a:ext cx="962025" cy="942975"/>
+          </a:xfrm>
+          <a:prstGeom prst="rect">
+            <a:avLst/>
+          </a:prstGeom>
+          <a:noFill/>
+        </p:spPr>
+      </p:pic>
     </p:spTree>
     <p:extLst>
       <p:ext uri="{BB962C8B-B14F-4D97-AF65-F5344CB8AC3E}">
-        <p14:creationId xmlns:p14="http://schemas.microsoft.com/office/powerpoint/2010/main" xmlns="" val="3394418747"/>
+        <p14:creationId xmlns:p14="http://schemas.microsoft.com/office/powerpoint/2010/main" val="3394418747"/>
       </p:ext>
     </p:extLst>
   </p:cSld>
@@ -4075,7 +4327,7 @@
           <a:blip r:embed="rId2" cstate="print">
             <a:extLst>
               <a:ext uri="{28A0092B-C50C-407E-A947-70E740481C1C}">
-                <a14:useLocalDpi xmlns:a14="http://schemas.microsoft.com/office/drawing/2010/main" xmlns="" val="0"/>
+                <a14:useLocalDpi xmlns:a14="http://schemas.microsoft.com/office/drawing/2010/main" val="0"/>
               </a:ext>
             </a:extLst>
           </a:blip>
@@ -4203,11 +4455,7 @@
           <a:p>
             <a:r>
               <a:rPr lang="zh-CN" altLang="en-US" dirty="0" smtClean="0"/>
-              <a:t>角色</a:t>
-            </a:r>
-            <a:r>
-              <a:rPr lang="zh-CN" altLang="en-US" dirty="0" smtClean="0"/>
-              <a:t>：</a:t>
+              <a:t>角色：</a:t>
             </a:r>
             <a:endParaRPr lang="zh-CN" altLang="en-US" dirty="0"/>
           </a:p>
@@ -4380,7 +4628,7 @@
     </p:spTree>
     <p:extLst>
       <p:ext uri="{BB962C8B-B14F-4D97-AF65-F5344CB8AC3E}">
-        <p14:creationId xmlns:p14="http://schemas.microsoft.com/office/powerpoint/2010/main" xmlns="" val="3867096939"/>
+        <p14:creationId xmlns:p14="http://schemas.microsoft.com/office/powerpoint/2010/main" val="3867096939"/>
       </p:ext>
     </p:extLst>
   </p:cSld>
@@ -5710,7 +5958,7 @@
           <a:blip r:embed="rId2" cstate="print">
             <a:extLst>
               <a:ext uri="{28A0092B-C50C-407E-A947-70E740481C1C}">
-                <a14:useLocalDpi xmlns:a14="http://schemas.microsoft.com/office/drawing/2010/main" xmlns="" val="0"/>
+                <a14:useLocalDpi xmlns:a14="http://schemas.microsoft.com/office/drawing/2010/main" val="0"/>
               </a:ext>
             </a:extLst>
           </a:blip>
@@ -5752,15 +6000,7 @@
           <a:p>
             <a:r>
               <a:rPr lang="zh-CN" altLang="en-US" sz="3600" dirty="0" smtClean="0"/>
-              <a:t>主要</a:t>
-            </a:r>
-            <a:r>
-              <a:rPr lang="zh-CN" altLang="en-US" sz="3600" dirty="0" smtClean="0"/>
-              <a:t>函</a:t>
-            </a:r>
-            <a:r>
-              <a:rPr lang="zh-CN" altLang="en-US" sz="3600" dirty="0" smtClean="0"/>
-              <a:t>数介绍</a:t>
+              <a:t>主要函数介绍</a:t>
             </a:r>
             <a:endParaRPr lang="en-US" altLang="zh-CN" sz="3600" dirty="0" smtClean="0"/>
           </a:p>
@@ -5852,15 +6092,7 @@
           <a:p>
             <a:r>
               <a:rPr lang="zh-CN" altLang="en-US" b="1" dirty="0" smtClean="0"/>
-              <a:t>计算两个物体碰撞，返回矩形</a:t>
-            </a:r>
-            <a:r>
-              <a:rPr lang="zh-CN" altLang="en-US" b="1" dirty="0" smtClean="0"/>
-              <a:t>在</a:t>
-            </a:r>
-            <a:r>
-              <a:rPr lang="zh-CN" altLang="en-US" b="1" dirty="0" smtClean="0"/>
-              <a:t>哪个边碰撞。</a:t>
+              <a:t>计算两个物体碰撞，返回矩形在哪个边碰撞。</a:t>
             </a:r>
             <a:endParaRPr lang="zh-CN" altLang="en-US" b="1" dirty="0"/>
           </a:p>
@@ -5890,15 +6122,7 @@
           <a:p>
             <a:r>
               <a:rPr lang="zh-CN" altLang="en-US" b="1" dirty="0" smtClean="0"/>
-              <a:t>返回值是一个四位</a:t>
-            </a:r>
-            <a:r>
-              <a:rPr lang="zh-CN" altLang="en-US" b="1" dirty="0" smtClean="0"/>
-              <a:t>整</a:t>
-            </a:r>
-            <a:r>
-              <a:rPr lang="zh-CN" altLang="en-US" b="1" dirty="0" smtClean="0"/>
-              <a:t>型值，例：</a:t>
+              <a:t>返回值是一个四位整型值，例：</a:t>
             </a:r>
             <a:endParaRPr lang="zh-CN" altLang="en-US" b="1" dirty="0"/>
           </a:p>
@@ -6062,7 +6286,7 @@
         </p:nvSpPr>
         <p:spPr>
           <a:xfrm>
-            <a:off x="2771312" y="4173984"/>
+            <a:off x="2725444" y="4169544"/>
             <a:ext cx="5015883" cy="369332"/>
           </a:xfrm>
           <a:prstGeom prst="rect">
@@ -6078,11 +6302,7 @@
           <a:p>
             <a:r>
               <a:rPr lang="zh-CN" altLang="en-US" b="1" dirty="0" smtClean="0"/>
-              <a:t>鼠</a:t>
-            </a:r>
-            <a:r>
-              <a:rPr lang="zh-CN" altLang="en-US" b="1" dirty="0" smtClean="0"/>
-              <a:t>标拖拽：</a:t>
+              <a:t>鼠标拖拽：</a:t>
             </a:r>
             <a:r>
               <a:rPr lang="en-US" altLang="zh-CN" b="1" dirty="0" err="1" smtClean="0"/>
@@ -6104,7 +6324,7 @@
         </p:nvSpPr>
         <p:spPr>
           <a:xfrm>
-            <a:off x="2781670" y="4645980"/>
+            <a:off x="2725444" y="4648028"/>
             <a:ext cx="5015883" cy="369332"/>
           </a:xfrm>
           <a:prstGeom prst="rect">
@@ -6120,11 +6340,7 @@
           <a:p>
             <a:r>
               <a:rPr lang="zh-CN" altLang="en-US" b="1" dirty="0" smtClean="0"/>
-              <a:t>获</a:t>
-            </a:r>
-            <a:r>
-              <a:rPr lang="zh-CN" altLang="en-US" b="1" dirty="0" smtClean="0"/>
-              <a:t>取速度：</a:t>
+              <a:t>获取速度：</a:t>
             </a:r>
             <a:r>
               <a:rPr lang="en-US" altLang="zh-CN" dirty="0" smtClean="0"/>
@@ -6145,7 +6361,7 @@
     </p:spTree>
     <p:extLst>
       <p:ext uri="{BB962C8B-B14F-4D97-AF65-F5344CB8AC3E}">
-        <p14:creationId xmlns:p14="http://schemas.microsoft.com/office/powerpoint/2010/main" xmlns="" val="3607553883"/>
+        <p14:creationId xmlns:p14="http://schemas.microsoft.com/office/powerpoint/2010/main" val="3607553883"/>
       </p:ext>
     </p:extLst>
   </p:cSld>
@@ -6648,188 +6864,6 @@
                                         </p:tgtEl>
                                       </p:cBhvr>
                                     </p:animEffect>
-                                  </p:childTnLst>
-                                </p:cTn>
-                              </p:par>
-                            </p:childTnLst>
-                          </p:cTn>
-                        </p:par>
-                      </p:childTnLst>
-                    </p:cTn>
-                  </p:par>
-                  <p:par>
-                    <p:cTn id="48" fill="hold">
-                      <p:stCondLst>
-                        <p:cond delay="indefinite"/>
-                      </p:stCondLst>
-                      <p:childTnLst>
-                        <p:par>
-                          <p:cTn id="49" fill="hold">
-                            <p:stCondLst>
-                              <p:cond delay="0"/>
-                            </p:stCondLst>
-                            <p:childTnLst>
-                              <p:par>
-                                <p:cTn id="50" presetID="2" presetClass="entr" presetSubtype="4" fill="hold" grpId="1" nodeType="clickEffect">
-                                  <p:stCondLst>
-                                    <p:cond delay="0"/>
-                                  </p:stCondLst>
-                                  <p:childTnLst>
-                                    <p:set>
-                                      <p:cBhvr>
-                                        <p:cTn id="51" dur="1" fill="hold">
-                                          <p:stCondLst>
-                                            <p:cond delay="0"/>
-                                          </p:stCondLst>
-                                        </p:cTn>
-                                        <p:tgtEl>
-                                          <p:spTgt spid="15"/>
-                                        </p:tgtEl>
-                                        <p:attrNameLst>
-                                          <p:attrName>style.visibility</p:attrName>
-                                        </p:attrNameLst>
-                                      </p:cBhvr>
-                                      <p:to>
-                                        <p:strVal val="visible"/>
-                                      </p:to>
-                                    </p:set>
-                                    <p:anim calcmode="lin" valueType="num">
-                                      <p:cBhvr additive="base">
-                                        <p:cTn id="52" dur="500" fill="hold"/>
-                                        <p:tgtEl>
-                                          <p:spTgt spid="15"/>
-                                        </p:tgtEl>
-                                        <p:attrNameLst>
-                                          <p:attrName>ppt_x</p:attrName>
-                                        </p:attrNameLst>
-                                      </p:cBhvr>
-                                      <p:tavLst>
-                                        <p:tav tm="0">
-                                          <p:val>
-                                            <p:strVal val="#ppt_x"/>
-                                          </p:val>
-                                        </p:tav>
-                                        <p:tav tm="100000">
-                                          <p:val>
-                                            <p:strVal val="#ppt_x"/>
-                                          </p:val>
-                                        </p:tav>
-                                      </p:tavLst>
-                                    </p:anim>
-                                    <p:anim calcmode="lin" valueType="num">
-                                      <p:cBhvr additive="base">
-                                        <p:cTn id="53" dur="500" fill="hold"/>
-                                        <p:tgtEl>
-                                          <p:spTgt spid="15"/>
-                                        </p:tgtEl>
-                                        <p:attrNameLst>
-                                          <p:attrName>ppt_y</p:attrName>
-                                        </p:attrNameLst>
-                                      </p:cBhvr>
-                                      <p:tavLst>
-                                        <p:tav tm="0">
-                                          <p:val>
-                                            <p:strVal val="1+#ppt_h/2"/>
-                                          </p:val>
-                                        </p:tav>
-                                        <p:tav tm="100000">
-                                          <p:val>
-                                            <p:strVal val="#ppt_y"/>
-                                          </p:val>
-                                        </p:tav>
-                                      </p:tavLst>
-                                    </p:anim>
-                                  </p:childTnLst>
-                                </p:cTn>
-                              </p:par>
-                            </p:childTnLst>
-                          </p:cTn>
-                        </p:par>
-                      </p:childTnLst>
-                    </p:cTn>
-                  </p:par>
-                  <p:par>
-                    <p:cTn id="54" fill="hold">
-                      <p:stCondLst>
-                        <p:cond delay="indefinite"/>
-                      </p:stCondLst>
-                      <p:childTnLst>
-                        <p:par>
-                          <p:cTn id="55" fill="hold">
-                            <p:stCondLst>
-                              <p:cond delay="0"/>
-                            </p:stCondLst>
-                            <p:childTnLst>
-                              <p:par>
-                                <p:cTn id="56" presetID="2" presetClass="entr" presetSubtype="4" fill="hold" grpId="1" nodeType="clickEffect">
-                                  <p:stCondLst>
-                                    <p:cond delay="0"/>
-                                  </p:stCondLst>
-                                  <p:childTnLst>
-                                    <p:set>
-                                      <p:cBhvr>
-                                        <p:cTn id="57" dur="1" fill="hold">
-                                          <p:stCondLst>
-                                            <p:cond delay="0"/>
-                                          </p:stCondLst>
-                                        </p:cTn>
-                                        <p:tgtEl>
-                                          <p:spTgt spid="17"/>
-                                        </p:tgtEl>
-                                        <p:attrNameLst>
-                                          <p:attrName>style.visibility</p:attrName>
-                                        </p:attrNameLst>
-                                      </p:cBhvr>
-                                      <p:to>
-                                        <p:strVal val="visible"/>
-                                      </p:to>
-                                    </p:set>
-                                    <p:anim calcmode="lin" valueType="num">
-                                      <p:cBhvr additive="base">
-                                        <p:cTn id="58" dur="500" fill="hold"/>
-                                        <p:tgtEl>
-                                          <p:spTgt spid="17"/>
-                                        </p:tgtEl>
-                                        <p:attrNameLst>
-                                          <p:attrName>ppt_x</p:attrName>
-                                        </p:attrNameLst>
-                                      </p:cBhvr>
-                                      <p:tavLst>
-                                        <p:tav tm="0">
-                                          <p:val>
-                                            <p:strVal val="#ppt_x"/>
-                                          </p:val>
-                                        </p:tav>
-                                        <p:tav tm="100000">
-                                          <p:val>
-                                            <p:strVal val="#ppt_x"/>
-                                          </p:val>
-                                        </p:tav>
-                                      </p:tavLst>
-                                    </p:anim>
-                                    <p:anim calcmode="lin" valueType="num">
-                                      <p:cBhvr additive="base">
-                                        <p:cTn id="59" dur="500" fill="hold"/>
-                                        <p:tgtEl>
-                                          <p:spTgt spid="17"/>
-                                        </p:tgtEl>
-                                        <p:attrNameLst>
-                                          <p:attrName>ppt_y</p:attrName>
-                                        </p:attrNameLst>
-                                      </p:cBhvr>
-                                      <p:tavLst>
-                                        <p:tav tm="0">
-                                          <p:val>
-                                            <p:strVal val="1+#ppt_h/2"/>
-                                          </p:val>
-                                        </p:tav>
-                                        <p:tav tm="100000">
-                                          <p:val>
-                                            <p:strVal val="#ppt_y"/>
-                                          </p:val>
-                                        </p:tav>
-                                      </p:tavLst>
-                                    </p:anim>
                                   </p:childTnLst>
                                 </p:cTn>
                               </p:par>
@@ -6873,9 +6907,7 @@
       <p:bldP spid="13" grpId="1"/>
       <p:bldP spid="14" grpId="0"/>
       <p:bldP spid="15" grpId="0"/>
-      <p:bldP spid="15" grpId="1"/>
       <p:bldP spid="17" grpId="0"/>
-      <p:bldP spid="17" grpId="1"/>
     </p:bldLst>
   </p:timing>
 </p:sld>
@@ -6910,7 +6942,7 @@
           <a:blip r:embed="rId2" cstate="print">
             <a:extLst>
               <a:ext uri="{28A0092B-C50C-407E-A947-70E740481C1C}">
-                <a14:useLocalDpi xmlns:a14="http://schemas.microsoft.com/office/drawing/2010/main" xmlns="" val="0"/>
+                <a14:useLocalDpi xmlns:a14="http://schemas.microsoft.com/office/drawing/2010/main" val="0"/>
               </a:ext>
             </a:extLst>
           </a:blip>
@@ -6966,7 +6998,7 @@
         </p:nvSpPr>
         <p:spPr>
           <a:xfrm>
-            <a:off x="2104007" y="2609235"/>
+            <a:off x="2078854" y="2620650"/>
             <a:ext cx="6024899" cy="923330"/>
           </a:xfrm>
           <a:prstGeom prst="rect">
@@ -6982,11 +7014,7 @@
           <a:p>
             <a:r>
               <a:rPr lang="en-US" altLang="zh-CN" b="1" dirty="0" smtClean="0"/>
-              <a:t> </a:t>
-            </a:r>
-            <a:r>
-              <a:rPr lang="en-US" altLang="zh-CN" b="1" dirty="0" smtClean="0"/>
-              <a:t>   </a:t>
+              <a:t>    </a:t>
             </a:r>
             <a:r>
               <a:rPr lang="en-US" altLang="zh-CN" dirty="0" smtClean="0"/>
@@ -6994,15 +7022,7 @@
             </a:r>
             <a:r>
               <a:rPr lang="zh-CN" altLang="en-US" dirty="0" smtClean="0"/>
-              <a:t>如</a:t>
-            </a:r>
-            <a:r>
-              <a:rPr lang="zh-CN" altLang="en-US" dirty="0" smtClean="0"/>
-              <a:t>果玩家将地图拉伸到地图边界外，松开鼠标地图会慢慢回到地图边界</a:t>
-            </a:r>
-            <a:r>
-              <a:rPr lang="zh-CN" altLang="en-US" dirty="0" smtClean="0"/>
-              <a:t>。</a:t>
+              <a:t>如果玩家将地图拉伸到地图边界外，松开鼠标地图会慢慢回到地图边界。</a:t>
             </a:r>
             <a:endParaRPr lang="en-US" altLang="zh-CN" dirty="0" smtClean="0"/>
           </a:p>
@@ -7043,11 +7063,7 @@
           <a:p>
             <a:r>
               <a:rPr lang="zh-CN" altLang="en-US" b="1" dirty="0" smtClean="0"/>
-              <a:t>地图拉伸</a:t>
-            </a:r>
-            <a:r>
-              <a:rPr lang="zh-CN" altLang="en-US" b="1" dirty="0" smtClean="0"/>
-              <a:t>：</a:t>
+              <a:t>地图拉伸：</a:t>
             </a:r>
             <a:endParaRPr lang="en-US" altLang="zh-CN" b="1" dirty="0" smtClean="0"/>
           </a:p>
@@ -7061,7 +7077,7 @@
         </p:nvSpPr>
         <p:spPr>
           <a:xfrm>
-            <a:off x="2069975" y="3650202"/>
+            <a:off x="2068495" y="3638251"/>
             <a:ext cx="2414727" cy="369332"/>
           </a:xfrm>
           <a:prstGeom prst="rect">
@@ -7077,11 +7093,7 @@
           <a:p>
             <a:r>
               <a:rPr lang="zh-CN" altLang="en-US" b="1" dirty="0" smtClean="0"/>
-              <a:t>鼠</a:t>
-            </a:r>
-            <a:r>
-              <a:rPr lang="zh-CN" altLang="en-US" b="1" dirty="0" smtClean="0"/>
-              <a:t>标与键盘同时操作：</a:t>
+              <a:t>鼠标与键盘同时操作：</a:t>
             </a:r>
             <a:endParaRPr lang="en-US" altLang="zh-CN" b="1" dirty="0" smtClean="0"/>
           </a:p>
@@ -7095,7 +7107,7 @@
         </p:nvSpPr>
         <p:spPr>
           <a:xfrm>
-            <a:off x="2078854" y="4022265"/>
+            <a:off x="2068495" y="4010131"/>
             <a:ext cx="6024899" cy="646331"/>
           </a:xfrm>
           <a:prstGeom prst="rect">
@@ -7111,11 +7123,7 @@
           <a:p>
             <a:r>
               <a:rPr lang="en-US" altLang="zh-CN" b="1" dirty="0" smtClean="0"/>
-              <a:t> </a:t>
-            </a:r>
-            <a:r>
-              <a:rPr lang="en-US" altLang="zh-CN" b="1" dirty="0" smtClean="0"/>
-              <a:t>    </a:t>
+              <a:t>     </a:t>
             </a:r>
             <a:r>
               <a:rPr lang="zh-CN" altLang="en-US" dirty="0" smtClean="0"/>
@@ -7138,15 +7146,7 @@
             </a:r>
             <a:r>
               <a:rPr lang="zh-CN" altLang="en-US" dirty="0" smtClean="0"/>
-              <a:t>增加了游戏</a:t>
-            </a:r>
-            <a:r>
-              <a:rPr lang="zh-CN" altLang="en-US" dirty="0" smtClean="0"/>
-              <a:t>的可扩</a:t>
-            </a:r>
-            <a:r>
-              <a:rPr lang="zh-CN" altLang="en-US" dirty="0" smtClean="0"/>
-              <a:t>展性。</a:t>
+              <a:t>增加了游戏的可扩展性。</a:t>
             </a:r>
             <a:endParaRPr lang="zh-CN" altLang="en-US" dirty="0"/>
           </a:p>
@@ -7160,7 +7160,7 @@
         </p:nvSpPr>
         <p:spPr>
           <a:xfrm>
-            <a:off x="2106966" y="4796900"/>
+            <a:off x="2068494" y="4753281"/>
             <a:ext cx="2414727" cy="369332"/>
           </a:xfrm>
           <a:prstGeom prst="rect">
@@ -7176,11 +7176,7 @@
           <a:p>
             <a:r>
               <a:rPr lang="zh-CN" altLang="en-US" b="1" dirty="0" smtClean="0"/>
-              <a:t>使用</a:t>
-            </a:r>
-            <a:r>
-              <a:rPr lang="zh-CN" altLang="en-US" b="1" dirty="0" smtClean="0"/>
-              <a:t>配置文件：</a:t>
+              <a:t>使用配置文件：</a:t>
             </a:r>
             <a:endParaRPr lang="en-US" altLang="zh-CN" b="1" dirty="0" smtClean="0"/>
           </a:p>
@@ -7194,7 +7190,7 @@
         </p:nvSpPr>
         <p:spPr>
           <a:xfrm>
-            <a:off x="2115844" y="5195597"/>
+            <a:off x="2078854" y="5216075"/>
             <a:ext cx="6024899" cy="646331"/>
           </a:xfrm>
           <a:prstGeom prst="rect">
@@ -7225,15 +7221,7 @@
             </a:r>
             <a:r>
               <a:rPr lang="zh-CN" altLang="en-US" dirty="0" smtClean="0"/>
-              <a:t>增加了游戏</a:t>
-            </a:r>
-            <a:r>
-              <a:rPr lang="zh-CN" altLang="en-US" dirty="0" smtClean="0"/>
-              <a:t>的可移植性</a:t>
-            </a:r>
-            <a:r>
-              <a:rPr lang="zh-CN" altLang="en-US" dirty="0" smtClean="0"/>
-              <a:t>。</a:t>
+              <a:t>增加了游戏的可移植性。</a:t>
             </a:r>
             <a:endParaRPr lang="zh-CN" altLang="en-US" dirty="0"/>
           </a:p>
@@ -7242,7 +7230,7 @@
     </p:spTree>
     <p:extLst>
       <p:ext uri="{BB962C8B-B14F-4D97-AF65-F5344CB8AC3E}">
-        <p14:creationId xmlns:p14="http://schemas.microsoft.com/office/powerpoint/2010/main" xmlns="" val="582948142"/>
+        <p14:creationId xmlns:p14="http://schemas.microsoft.com/office/powerpoint/2010/main" val="582948142"/>
       </p:ext>
     </p:extLst>
   </p:cSld>
@@ -7811,7 +7799,7 @@
           <a:blip r:embed="rId2" cstate="print">
             <a:extLst>
               <a:ext uri="{28A0092B-C50C-407E-A947-70E740481C1C}">
-                <a14:useLocalDpi xmlns:a14="http://schemas.microsoft.com/office/drawing/2010/main" xmlns="" val="0"/>
+                <a14:useLocalDpi xmlns:a14="http://schemas.microsoft.com/office/drawing/2010/main" val="0"/>
               </a:ext>
             </a:extLst>
           </a:blip>
@@ -7955,7 +7943,7 @@
         </p:nvSpPr>
         <p:spPr>
           <a:xfrm>
-            <a:off x="2709644" y="3565321"/>
+            <a:off x="2676088" y="3565321"/>
             <a:ext cx="6031684" cy="646331"/>
           </a:xfrm>
           <a:prstGeom prst="rect">
@@ -7981,7 +7969,7 @@
     </p:spTree>
     <p:extLst>
       <p:ext uri="{BB962C8B-B14F-4D97-AF65-F5344CB8AC3E}">
-        <p14:creationId xmlns:p14="http://schemas.microsoft.com/office/powerpoint/2010/main" xmlns="" val="3765624363"/>
+        <p14:creationId xmlns:p14="http://schemas.microsoft.com/office/powerpoint/2010/main" val="3765624363"/>
       </p:ext>
     </p:extLst>
   </p:cSld>
@@ -8273,7 +8261,7 @@
           <a:blip r:embed="rId2" cstate="print">
             <a:extLst>
               <a:ext uri="{28A0092B-C50C-407E-A947-70E740481C1C}">
-                <a14:useLocalDpi xmlns:a14="http://schemas.microsoft.com/office/drawing/2010/main" xmlns="" val="0"/>
+                <a14:useLocalDpi xmlns:a14="http://schemas.microsoft.com/office/drawing/2010/main" val="0"/>
               </a:ext>
             </a:extLst>
           </a:blip>
@@ -8294,7 +8282,7 @@
     </p:spTree>
     <p:extLst>
       <p:ext uri="{BB962C8B-B14F-4D97-AF65-F5344CB8AC3E}">
-        <p14:creationId xmlns:p14="http://schemas.microsoft.com/office/powerpoint/2010/main" xmlns="" val="1873029179"/>
+        <p14:creationId xmlns:p14="http://schemas.microsoft.com/office/powerpoint/2010/main" val="1873029179"/>
       </p:ext>
     </p:extLst>
   </p:cSld>
@@ -8566,7 +8554,7 @@
   <a:extraClrSchemeLst/>
   <a:extLst>
     <a:ext uri="{05A4C25C-085E-4340-85A3-A5531E510DB2}">
-      <thm15:themeFamily xmlns:thm15="http://schemas.microsoft.com/office/thememl/2012/main" xmlns="" name="Office Theme" id="{62F939B6-93AF-4DB8-9C6B-D6C7DFDC589F}" vid="{4A3C46E8-61CC-4603-A589-7422A47A8E4A}"/>
+      <thm15:themeFamily xmlns:thm15="http://schemas.microsoft.com/office/thememl/2012/main" name="Office Theme" id="{62F939B6-93AF-4DB8-9C6B-D6C7DFDC589F}" vid="{4A3C46E8-61CC-4603-A589-7422A47A8E4A}"/>
     </a:ext>
   </a:extLst>
 </a:theme>
